--- a/Hospital Management Design.pptx
+++ b/Hospital Management Design.pptx
@@ -15,9 +15,10 @@
     <p:sldId id="260" r:id="rId9"/>
     <p:sldId id="266" r:id="rId10"/>
     <p:sldId id="267" r:id="rId11"/>
-    <p:sldId id="269" r:id="rId12"/>
-    <p:sldId id="271" r:id="rId13"/>
-    <p:sldId id="272" r:id="rId14"/>
+    <p:sldId id="273" r:id="rId12"/>
+    <p:sldId id="269" r:id="rId13"/>
+    <p:sldId id="271" r:id="rId14"/>
+    <p:sldId id="272" r:id="rId15"/>
   </p:sldIdLst>
   <p:sldSz cx="12192000" cy="6858000"/>
   <p:notesSz cx="6858000" cy="9144000"/>
@@ -116,6 +117,11 @@
       </a:defRPr>
     </a:lvl9pPr>
   </p:defaultTextStyle>
+  <p:extLst>
+    <p:ext uri="{EFAFB233-063F-42B5-8137-9DF3F51BA10A}">
+      <p15:sldGuideLst xmlns:p15="http://schemas.microsoft.com/office/powerpoint/2012/main"/>
+    </p:ext>
+  </p:extLst>
 </p:presentation>
 </file>
 
@@ -268,7 +274,7 @@
           <a:p>
             <a:fld id="{2A24D100-F615-184E-A0AE-323F58089210}" type="datetimeFigureOut">
               <a:rPr lang="en-US" smtClean="0"/>
-              <a:t>7/2/21</a:t>
+              <a:t>7/5/21</a:t>
             </a:fld>
             <a:endParaRPr lang="en-US"/>
           </a:p>
@@ -468,7 +474,7 @@
           <a:p>
             <a:fld id="{2A24D100-F615-184E-A0AE-323F58089210}" type="datetimeFigureOut">
               <a:rPr lang="en-US" smtClean="0"/>
-              <a:t>7/2/21</a:t>
+              <a:t>7/5/21</a:t>
             </a:fld>
             <a:endParaRPr lang="en-US"/>
           </a:p>
@@ -678,7 +684,7 @@
           <a:p>
             <a:fld id="{2A24D100-F615-184E-A0AE-323F58089210}" type="datetimeFigureOut">
               <a:rPr lang="en-US" smtClean="0"/>
-              <a:t>7/2/21</a:t>
+              <a:t>7/5/21</a:t>
             </a:fld>
             <a:endParaRPr lang="en-US"/>
           </a:p>
@@ -878,7 +884,7 @@
           <a:p>
             <a:fld id="{2A24D100-F615-184E-A0AE-323F58089210}" type="datetimeFigureOut">
               <a:rPr lang="en-US" smtClean="0"/>
-              <a:t>7/2/21</a:t>
+              <a:t>7/5/21</a:t>
             </a:fld>
             <a:endParaRPr lang="en-US"/>
           </a:p>
@@ -1154,7 +1160,7 @@
           <a:p>
             <a:fld id="{2A24D100-F615-184E-A0AE-323F58089210}" type="datetimeFigureOut">
               <a:rPr lang="en-US" smtClean="0"/>
-              <a:t>7/2/21</a:t>
+              <a:t>7/5/21</a:t>
             </a:fld>
             <a:endParaRPr lang="en-US"/>
           </a:p>
@@ -1422,7 +1428,7 @@
           <a:p>
             <a:fld id="{2A24D100-F615-184E-A0AE-323F58089210}" type="datetimeFigureOut">
               <a:rPr lang="en-US" smtClean="0"/>
-              <a:t>7/2/21</a:t>
+              <a:t>7/5/21</a:t>
             </a:fld>
             <a:endParaRPr lang="en-US"/>
           </a:p>
@@ -1837,7 +1843,7 @@
           <a:p>
             <a:fld id="{2A24D100-F615-184E-A0AE-323F58089210}" type="datetimeFigureOut">
               <a:rPr lang="en-US" smtClean="0"/>
-              <a:t>7/2/21</a:t>
+              <a:t>7/5/21</a:t>
             </a:fld>
             <a:endParaRPr lang="en-US"/>
           </a:p>
@@ -1979,7 +1985,7 @@
           <a:p>
             <a:fld id="{2A24D100-F615-184E-A0AE-323F58089210}" type="datetimeFigureOut">
               <a:rPr lang="en-US" smtClean="0"/>
-              <a:t>7/2/21</a:t>
+              <a:t>7/5/21</a:t>
             </a:fld>
             <a:endParaRPr lang="en-US"/>
           </a:p>
@@ -2092,7 +2098,7 @@
           <a:p>
             <a:fld id="{2A24D100-F615-184E-A0AE-323F58089210}" type="datetimeFigureOut">
               <a:rPr lang="en-US" smtClean="0"/>
-              <a:t>7/2/21</a:t>
+              <a:t>7/5/21</a:t>
             </a:fld>
             <a:endParaRPr lang="en-US"/>
           </a:p>
@@ -2405,7 +2411,7 @@
           <a:p>
             <a:fld id="{2A24D100-F615-184E-A0AE-323F58089210}" type="datetimeFigureOut">
               <a:rPr lang="en-US" smtClean="0"/>
-              <a:t>7/2/21</a:t>
+              <a:t>7/5/21</a:t>
             </a:fld>
             <a:endParaRPr lang="en-US"/>
           </a:p>
@@ -2694,7 +2700,7 @@
           <a:p>
             <a:fld id="{2A24D100-F615-184E-A0AE-323F58089210}" type="datetimeFigureOut">
               <a:rPr lang="en-US" smtClean="0"/>
-              <a:t>7/2/21</a:t>
+              <a:t>7/5/21</a:t>
             </a:fld>
             <a:endParaRPr lang="en-US"/>
           </a:p>
@@ -2937,7 +2943,7 @@
           <a:p>
             <a:fld id="{2A24D100-F615-184E-A0AE-323F58089210}" type="datetimeFigureOut">
               <a:rPr lang="en-US" smtClean="0"/>
-              <a:t>7/2/21</a:t>
+              <a:t>7/5/21</a:t>
             </a:fld>
             <a:endParaRPr lang="en-US"/>
           </a:p>
@@ -4420,840 +4426,227 @@
       </p:grpSpPr>
       <p:sp>
         <p:nvSpPr>
-          <p:cNvPr id="11" name="Rectangle 10">
-            <a:extLst>
-              <a:ext uri="{FF2B5EF4-FFF2-40B4-BE49-F238E27FC236}">
-                <a16:creationId xmlns:a16="http://schemas.microsoft.com/office/drawing/2014/main" id="{7834B01E-90EF-8942-9E82-155BF03FC169}"/>
-              </a:ext>
-            </a:extLst>
-          </p:cNvPr>
-          <p:cNvSpPr/>
-          <p:nvPr/>
-        </p:nvSpPr>
-        <p:spPr>
-          <a:xfrm>
-            <a:off x="2634144" y="1754144"/>
-            <a:ext cx="7122252" cy="3329584"/>
-          </a:xfrm>
-          <a:prstGeom prst="rect">
-            <a:avLst/>
-          </a:prstGeom>
-          <a:noFill/>
-          <a:ln w="19050"/>
-        </p:spPr>
-        <p:style>
-          <a:lnRef idx="2">
-            <a:schemeClr val="accent1">
-              <a:shade val="50000"/>
-            </a:schemeClr>
-          </a:lnRef>
-          <a:fillRef idx="1">
-            <a:schemeClr val="accent1"/>
-          </a:fillRef>
-          <a:effectRef idx="0">
-            <a:schemeClr val="accent1"/>
-          </a:effectRef>
-          <a:fontRef idx="minor">
-            <a:schemeClr val="lt1"/>
-          </a:fontRef>
-        </p:style>
-        <p:txBody>
-          <a:bodyPr rtlCol="0" anchor="ctr"/>
-          <a:lstStyle/>
-          <a:p>
-            <a:pPr algn="ctr"/>
+          <p:cNvPr id="2" name="Title 1">
+            <a:extLst>
+              <a:ext uri="{FF2B5EF4-FFF2-40B4-BE49-F238E27FC236}">
+                <a16:creationId xmlns:a16="http://schemas.microsoft.com/office/drawing/2014/main" id="{1FF53E0D-C0D3-DD49-9B5D-789EBCDEA886}"/>
+              </a:ext>
+            </a:extLst>
+          </p:cNvPr>
+          <p:cNvSpPr>
+            <a:spLocks noGrp="1"/>
+          </p:cNvSpPr>
+          <p:nvPr>
+            <p:ph type="title"/>
+          </p:nvPr>
+        </p:nvSpPr>
+        <p:spPr/>
+        <p:txBody>
+          <a:bodyPr/>
+          <a:lstStyle/>
+          <a:p>
             <a:endParaRPr lang="en-US"/>
           </a:p>
         </p:txBody>
       </p:sp>
       <p:sp>
         <p:nvSpPr>
-          <p:cNvPr id="4" name="TextBox 3">
-            <a:extLst>
-              <a:ext uri="{FF2B5EF4-FFF2-40B4-BE49-F238E27FC236}">
-                <a16:creationId xmlns:a16="http://schemas.microsoft.com/office/drawing/2014/main" id="{9210F2CD-7CF4-5743-A46C-D4B07EDCEBC8}"/>
-              </a:ext>
-            </a:extLst>
-          </p:cNvPr>
-          <p:cNvSpPr txBox="1"/>
-          <p:nvPr/>
-        </p:nvSpPr>
-        <p:spPr>
-          <a:xfrm>
-            <a:off x="303402" y="207218"/>
-            <a:ext cx="11585196" cy="1291904"/>
-          </a:xfrm>
-          <a:prstGeom prst="rect">
-            <a:avLst/>
-          </a:prstGeom>
-          <a:noFill/>
-          <a:ln>
-            <a:solidFill>
-              <a:schemeClr val="accent1"/>
-            </a:solidFill>
-          </a:ln>
-        </p:spPr>
-        <p:txBody>
-          <a:bodyPr wrap="square" rtlCol="0">
-            <a:spAutoFit/>
-          </a:bodyPr>
-          <a:lstStyle/>
-          <a:p>
-            <a:endParaRPr lang="en-US" dirty="0"/>
-          </a:p>
-        </p:txBody>
-      </p:sp>
-      <p:sp>
-        <p:nvSpPr>
-          <p:cNvPr id="5" name="TextBox 4">
-            <a:extLst>
-              <a:ext uri="{FF2B5EF4-FFF2-40B4-BE49-F238E27FC236}">
-                <a16:creationId xmlns:a16="http://schemas.microsoft.com/office/drawing/2014/main" id="{D31B94CC-5680-654F-9BA4-E0A04DF451FB}"/>
-              </a:ext>
-            </a:extLst>
-          </p:cNvPr>
-          <p:cNvSpPr txBox="1"/>
-          <p:nvPr/>
-        </p:nvSpPr>
-        <p:spPr>
-          <a:xfrm>
-            <a:off x="479571" y="5389927"/>
-            <a:ext cx="11585196" cy="1291904"/>
-          </a:xfrm>
-          <a:prstGeom prst="rect">
-            <a:avLst/>
-          </a:prstGeom>
-          <a:noFill/>
-          <a:ln>
-            <a:solidFill>
-              <a:schemeClr val="accent1"/>
-            </a:solidFill>
-          </a:ln>
-        </p:spPr>
-        <p:txBody>
-          <a:bodyPr wrap="square" rtlCol="0">
-            <a:spAutoFit/>
-          </a:bodyPr>
-          <a:lstStyle/>
-          <a:p>
-            <a:endParaRPr lang="en-US" dirty="0"/>
-          </a:p>
-        </p:txBody>
-      </p:sp>
-      <p:sp>
-        <p:nvSpPr>
-          <p:cNvPr id="6" name="TextBox 5">
-            <a:extLst>
-              <a:ext uri="{FF2B5EF4-FFF2-40B4-BE49-F238E27FC236}">
-                <a16:creationId xmlns:a16="http://schemas.microsoft.com/office/drawing/2014/main" id="{6506E7B0-7FC8-5A45-A350-6AFE042386A6}"/>
-              </a:ext>
-            </a:extLst>
-          </p:cNvPr>
-          <p:cNvSpPr txBox="1"/>
-          <p:nvPr/>
-        </p:nvSpPr>
-        <p:spPr>
-          <a:xfrm>
-            <a:off x="8858774" y="360728"/>
-            <a:ext cx="2860646" cy="338554"/>
-          </a:xfrm>
-          <a:prstGeom prst="rect">
-            <a:avLst/>
-          </a:prstGeom>
-          <a:noFill/>
-        </p:spPr>
-        <p:txBody>
-          <a:bodyPr wrap="square" rtlCol="0">
-            <a:spAutoFit/>
-          </a:bodyPr>
-          <a:lstStyle/>
-          <a:p>
-            <a:r>
-              <a:rPr lang="en-US" sz="1600" dirty="0"/>
-              <a:t>Hi, (Doctor name)</a:t>
-            </a:r>
-          </a:p>
-        </p:txBody>
-      </p:sp>
-      <p:sp>
-        <p:nvSpPr>
-          <p:cNvPr id="7" name="TextBox 6">
-            <a:extLst>
-              <a:ext uri="{FF2B5EF4-FFF2-40B4-BE49-F238E27FC236}">
-                <a16:creationId xmlns:a16="http://schemas.microsoft.com/office/drawing/2014/main" id="{E7D745A2-1954-874D-B978-521F0D0FBC58}"/>
-              </a:ext>
-            </a:extLst>
-          </p:cNvPr>
-          <p:cNvSpPr txBox="1"/>
-          <p:nvPr/>
-        </p:nvSpPr>
-        <p:spPr>
-          <a:xfrm>
-            <a:off x="604007" y="360728"/>
-            <a:ext cx="1702965" cy="369332"/>
-          </a:xfrm>
-          <a:prstGeom prst="rect">
-            <a:avLst/>
-          </a:prstGeom>
-          <a:noFill/>
-        </p:spPr>
-        <p:txBody>
-          <a:bodyPr wrap="square" rtlCol="0">
-            <a:spAutoFit/>
-          </a:bodyPr>
-          <a:lstStyle/>
-          <a:p>
-            <a:r>
-              <a:rPr lang="en-US" dirty="0"/>
-              <a:t>LOGO</a:t>
-            </a:r>
-          </a:p>
-        </p:txBody>
-      </p:sp>
-      <p:sp>
-        <p:nvSpPr>
-          <p:cNvPr id="8" name="TextBox 7">
-            <a:extLst>
-              <a:ext uri="{FF2B5EF4-FFF2-40B4-BE49-F238E27FC236}">
-                <a16:creationId xmlns:a16="http://schemas.microsoft.com/office/drawing/2014/main" id="{955242FB-1453-5E4A-B9AC-9E4ACD40FBE2}"/>
-              </a:ext>
-            </a:extLst>
-          </p:cNvPr>
-          <p:cNvSpPr txBox="1"/>
-          <p:nvPr/>
-        </p:nvSpPr>
-        <p:spPr>
-          <a:xfrm>
-            <a:off x="10975596" y="1118802"/>
-            <a:ext cx="1073791" cy="307777"/>
-          </a:xfrm>
-          <a:prstGeom prst="rect">
-            <a:avLst/>
-          </a:prstGeom>
-          <a:noFill/>
-        </p:spPr>
-        <p:txBody>
-          <a:bodyPr wrap="square" rtlCol="0">
-            <a:spAutoFit/>
-          </a:bodyPr>
-          <a:lstStyle/>
-          <a:p>
-            <a:r>
-              <a:rPr lang="en-US" sz="1400" dirty="0"/>
-              <a:t>Sign out</a:t>
-            </a:r>
-          </a:p>
-        </p:txBody>
-      </p:sp>
-      <p:sp>
-        <p:nvSpPr>
-          <p:cNvPr id="13" name="TextBox 12">
-            <a:extLst>
-              <a:ext uri="{FF2B5EF4-FFF2-40B4-BE49-F238E27FC236}">
-                <a16:creationId xmlns:a16="http://schemas.microsoft.com/office/drawing/2014/main" id="{6D3B998B-4F2D-1944-A306-E02E48B4D9C8}"/>
-              </a:ext>
-            </a:extLst>
-          </p:cNvPr>
-          <p:cNvSpPr txBox="1"/>
-          <p:nvPr/>
-        </p:nvSpPr>
-        <p:spPr>
-          <a:xfrm>
-            <a:off x="679508" y="1007059"/>
-            <a:ext cx="1266738" cy="369332"/>
-          </a:xfrm>
-          <a:prstGeom prst="rect">
-            <a:avLst/>
-          </a:prstGeom>
-          <a:noFill/>
-        </p:spPr>
-        <p:txBody>
-          <a:bodyPr wrap="square" rtlCol="0">
-            <a:spAutoFit/>
-          </a:bodyPr>
-          <a:lstStyle/>
-          <a:p>
-            <a:r>
-              <a:rPr lang="en-US" dirty="0"/>
-              <a:t>Home</a:t>
-            </a:r>
-          </a:p>
-        </p:txBody>
-      </p:sp>
-      <p:sp>
-        <p:nvSpPr>
-          <p:cNvPr id="14" name="TextBox 13">
-            <a:extLst>
-              <a:ext uri="{FF2B5EF4-FFF2-40B4-BE49-F238E27FC236}">
-                <a16:creationId xmlns:a16="http://schemas.microsoft.com/office/drawing/2014/main" id="{7234AEA2-AEC3-0844-BDC9-78282380EB27}"/>
-              </a:ext>
-            </a:extLst>
-          </p:cNvPr>
-          <p:cNvSpPr txBox="1"/>
-          <p:nvPr/>
-        </p:nvSpPr>
-        <p:spPr>
-          <a:xfrm>
-            <a:off x="1149292" y="5403711"/>
-            <a:ext cx="1266738" cy="646331"/>
-          </a:xfrm>
-          <a:prstGeom prst="rect">
-            <a:avLst/>
-          </a:prstGeom>
-          <a:noFill/>
-        </p:spPr>
-        <p:txBody>
-          <a:bodyPr wrap="square" rtlCol="0">
-            <a:spAutoFit/>
-          </a:bodyPr>
-          <a:lstStyle/>
-          <a:p>
-            <a:r>
-              <a:rPr lang="en-US" dirty="0"/>
-              <a:t>Contact Details</a:t>
-            </a:r>
-          </a:p>
-        </p:txBody>
-      </p:sp>
-      <p:sp>
-        <p:nvSpPr>
-          <p:cNvPr id="15" name="TextBox 14">
-            <a:extLst>
-              <a:ext uri="{FF2B5EF4-FFF2-40B4-BE49-F238E27FC236}">
-                <a16:creationId xmlns:a16="http://schemas.microsoft.com/office/drawing/2014/main" id="{BBB57AFB-704D-B24F-8BE1-DE3DB4972EF5}"/>
-              </a:ext>
-            </a:extLst>
-          </p:cNvPr>
-          <p:cNvSpPr txBox="1"/>
-          <p:nvPr/>
-        </p:nvSpPr>
-        <p:spPr>
-          <a:xfrm>
-            <a:off x="4769140" y="356344"/>
-            <a:ext cx="2189527" cy="646331"/>
-          </a:xfrm>
-          <a:prstGeom prst="rect">
-            <a:avLst/>
-          </a:prstGeom>
-          <a:noFill/>
-        </p:spPr>
-        <p:txBody>
-          <a:bodyPr wrap="square" rtlCol="0">
-            <a:spAutoFit/>
-          </a:bodyPr>
-          <a:lstStyle/>
-          <a:p>
-            <a:r>
-              <a:rPr lang="en-US" dirty="0"/>
-              <a:t>Doctor Access</a:t>
-            </a:r>
-          </a:p>
-          <a:p>
-            <a:r>
-              <a:rPr lang="en-US" dirty="0"/>
-              <a:t>(Hospital Name)</a:t>
-            </a:r>
-          </a:p>
-        </p:txBody>
-      </p:sp>
-      <p:sp>
-        <p:nvSpPr>
-          <p:cNvPr id="17" name="TextBox 16">
-            <a:extLst>
-              <a:ext uri="{FF2B5EF4-FFF2-40B4-BE49-F238E27FC236}">
-                <a16:creationId xmlns:a16="http://schemas.microsoft.com/office/drawing/2014/main" id="{050A665A-C98A-B44A-8A44-D61414C70B12}"/>
-              </a:ext>
-            </a:extLst>
-          </p:cNvPr>
-          <p:cNvSpPr txBox="1"/>
-          <p:nvPr/>
-        </p:nvSpPr>
-        <p:spPr>
-          <a:xfrm>
-            <a:off x="10389765" y="5462434"/>
-            <a:ext cx="1266738" cy="369332"/>
-          </a:xfrm>
-          <a:prstGeom prst="rect">
-            <a:avLst/>
-          </a:prstGeom>
-          <a:noFill/>
-        </p:spPr>
-        <p:txBody>
-          <a:bodyPr wrap="square" rtlCol="0">
-            <a:spAutoFit/>
-          </a:bodyPr>
-          <a:lstStyle/>
-          <a:p>
-            <a:r>
-              <a:rPr lang="en-US" dirty="0"/>
-              <a:t>Copyright</a:t>
-            </a:r>
-          </a:p>
-        </p:txBody>
-      </p:sp>
-      <p:sp>
-        <p:nvSpPr>
-          <p:cNvPr id="19" name="TextBox 18">
-            <a:extLst>
-              <a:ext uri="{FF2B5EF4-FFF2-40B4-BE49-F238E27FC236}">
-                <a16:creationId xmlns:a16="http://schemas.microsoft.com/office/drawing/2014/main" id="{70561B6D-D157-8A49-ABED-A54D0725474B}"/>
-              </a:ext>
-            </a:extLst>
-          </p:cNvPr>
-          <p:cNvSpPr txBox="1"/>
-          <p:nvPr/>
-        </p:nvSpPr>
-        <p:spPr>
-          <a:xfrm>
-            <a:off x="9708857" y="1109391"/>
-            <a:ext cx="1266739" cy="338554"/>
-          </a:xfrm>
-          <a:prstGeom prst="rect">
-            <a:avLst/>
-          </a:prstGeom>
-          <a:noFill/>
-        </p:spPr>
-        <p:txBody>
-          <a:bodyPr wrap="square" rtlCol="0">
-            <a:spAutoFit/>
-          </a:bodyPr>
-          <a:lstStyle/>
-          <a:p>
-            <a:r>
-              <a:rPr lang="en-US" sz="1600" dirty="0"/>
-              <a:t>Messages</a:t>
-            </a:r>
-          </a:p>
-        </p:txBody>
-      </p:sp>
-      <p:sp>
-        <p:nvSpPr>
-          <p:cNvPr id="20" name="TextBox 19">
-            <a:extLst>
-              <a:ext uri="{FF2B5EF4-FFF2-40B4-BE49-F238E27FC236}">
-                <a16:creationId xmlns:a16="http://schemas.microsoft.com/office/drawing/2014/main" id="{CC7689EE-3C59-2445-89B7-7E7BC7106C27}"/>
-              </a:ext>
-            </a:extLst>
-          </p:cNvPr>
-          <p:cNvSpPr txBox="1"/>
-          <p:nvPr/>
-        </p:nvSpPr>
-        <p:spPr>
-          <a:xfrm>
-            <a:off x="4769140" y="1847876"/>
-            <a:ext cx="2764173" cy="369332"/>
-          </a:xfrm>
-          <a:prstGeom prst="rect">
-            <a:avLst/>
-          </a:prstGeom>
-          <a:noFill/>
-        </p:spPr>
-        <p:txBody>
-          <a:bodyPr wrap="square" rtlCol="0">
-            <a:spAutoFit/>
-          </a:bodyPr>
-          <a:lstStyle/>
-          <a:p>
-            <a:r>
-              <a:rPr lang="en-US" dirty="0"/>
-              <a:t>Booking Notification</a:t>
-            </a:r>
-          </a:p>
-        </p:txBody>
-      </p:sp>
-      <p:sp>
-        <p:nvSpPr>
-          <p:cNvPr id="25" name="TextBox 24">
-            <a:extLst>
-              <a:ext uri="{FF2B5EF4-FFF2-40B4-BE49-F238E27FC236}">
-                <a16:creationId xmlns:a16="http://schemas.microsoft.com/office/drawing/2014/main" id="{1BFA3CFC-E9F0-1D4D-B22F-9E62711B9D7A}"/>
-              </a:ext>
-            </a:extLst>
-          </p:cNvPr>
-          <p:cNvSpPr txBox="1"/>
-          <p:nvPr/>
-        </p:nvSpPr>
-        <p:spPr>
-          <a:xfrm>
-            <a:off x="3148318" y="2378384"/>
-            <a:ext cx="2271319" cy="369332"/>
-          </a:xfrm>
-          <a:prstGeom prst="rect">
-            <a:avLst/>
-          </a:prstGeom>
-          <a:noFill/>
-        </p:spPr>
-        <p:txBody>
-          <a:bodyPr wrap="square" rtlCol="0">
-            <a:spAutoFit/>
-          </a:bodyPr>
-          <a:lstStyle/>
-          <a:p>
-            <a:r>
-              <a:rPr lang="en-US" dirty="0"/>
-              <a:t>Details of Booking</a:t>
-            </a:r>
-          </a:p>
-        </p:txBody>
-      </p:sp>
-      <p:sp>
-        <p:nvSpPr>
-          <p:cNvPr id="21" name="TextBox 20">
-            <a:extLst>
-              <a:ext uri="{FF2B5EF4-FFF2-40B4-BE49-F238E27FC236}">
-                <a16:creationId xmlns:a16="http://schemas.microsoft.com/office/drawing/2014/main" id="{E7A802C5-ED52-3745-8A57-7A1ED52EC361}"/>
-              </a:ext>
-            </a:extLst>
-          </p:cNvPr>
-          <p:cNvSpPr txBox="1"/>
-          <p:nvPr/>
-        </p:nvSpPr>
-        <p:spPr>
-          <a:xfrm>
-            <a:off x="6944684" y="3078349"/>
-            <a:ext cx="2764173" cy="923330"/>
-          </a:xfrm>
-          <a:prstGeom prst="rect">
-            <a:avLst/>
-          </a:prstGeom>
-          <a:noFill/>
-        </p:spPr>
-        <p:txBody>
-          <a:bodyPr wrap="square" rtlCol="0">
-            <a:spAutoFit/>
-          </a:bodyPr>
-          <a:lstStyle/>
-          <a:p>
-            <a:r>
-              <a:rPr lang="en-US" dirty="0">
-                <a:solidFill>
-                  <a:srgbClr val="00B0F0"/>
-                </a:solidFill>
-              </a:rPr>
-              <a:t>Historical Patient Record (list in descending order (date))</a:t>
-            </a:r>
-          </a:p>
-        </p:txBody>
-      </p:sp>
-      <p:sp>
-        <p:nvSpPr>
-          <p:cNvPr id="22" name="TextBox 21">
-            <a:extLst>
-              <a:ext uri="{FF2B5EF4-FFF2-40B4-BE49-F238E27FC236}">
-                <a16:creationId xmlns:a16="http://schemas.microsoft.com/office/drawing/2014/main" id="{8D8CBB7B-797F-B446-BFCC-CCD87CDF58C4}"/>
-              </a:ext>
-            </a:extLst>
-          </p:cNvPr>
-          <p:cNvSpPr txBox="1"/>
-          <p:nvPr/>
-        </p:nvSpPr>
-        <p:spPr>
-          <a:xfrm>
-            <a:off x="1442558" y="807958"/>
-            <a:ext cx="1979102" cy="738664"/>
-          </a:xfrm>
-          <a:prstGeom prst="rect">
-            <a:avLst/>
-          </a:prstGeom>
-          <a:noFill/>
-        </p:spPr>
-        <p:txBody>
-          <a:bodyPr wrap="square" rtlCol="0">
-            <a:spAutoFit/>
-          </a:bodyPr>
-          <a:lstStyle/>
-          <a:p>
-            <a:r>
-              <a:rPr lang="en-US" sz="1400" dirty="0"/>
-              <a:t>View appointment(historical record alongside)</a:t>
-            </a:r>
-          </a:p>
-        </p:txBody>
-      </p:sp>
-      <p:sp>
-        <p:nvSpPr>
-          <p:cNvPr id="23" name="TextBox 22">
-            <a:extLst>
-              <a:ext uri="{FF2B5EF4-FFF2-40B4-BE49-F238E27FC236}">
-                <a16:creationId xmlns:a16="http://schemas.microsoft.com/office/drawing/2014/main" id="{4267C011-2719-BA4E-B215-0F38E906CC91}"/>
-              </a:ext>
-            </a:extLst>
-          </p:cNvPr>
-          <p:cNvSpPr txBox="1"/>
-          <p:nvPr/>
-        </p:nvSpPr>
-        <p:spPr>
-          <a:xfrm>
-            <a:off x="3391253" y="954576"/>
-            <a:ext cx="2009162" cy="584775"/>
-          </a:xfrm>
-          <a:prstGeom prst="rect">
-            <a:avLst/>
-          </a:prstGeom>
-          <a:noFill/>
-        </p:spPr>
-        <p:txBody>
-          <a:bodyPr wrap="square" rtlCol="0">
-            <a:spAutoFit/>
-          </a:bodyPr>
-          <a:lstStyle/>
-          <a:p>
-            <a:r>
-              <a:rPr lang="en-US" sz="1600" dirty="0"/>
-              <a:t>Update Patient records</a:t>
-            </a:r>
-          </a:p>
-        </p:txBody>
-      </p:sp>
-      <p:sp>
-        <p:nvSpPr>
-          <p:cNvPr id="24" name="TextBox 23">
-            <a:extLst>
-              <a:ext uri="{FF2B5EF4-FFF2-40B4-BE49-F238E27FC236}">
-                <a16:creationId xmlns:a16="http://schemas.microsoft.com/office/drawing/2014/main" id="{B033286C-DE33-084A-845F-303A3F7EBA69}"/>
-              </a:ext>
-            </a:extLst>
-          </p:cNvPr>
-          <p:cNvSpPr txBox="1"/>
-          <p:nvPr/>
-        </p:nvSpPr>
-        <p:spPr>
-          <a:xfrm>
-            <a:off x="3148319" y="2770572"/>
-            <a:ext cx="1620822" cy="307777"/>
-          </a:xfrm>
-          <a:prstGeom prst="rect">
-            <a:avLst/>
-          </a:prstGeom>
-          <a:noFill/>
-        </p:spPr>
-        <p:txBody>
-          <a:bodyPr wrap="square" rtlCol="0">
-            <a:spAutoFit/>
-          </a:bodyPr>
-          <a:lstStyle/>
-          <a:p>
-            <a:r>
-              <a:rPr lang="en-US" sz="1400" dirty="0"/>
-              <a:t>Patient Name</a:t>
-            </a:r>
-          </a:p>
-        </p:txBody>
-      </p:sp>
-      <p:sp>
-        <p:nvSpPr>
-          <p:cNvPr id="26" name="TextBox 25">
-            <a:extLst>
-              <a:ext uri="{FF2B5EF4-FFF2-40B4-BE49-F238E27FC236}">
-                <a16:creationId xmlns:a16="http://schemas.microsoft.com/office/drawing/2014/main" id="{FC5E8B0C-A499-6345-B1D0-D0628D278091}"/>
-              </a:ext>
-            </a:extLst>
-          </p:cNvPr>
-          <p:cNvSpPr txBox="1"/>
-          <p:nvPr/>
-        </p:nvSpPr>
-        <p:spPr>
-          <a:xfrm>
-            <a:off x="3148318" y="3025594"/>
-            <a:ext cx="1620822" cy="307777"/>
-          </a:xfrm>
-          <a:prstGeom prst="rect">
-            <a:avLst/>
-          </a:prstGeom>
-          <a:noFill/>
-        </p:spPr>
-        <p:txBody>
-          <a:bodyPr wrap="square" rtlCol="0">
-            <a:spAutoFit/>
-          </a:bodyPr>
-          <a:lstStyle/>
-          <a:p>
-            <a:r>
-              <a:rPr lang="en-US" sz="1400" dirty="0"/>
-              <a:t>Patient ID</a:t>
-            </a:r>
-          </a:p>
-        </p:txBody>
-      </p:sp>
-      <p:sp>
-        <p:nvSpPr>
-          <p:cNvPr id="27" name="TextBox 26">
-            <a:extLst>
-              <a:ext uri="{FF2B5EF4-FFF2-40B4-BE49-F238E27FC236}">
-                <a16:creationId xmlns:a16="http://schemas.microsoft.com/office/drawing/2014/main" id="{6D259806-BC09-0F41-95A3-6BFC5076EE89}"/>
-              </a:ext>
-            </a:extLst>
-          </p:cNvPr>
-          <p:cNvSpPr txBox="1"/>
-          <p:nvPr/>
-        </p:nvSpPr>
-        <p:spPr>
-          <a:xfrm>
-            <a:off x="3148318" y="3293142"/>
-            <a:ext cx="1620822" cy="307777"/>
-          </a:xfrm>
-          <a:prstGeom prst="rect">
-            <a:avLst/>
-          </a:prstGeom>
-          <a:noFill/>
-        </p:spPr>
-        <p:txBody>
-          <a:bodyPr wrap="square" rtlCol="0">
-            <a:spAutoFit/>
-          </a:bodyPr>
-          <a:lstStyle/>
-          <a:p>
-            <a:r>
-              <a:rPr lang="en-US" sz="1400" dirty="0"/>
-              <a:t>Problem</a:t>
-            </a:r>
-          </a:p>
-        </p:txBody>
-      </p:sp>
-      <p:sp>
-        <p:nvSpPr>
-          <p:cNvPr id="28" name="TextBox 27">
-            <a:extLst>
-              <a:ext uri="{FF2B5EF4-FFF2-40B4-BE49-F238E27FC236}">
-                <a16:creationId xmlns:a16="http://schemas.microsoft.com/office/drawing/2014/main" id="{55B8D09B-FF36-B142-AB9A-77915E7DAE15}"/>
-              </a:ext>
-            </a:extLst>
-          </p:cNvPr>
-          <p:cNvSpPr txBox="1"/>
-          <p:nvPr/>
-        </p:nvSpPr>
-        <p:spPr>
-          <a:xfrm>
-            <a:off x="3148318" y="3588393"/>
-            <a:ext cx="1620822" cy="307777"/>
-          </a:xfrm>
-          <a:prstGeom prst="rect">
-            <a:avLst/>
-          </a:prstGeom>
-          <a:noFill/>
-        </p:spPr>
-        <p:txBody>
-          <a:bodyPr wrap="square" rtlCol="0">
-            <a:spAutoFit/>
-          </a:bodyPr>
-          <a:lstStyle/>
-          <a:p>
-            <a:r>
-              <a:rPr lang="en-US" sz="1400" dirty="0"/>
-              <a:t>Date</a:t>
-            </a:r>
-          </a:p>
-        </p:txBody>
-      </p:sp>
-      <p:sp>
-        <p:nvSpPr>
-          <p:cNvPr id="29" name="TextBox 28">
-            <a:extLst>
-              <a:ext uri="{FF2B5EF4-FFF2-40B4-BE49-F238E27FC236}">
-                <a16:creationId xmlns:a16="http://schemas.microsoft.com/office/drawing/2014/main" id="{2CB5B87F-31B5-B24D-A222-2DEEC2EADBB1}"/>
-              </a:ext>
-            </a:extLst>
-          </p:cNvPr>
-          <p:cNvSpPr txBox="1"/>
-          <p:nvPr/>
-        </p:nvSpPr>
-        <p:spPr>
-          <a:xfrm>
-            <a:off x="6952025" y="2375552"/>
-            <a:ext cx="2271319" cy="646331"/>
-          </a:xfrm>
-          <a:prstGeom prst="rect">
-            <a:avLst/>
-          </a:prstGeom>
-          <a:noFill/>
-        </p:spPr>
-        <p:txBody>
-          <a:bodyPr wrap="square" rtlCol="0">
-            <a:spAutoFit/>
-          </a:bodyPr>
-          <a:lstStyle/>
-          <a:p>
-            <a:r>
-              <a:rPr lang="en-US" dirty="0"/>
-              <a:t>View Record (button (optional))</a:t>
-            </a:r>
-          </a:p>
-        </p:txBody>
-      </p:sp>
-      <p:sp>
-        <p:nvSpPr>
-          <p:cNvPr id="30" name="TextBox 29">
-            <a:extLst>
-              <a:ext uri="{FF2B5EF4-FFF2-40B4-BE49-F238E27FC236}">
-                <a16:creationId xmlns:a16="http://schemas.microsoft.com/office/drawing/2014/main" id="{4BBF072A-3BAE-7F4A-89AE-7ACC1A19BAF2}"/>
-              </a:ext>
-            </a:extLst>
-          </p:cNvPr>
-          <p:cNvSpPr txBox="1"/>
-          <p:nvPr/>
-        </p:nvSpPr>
-        <p:spPr>
-          <a:xfrm>
-            <a:off x="2775012" y="4028283"/>
-            <a:ext cx="1620822" cy="461665"/>
-          </a:xfrm>
-          <a:prstGeom prst="rect">
-            <a:avLst/>
-          </a:prstGeom>
-          <a:noFill/>
-        </p:spPr>
-        <p:txBody>
-          <a:bodyPr wrap="square" rtlCol="0">
-            <a:spAutoFit/>
-          </a:bodyPr>
-          <a:lstStyle/>
-          <a:p>
-            <a:r>
-              <a:rPr lang="en-US" sz="1200" dirty="0"/>
-              <a:t>Confirm Booking button</a:t>
-            </a:r>
-          </a:p>
-        </p:txBody>
-      </p:sp>
-      <p:sp>
-        <p:nvSpPr>
-          <p:cNvPr id="31" name="TextBox 30">
-            <a:extLst>
-              <a:ext uri="{FF2B5EF4-FFF2-40B4-BE49-F238E27FC236}">
-                <a16:creationId xmlns:a16="http://schemas.microsoft.com/office/drawing/2014/main" id="{89E6FD07-9628-C545-9088-04E468BB4D5C}"/>
-              </a:ext>
-            </a:extLst>
-          </p:cNvPr>
-          <p:cNvSpPr txBox="1"/>
-          <p:nvPr/>
-        </p:nvSpPr>
-        <p:spPr>
-          <a:xfrm>
-            <a:off x="3989488" y="4028283"/>
-            <a:ext cx="1620822" cy="461665"/>
-          </a:xfrm>
-          <a:prstGeom prst="rect">
-            <a:avLst/>
-          </a:prstGeom>
-          <a:noFill/>
-        </p:spPr>
-        <p:txBody>
-          <a:bodyPr wrap="square" rtlCol="0">
-            <a:spAutoFit/>
-          </a:bodyPr>
-          <a:lstStyle/>
-          <a:p>
-            <a:r>
-              <a:rPr lang="en-US" sz="1200" dirty="0"/>
-              <a:t>Reschedule Booking button</a:t>
-            </a:r>
-          </a:p>
-        </p:txBody>
-      </p:sp>
+          <p:cNvPr id="3" name="Content Placeholder 2">
+            <a:extLst>
+              <a:ext uri="{FF2B5EF4-FFF2-40B4-BE49-F238E27FC236}">
+                <a16:creationId xmlns:a16="http://schemas.microsoft.com/office/drawing/2014/main" id="{E18E819D-B91A-574F-81C2-F3D0275A0870}"/>
+              </a:ext>
+            </a:extLst>
+          </p:cNvPr>
+          <p:cNvSpPr>
+            <a:spLocks noGrp="1"/>
+          </p:cNvSpPr>
+          <p:nvPr>
+            <p:ph idx="1"/>
+          </p:nvPr>
+        </p:nvSpPr>
+        <p:spPr/>
+        <p:txBody>
+          <a:bodyPr/>
+          <a:lstStyle/>
+          <a:p>
+            <a:endParaRPr lang="en-US" dirty="0">
+              <a:solidFill>
+                <a:srgbClr val="3488AA"/>
+              </a:solidFill>
+            </a:endParaRPr>
+          </a:p>
+        </p:txBody>
+      </p:sp>
+      <p:grpSp>
+        <p:nvGrpSpPr>
+          <p:cNvPr id="14" name="Group 13">
+            <a:extLst>
+              <a:ext uri="{FF2B5EF4-FFF2-40B4-BE49-F238E27FC236}">
+                <a16:creationId xmlns:a16="http://schemas.microsoft.com/office/drawing/2014/main" id="{B9DB91C5-4A45-F741-A29F-B9EAF0DCB495}"/>
+              </a:ext>
+            </a:extLst>
+          </p:cNvPr>
+          <p:cNvGrpSpPr/>
+          <p:nvPr/>
+        </p:nvGrpSpPr>
+        <p:grpSpPr>
+          <a:xfrm>
+            <a:off x="8039100" y="1945154"/>
+            <a:ext cx="1723030" cy="2772685"/>
+            <a:chOff x="8039100" y="1945154"/>
+            <a:chExt cx="1723030" cy="2772685"/>
+          </a:xfrm>
+        </p:grpSpPr>
+        <p:pic>
+          <p:nvPicPr>
+            <p:cNvPr id="7" name="Graphic 6" descr="Medical with solid fill">
+              <a:extLst>
+                <a:ext uri="{FF2B5EF4-FFF2-40B4-BE49-F238E27FC236}">
+                  <a16:creationId xmlns:a16="http://schemas.microsoft.com/office/drawing/2014/main" id="{4BF07342-6A37-DA42-8B90-8532D1CEF8C9}"/>
+                </a:ext>
+              </a:extLst>
+            </p:cNvPr>
+            <p:cNvPicPr>
+              <a:picLocks noChangeAspect="1"/>
+            </p:cNvPicPr>
+            <p:nvPr/>
+          </p:nvPicPr>
+          <p:blipFill>
+            <a:blip r:embed="rId2">
+              <a:extLst>
+                <a:ext uri="{96DAC541-7B7A-43D3-8B79-37D633B846F1}">
+                  <asvg:svgBlip xmlns:asvg="http://schemas.microsoft.com/office/drawing/2016/SVG/main" r:embed="rId3"/>
+                </a:ext>
+              </a:extLst>
+            </a:blip>
+            <a:stretch>
+              <a:fillRect/>
+            </a:stretch>
+          </p:blipFill>
+          <p:spPr>
+            <a:xfrm>
+              <a:off x="8039100" y="2567485"/>
+              <a:ext cx="1723030" cy="1723030"/>
+            </a:xfrm>
+            <a:prstGeom prst="rect">
+              <a:avLst/>
+            </a:prstGeom>
+          </p:spPr>
+        </p:pic>
+        <p:sp>
+          <p:nvSpPr>
+            <p:cNvPr id="9" name="Rectangle 8">
+              <a:extLst>
+                <a:ext uri="{FF2B5EF4-FFF2-40B4-BE49-F238E27FC236}">
+                  <a16:creationId xmlns:a16="http://schemas.microsoft.com/office/drawing/2014/main" id="{1275CB79-3667-E94D-B278-252CF80A3C31}"/>
+                </a:ext>
+              </a:extLst>
+            </p:cNvPr>
+            <p:cNvSpPr/>
+            <p:nvPr/>
+          </p:nvSpPr>
+          <p:spPr>
+            <a:xfrm>
+              <a:off x="8122997" y="1945154"/>
+              <a:ext cx="1555234" cy="923330"/>
+            </a:xfrm>
+            <a:prstGeom prst="rect">
+              <a:avLst/>
+            </a:prstGeom>
+            <a:noFill/>
+          </p:spPr>
+          <p:txBody>
+            <a:bodyPr wrap="none" lIns="91440" tIns="45720" rIns="91440" bIns="45720">
+              <a:spAutoFit/>
+              <a:scene3d>
+                <a:camera prst="orthographicFront"/>
+                <a:lightRig rig="harsh" dir="t"/>
+              </a:scene3d>
+              <a:sp3d extrusionH="57150" prstMaterial="matte">
+                <a:bevelT w="63500" h="12700" prst="angle"/>
+                <a:contourClr>
+                  <a:schemeClr val="bg1">
+                    <a:lumMod val="65000"/>
+                  </a:schemeClr>
+                </a:contourClr>
+              </a:sp3d>
+            </a:bodyPr>
+            <a:lstStyle/>
+            <a:p>
+              <a:pPr algn="ctr"/>
+              <a:r>
+                <a:rPr lang="en-GB" sz="5400" b="1" cap="none" spc="0" dirty="0">
+                  <a:ln/>
+                  <a:solidFill>
+                    <a:srgbClr val="3488AA"/>
+                  </a:solidFill>
+                  <a:effectLst/>
+                </a:rPr>
+                <a:t>HMS</a:t>
+              </a:r>
+            </a:p>
+          </p:txBody>
+        </p:sp>
+        <p:sp>
+          <p:nvSpPr>
+            <p:cNvPr id="10" name="Rectangle 9">
+              <a:extLst>
+                <a:ext uri="{FF2B5EF4-FFF2-40B4-BE49-F238E27FC236}">
+                  <a16:creationId xmlns:a16="http://schemas.microsoft.com/office/drawing/2014/main" id="{37A75375-953D-7344-965F-F24B9ABD474C}"/>
+                </a:ext>
+              </a:extLst>
+            </p:cNvPr>
+            <p:cNvSpPr/>
+            <p:nvPr/>
+          </p:nvSpPr>
+          <p:spPr>
+            <a:xfrm>
+              <a:off x="8095746" y="4133064"/>
+              <a:ext cx="1609736" cy="584775"/>
+            </a:xfrm>
+            <a:prstGeom prst="rect">
+              <a:avLst/>
+            </a:prstGeom>
+            <a:noFill/>
+          </p:spPr>
+          <p:txBody>
+            <a:bodyPr wrap="square" lIns="91440" tIns="45720" rIns="91440" bIns="45720">
+              <a:spAutoFit/>
+              <a:scene3d>
+                <a:camera prst="orthographicFront"/>
+                <a:lightRig rig="harsh" dir="t"/>
+              </a:scene3d>
+              <a:sp3d extrusionH="57150" prstMaterial="matte">
+                <a:bevelT w="63500" h="12700" prst="angle"/>
+                <a:contourClr>
+                  <a:schemeClr val="bg1">
+                    <a:lumMod val="65000"/>
+                  </a:schemeClr>
+                </a:contourClr>
+              </a:sp3d>
+            </a:bodyPr>
+            <a:lstStyle/>
+            <a:p>
+              <a:pPr algn="ctr"/>
+              <a:r>
+                <a:rPr lang="en-GB" sz="3200" b="1" cap="none" spc="0" dirty="0">
+                  <a:ln/>
+                  <a:solidFill>
+                    <a:srgbClr val="3488AA"/>
+                  </a:solidFill>
+                  <a:effectLst/>
+                </a:rPr>
+                <a:t>We Care</a:t>
+              </a:r>
+            </a:p>
+          </p:txBody>
+        </p:sp>
+      </p:grpSp>
     </p:spTree>
     <p:extLst>
       <p:ext uri="{BB962C8B-B14F-4D97-AF65-F5344CB8AC3E}">
-        <p14:creationId xmlns:p14="http://schemas.microsoft.com/office/powerpoint/2010/main" val="2024253038"/>
+        <p14:creationId xmlns:p14="http://schemas.microsoft.com/office/powerpoint/2010/main" val="1282279574"/>
       </p:ext>
     </p:extLst>
   </p:cSld>
@@ -5690,6 +5083,868 @@
       </p:sp>
       <p:sp>
         <p:nvSpPr>
+          <p:cNvPr id="20" name="TextBox 19">
+            <a:extLst>
+              <a:ext uri="{FF2B5EF4-FFF2-40B4-BE49-F238E27FC236}">
+                <a16:creationId xmlns:a16="http://schemas.microsoft.com/office/drawing/2014/main" id="{CC7689EE-3C59-2445-89B7-7E7BC7106C27}"/>
+              </a:ext>
+            </a:extLst>
+          </p:cNvPr>
+          <p:cNvSpPr txBox="1"/>
+          <p:nvPr/>
+        </p:nvSpPr>
+        <p:spPr>
+          <a:xfrm>
+            <a:off x="4769140" y="1847876"/>
+            <a:ext cx="2764173" cy="369332"/>
+          </a:xfrm>
+          <a:prstGeom prst="rect">
+            <a:avLst/>
+          </a:prstGeom>
+          <a:noFill/>
+        </p:spPr>
+        <p:txBody>
+          <a:bodyPr wrap="square" rtlCol="0">
+            <a:spAutoFit/>
+          </a:bodyPr>
+          <a:lstStyle/>
+          <a:p>
+            <a:r>
+              <a:rPr lang="en-US" dirty="0"/>
+              <a:t>Booking Notification</a:t>
+            </a:r>
+          </a:p>
+        </p:txBody>
+      </p:sp>
+      <p:sp>
+        <p:nvSpPr>
+          <p:cNvPr id="25" name="TextBox 24">
+            <a:extLst>
+              <a:ext uri="{FF2B5EF4-FFF2-40B4-BE49-F238E27FC236}">
+                <a16:creationId xmlns:a16="http://schemas.microsoft.com/office/drawing/2014/main" id="{1BFA3CFC-E9F0-1D4D-B22F-9E62711B9D7A}"/>
+              </a:ext>
+            </a:extLst>
+          </p:cNvPr>
+          <p:cNvSpPr txBox="1"/>
+          <p:nvPr/>
+        </p:nvSpPr>
+        <p:spPr>
+          <a:xfrm>
+            <a:off x="3148318" y="2378384"/>
+            <a:ext cx="2271319" cy="369332"/>
+          </a:xfrm>
+          <a:prstGeom prst="rect">
+            <a:avLst/>
+          </a:prstGeom>
+          <a:noFill/>
+        </p:spPr>
+        <p:txBody>
+          <a:bodyPr wrap="square" rtlCol="0">
+            <a:spAutoFit/>
+          </a:bodyPr>
+          <a:lstStyle/>
+          <a:p>
+            <a:r>
+              <a:rPr lang="en-US" dirty="0"/>
+              <a:t>Details of Booking</a:t>
+            </a:r>
+          </a:p>
+        </p:txBody>
+      </p:sp>
+      <p:sp>
+        <p:nvSpPr>
+          <p:cNvPr id="21" name="TextBox 20">
+            <a:extLst>
+              <a:ext uri="{FF2B5EF4-FFF2-40B4-BE49-F238E27FC236}">
+                <a16:creationId xmlns:a16="http://schemas.microsoft.com/office/drawing/2014/main" id="{E7A802C5-ED52-3745-8A57-7A1ED52EC361}"/>
+              </a:ext>
+            </a:extLst>
+          </p:cNvPr>
+          <p:cNvSpPr txBox="1"/>
+          <p:nvPr/>
+        </p:nvSpPr>
+        <p:spPr>
+          <a:xfrm>
+            <a:off x="6944684" y="3078349"/>
+            <a:ext cx="2764173" cy="923330"/>
+          </a:xfrm>
+          <a:prstGeom prst="rect">
+            <a:avLst/>
+          </a:prstGeom>
+          <a:noFill/>
+        </p:spPr>
+        <p:txBody>
+          <a:bodyPr wrap="square" rtlCol="0">
+            <a:spAutoFit/>
+          </a:bodyPr>
+          <a:lstStyle/>
+          <a:p>
+            <a:r>
+              <a:rPr lang="en-US" dirty="0">
+                <a:solidFill>
+                  <a:srgbClr val="00B0F0"/>
+                </a:solidFill>
+              </a:rPr>
+              <a:t>Historical Patient Record (list in descending order (date))</a:t>
+            </a:r>
+          </a:p>
+        </p:txBody>
+      </p:sp>
+      <p:sp>
+        <p:nvSpPr>
+          <p:cNvPr id="22" name="TextBox 21">
+            <a:extLst>
+              <a:ext uri="{FF2B5EF4-FFF2-40B4-BE49-F238E27FC236}">
+                <a16:creationId xmlns:a16="http://schemas.microsoft.com/office/drawing/2014/main" id="{8D8CBB7B-797F-B446-BFCC-CCD87CDF58C4}"/>
+              </a:ext>
+            </a:extLst>
+          </p:cNvPr>
+          <p:cNvSpPr txBox="1"/>
+          <p:nvPr/>
+        </p:nvSpPr>
+        <p:spPr>
+          <a:xfrm>
+            <a:off x="1442558" y="807958"/>
+            <a:ext cx="1979102" cy="738664"/>
+          </a:xfrm>
+          <a:prstGeom prst="rect">
+            <a:avLst/>
+          </a:prstGeom>
+          <a:noFill/>
+        </p:spPr>
+        <p:txBody>
+          <a:bodyPr wrap="square" rtlCol="0">
+            <a:spAutoFit/>
+          </a:bodyPr>
+          <a:lstStyle/>
+          <a:p>
+            <a:r>
+              <a:rPr lang="en-US" sz="1400" dirty="0"/>
+              <a:t>View appointment(historical record alongside)</a:t>
+            </a:r>
+          </a:p>
+        </p:txBody>
+      </p:sp>
+      <p:sp>
+        <p:nvSpPr>
+          <p:cNvPr id="23" name="TextBox 22">
+            <a:extLst>
+              <a:ext uri="{FF2B5EF4-FFF2-40B4-BE49-F238E27FC236}">
+                <a16:creationId xmlns:a16="http://schemas.microsoft.com/office/drawing/2014/main" id="{4267C011-2719-BA4E-B215-0F38E906CC91}"/>
+              </a:ext>
+            </a:extLst>
+          </p:cNvPr>
+          <p:cNvSpPr txBox="1"/>
+          <p:nvPr/>
+        </p:nvSpPr>
+        <p:spPr>
+          <a:xfrm>
+            <a:off x="3391253" y="954576"/>
+            <a:ext cx="2009162" cy="584775"/>
+          </a:xfrm>
+          <a:prstGeom prst="rect">
+            <a:avLst/>
+          </a:prstGeom>
+          <a:noFill/>
+        </p:spPr>
+        <p:txBody>
+          <a:bodyPr wrap="square" rtlCol="0">
+            <a:spAutoFit/>
+          </a:bodyPr>
+          <a:lstStyle/>
+          <a:p>
+            <a:r>
+              <a:rPr lang="en-US" sz="1600" dirty="0"/>
+              <a:t>Update Patient records</a:t>
+            </a:r>
+          </a:p>
+        </p:txBody>
+      </p:sp>
+      <p:sp>
+        <p:nvSpPr>
+          <p:cNvPr id="24" name="TextBox 23">
+            <a:extLst>
+              <a:ext uri="{FF2B5EF4-FFF2-40B4-BE49-F238E27FC236}">
+                <a16:creationId xmlns:a16="http://schemas.microsoft.com/office/drawing/2014/main" id="{B033286C-DE33-084A-845F-303A3F7EBA69}"/>
+              </a:ext>
+            </a:extLst>
+          </p:cNvPr>
+          <p:cNvSpPr txBox="1"/>
+          <p:nvPr/>
+        </p:nvSpPr>
+        <p:spPr>
+          <a:xfrm>
+            <a:off x="3148319" y="2770572"/>
+            <a:ext cx="1620822" cy="307777"/>
+          </a:xfrm>
+          <a:prstGeom prst="rect">
+            <a:avLst/>
+          </a:prstGeom>
+          <a:noFill/>
+        </p:spPr>
+        <p:txBody>
+          <a:bodyPr wrap="square" rtlCol="0">
+            <a:spAutoFit/>
+          </a:bodyPr>
+          <a:lstStyle/>
+          <a:p>
+            <a:r>
+              <a:rPr lang="en-US" sz="1400" dirty="0"/>
+              <a:t>Patient Name</a:t>
+            </a:r>
+          </a:p>
+        </p:txBody>
+      </p:sp>
+      <p:sp>
+        <p:nvSpPr>
+          <p:cNvPr id="26" name="TextBox 25">
+            <a:extLst>
+              <a:ext uri="{FF2B5EF4-FFF2-40B4-BE49-F238E27FC236}">
+                <a16:creationId xmlns:a16="http://schemas.microsoft.com/office/drawing/2014/main" id="{FC5E8B0C-A499-6345-B1D0-D0628D278091}"/>
+              </a:ext>
+            </a:extLst>
+          </p:cNvPr>
+          <p:cNvSpPr txBox="1"/>
+          <p:nvPr/>
+        </p:nvSpPr>
+        <p:spPr>
+          <a:xfrm>
+            <a:off x="3148318" y="3025594"/>
+            <a:ext cx="1620822" cy="307777"/>
+          </a:xfrm>
+          <a:prstGeom prst="rect">
+            <a:avLst/>
+          </a:prstGeom>
+          <a:noFill/>
+        </p:spPr>
+        <p:txBody>
+          <a:bodyPr wrap="square" rtlCol="0">
+            <a:spAutoFit/>
+          </a:bodyPr>
+          <a:lstStyle/>
+          <a:p>
+            <a:r>
+              <a:rPr lang="en-US" sz="1400" dirty="0"/>
+              <a:t>Patient ID</a:t>
+            </a:r>
+          </a:p>
+        </p:txBody>
+      </p:sp>
+      <p:sp>
+        <p:nvSpPr>
+          <p:cNvPr id="27" name="TextBox 26">
+            <a:extLst>
+              <a:ext uri="{FF2B5EF4-FFF2-40B4-BE49-F238E27FC236}">
+                <a16:creationId xmlns:a16="http://schemas.microsoft.com/office/drawing/2014/main" id="{6D259806-BC09-0F41-95A3-6BFC5076EE89}"/>
+              </a:ext>
+            </a:extLst>
+          </p:cNvPr>
+          <p:cNvSpPr txBox="1"/>
+          <p:nvPr/>
+        </p:nvSpPr>
+        <p:spPr>
+          <a:xfrm>
+            <a:off x="3148318" y="3293142"/>
+            <a:ext cx="1620822" cy="307777"/>
+          </a:xfrm>
+          <a:prstGeom prst="rect">
+            <a:avLst/>
+          </a:prstGeom>
+          <a:noFill/>
+        </p:spPr>
+        <p:txBody>
+          <a:bodyPr wrap="square" rtlCol="0">
+            <a:spAutoFit/>
+          </a:bodyPr>
+          <a:lstStyle/>
+          <a:p>
+            <a:r>
+              <a:rPr lang="en-US" sz="1400" dirty="0"/>
+              <a:t>Problem</a:t>
+            </a:r>
+          </a:p>
+        </p:txBody>
+      </p:sp>
+      <p:sp>
+        <p:nvSpPr>
+          <p:cNvPr id="28" name="TextBox 27">
+            <a:extLst>
+              <a:ext uri="{FF2B5EF4-FFF2-40B4-BE49-F238E27FC236}">
+                <a16:creationId xmlns:a16="http://schemas.microsoft.com/office/drawing/2014/main" id="{55B8D09B-FF36-B142-AB9A-77915E7DAE15}"/>
+              </a:ext>
+            </a:extLst>
+          </p:cNvPr>
+          <p:cNvSpPr txBox="1"/>
+          <p:nvPr/>
+        </p:nvSpPr>
+        <p:spPr>
+          <a:xfrm>
+            <a:off x="3148318" y="3588393"/>
+            <a:ext cx="1620822" cy="307777"/>
+          </a:xfrm>
+          <a:prstGeom prst="rect">
+            <a:avLst/>
+          </a:prstGeom>
+          <a:noFill/>
+        </p:spPr>
+        <p:txBody>
+          <a:bodyPr wrap="square" rtlCol="0">
+            <a:spAutoFit/>
+          </a:bodyPr>
+          <a:lstStyle/>
+          <a:p>
+            <a:r>
+              <a:rPr lang="en-US" sz="1400" dirty="0"/>
+              <a:t>Date</a:t>
+            </a:r>
+          </a:p>
+        </p:txBody>
+      </p:sp>
+      <p:sp>
+        <p:nvSpPr>
+          <p:cNvPr id="29" name="TextBox 28">
+            <a:extLst>
+              <a:ext uri="{FF2B5EF4-FFF2-40B4-BE49-F238E27FC236}">
+                <a16:creationId xmlns:a16="http://schemas.microsoft.com/office/drawing/2014/main" id="{2CB5B87F-31B5-B24D-A222-2DEEC2EADBB1}"/>
+              </a:ext>
+            </a:extLst>
+          </p:cNvPr>
+          <p:cNvSpPr txBox="1"/>
+          <p:nvPr/>
+        </p:nvSpPr>
+        <p:spPr>
+          <a:xfrm>
+            <a:off x="6952025" y="2375552"/>
+            <a:ext cx="2271319" cy="646331"/>
+          </a:xfrm>
+          <a:prstGeom prst="rect">
+            <a:avLst/>
+          </a:prstGeom>
+          <a:noFill/>
+        </p:spPr>
+        <p:txBody>
+          <a:bodyPr wrap="square" rtlCol="0">
+            <a:spAutoFit/>
+          </a:bodyPr>
+          <a:lstStyle/>
+          <a:p>
+            <a:r>
+              <a:rPr lang="en-US" dirty="0"/>
+              <a:t>View Record (button (optional))</a:t>
+            </a:r>
+          </a:p>
+        </p:txBody>
+      </p:sp>
+      <p:sp>
+        <p:nvSpPr>
+          <p:cNvPr id="30" name="TextBox 29">
+            <a:extLst>
+              <a:ext uri="{FF2B5EF4-FFF2-40B4-BE49-F238E27FC236}">
+                <a16:creationId xmlns:a16="http://schemas.microsoft.com/office/drawing/2014/main" id="{4BBF072A-3BAE-7F4A-89AE-7ACC1A19BAF2}"/>
+              </a:ext>
+            </a:extLst>
+          </p:cNvPr>
+          <p:cNvSpPr txBox="1"/>
+          <p:nvPr/>
+        </p:nvSpPr>
+        <p:spPr>
+          <a:xfrm>
+            <a:off x="2775012" y="4028283"/>
+            <a:ext cx="1620822" cy="461665"/>
+          </a:xfrm>
+          <a:prstGeom prst="rect">
+            <a:avLst/>
+          </a:prstGeom>
+          <a:noFill/>
+        </p:spPr>
+        <p:txBody>
+          <a:bodyPr wrap="square" rtlCol="0">
+            <a:spAutoFit/>
+          </a:bodyPr>
+          <a:lstStyle/>
+          <a:p>
+            <a:r>
+              <a:rPr lang="en-US" sz="1200" dirty="0"/>
+              <a:t>Confirm Booking button</a:t>
+            </a:r>
+          </a:p>
+        </p:txBody>
+      </p:sp>
+      <p:sp>
+        <p:nvSpPr>
+          <p:cNvPr id="31" name="TextBox 30">
+            <a:extLst>
+              <a:ext uri="{FF2B5EF4-FFF2-40B4-BE49-F238E27FC236}">
+                <a16:creationId xmlns:a16="http://schemas.microsoft.com/office/drawing/2014/main" id="{89E6FD07-9628-C545-9088-04E468BB4D5C}"/>
+              </a:ext>
+            </a:extLst>
+          </p:cNvPr>
+          <p:cNvSpPr txBox="1"/>
+          <p:nvPr/>
+        </p:nvSpPr>
+        <p:spPr>
+          <a:xfrm>
+            <a:off x="3989488" y="4028283"/>
+            <a:ext cx="1620822" cy="461665"/>
+          </a:xfrm>
+          <a:prstGeom prst="rect">
+            <a:avLst/>
+          </a:prstGeom>
+          <a:noFill/>
+        </p:spPr>
+        <p:txBody>
+          <a:bodyPr wrap="square" rtlCol="0">
+            <a:spAutoFit/>
+          </a:bodyPr>
+          <a:lstStyle/>
+          <a:p>
+            <a:r>
+              <a:rPr lang="en-US" sz="1200" dirty="0"/>
+              <a:t>Reschedule Booking button</a:t>
+            </a:r>
+          </a:p>
+        </p:txBody>
+      </p:sp>
+    </p:spTree>
+    <p:extLst>
+      <p:ext uri="{BB962C8B-B14F-4D97-AF65-F5344CB8AC3E}">
+        <p14:creationId xmlns:p14="http://schemas.microsoft.com/office/powerpoint/2010/main" val="2024253038"/>
+      </p:ext>
+    </p:extLst>
+  </p:cSld>
+  <p:clrMapOvr>
+    <a:masterClrMapping/>
+  </p:clrMapOvr>
+</p:sld>
+</file>
+
+<file path=ppt/slides/slide13.xml><?xml version="1.0" encoding="utf-8"?>
+<p:sld xmlns:a="http://schemas.openxmlformats.org/drawingml/2006/main" xmlns:r="http://schemas.openxmlformats.org/officeDocument/2006/relationships" xmlns:p="http://schemas.openxmlformats.org/presentationml/2006/main">
+  <p:cSld>
+    <p:spTree>
+      <p:nvGrpSpPr>
+        <p:cNvPr id="1" name=""/>
+        <p:cNvGrpSpPr/>
+        <p:nvPr/>
+      </p:nvGrpSpPr>
+      <p:grpSpPr>
+        <a:xfrm>
+          <a:off x="0" y="0"/>
+          <a:ext cx="0" cy="0"/>
+          <a:chOff x="0" y="0"/>
+          <a:chExt cx="0" cy="0"/>
+        </a:xfrm>
+      </p:grpSpPr>
+      <p:sp>
+        <p:nvSpPr>
+          <p:cNvPr id="11" name="Rectangle 10">
+            <a:extLst>
+              <a:ext uri="{FF2B5EF4-FFF2-40B4-BE49-F238E27FC236}">
+                <a16:creationId xmlns:a16="http://schemas.microsoft.com/office/drawing/2014/main" id="{7834B01E-90EF-8942-9E82-155BF03FC169}"/>
+              </a:ext>
+            </a:extLst>
+          </p:cNvPr>
+          <p:cNvSpPr/>
+          <p:nvPr/>
+        </p:nvSpPr>
+        <p:spPr>
+          <a:xfrm>
+            <a:off x="2634144" y="1754144"/>
+            <a:ext cx="7122252" cy="3329584"/>
+          </a:xfrm>
+          <a:prstGeom prst="rect">
+            <a:avLst/>
+          </a:prstGeom>
+          <a:noFill/>
+          <a:ln w="19050"/>
+        </p:spPr>
+        <p:style>
+          <a:lnRef idx="2">
+            <a:schemeClr val="accent1">
+              <a:shade val="50000"/>
+            </a:schemeClr>
+          </a:lnRef>
+          <a:fillRef idx="1">
+            <a:schemeClr val="accent1"/>
+          </a:fillRef>
+          <a:effectRef idx="0">
+            <a:schemeClr val="accent1"/>
+          </a:effectRef>
+          <a:fontRef idx="minor">
+            <a:schemeClr val="lt1"/>
+          </a:fontRef>
+        </p:style>
+        <p:txBody>
+          <a:bodyPr rtlCol="0" anchor="ctr"/>
+          <a:lstStyle/>
+          <a:p>
+            <a:pPr algn="ctr"/>
+            <a:endParaRPr lang="en-US"/>
+          </a:p>
+        </p:txBody>
+      </p:sp>
+      <p:sp>
+        <p:nvSpPr>
+          <p:cNvPr id="4" name="TextBox 3">
+            <a:extLst>
+              <a:ext uri="{FF2B5EF4-FFF2-40B4-BE49-F238E27FC236}">
+                <a16:creationId xmlns:a16="http://schemas.microsoft.com/office/drawing/2014/main" id="{9210F2CD-7CF4-5743-A46C-D4B07EDCEBC8}"/>
+              </a:ext>
+            </a:extLst>
+          </p:cNvPr>
+          <p:cNvSpPr txBox="1"/>
+          <p:nvPr/>
+        </p:nvSpPr>
+        <p:spPr>
+          <a:xfrm>
+            <a:off x="303402" y="207218"/>
+            <a:ext cx="11585196" cy="1291904"/>
+          </a:xfrm>
+          <a:prstGeom prst="rect">
+            <a:avLst/>
+          </a:prstGeom>
+          <a:noFill/>
+          <a:ln>
+            <a:solidFill>
+              <a:schemeClr val="accent1"/>
+            </a:solidFill>
+          </a:ln>
+        </p:spPr>
+        <p:txBody>
+          <a:bodyPr wrap="square" rtlCol="0">
+            <a:spAutoFit/>
+          </a:bodyPr>
+          <a:lstStyle/>
+          <a:p>
+            <a:endParaRPr lang="en-US" dirty="0"/>
+          </a:p>
+        </p:txBody>
+      </p:sp>
+      <p:sp>
+        <p:nvSpPr>
+          <p:cNvPr id="5" name="TextBox 4">
+            <a:extLst>
+              <a:ext uri="{FF2B5EF4-FFF2-40B4-BE49-F238E27FC236}">
+                <a16:creationId xmlns:a16="http://schemas.microsoft.com/office/drawing/2014/main" id="{D31B94CC-5680-654F-9BA4-E0A04DF451FB}"/>
+              </a:ext>
+            </a:extLst>
+          </p:cNvPr>
+          <p:cNvSpPr txBox="1"/>
+          <p:nvPr/>
+        </p:nvSpPr>
+        <p:spPr>
+          <a:xfrm>
+            <a:off x="479571" y="5389927"/>
+            <a:ext cx="11585196" cy="1291904"/>
+          </a:xfrm>
+          <a:prstGeom prst="rect">
+            <a:avLst/>
+          </a:prstGeom>
+          <a:noFill/>
+          <a:ln>
+            <a:solidFill>
+              <a:schemeClr val="accent1"/>
+            </a:solidFill>
+          </a:ln>
+        </p:spPr>
+        <p:txBody>
+          <a:bodyPr wrap="square" rtlCol="0">
+            <a:spAutoFit/>
+          </a:bodyPr>
+          <a:lstStyle/>
+          <a:p>
+            <a:endParaRPr lang="en-US" dirty="0"/>
+          </a:p>
+        </p:txBody>
+      </p:sp>
+      <p:sp>
+        <p:nvSpPr>
+          <p:cNvPr id="6" name="TextBox 5">
+            <a:extLst>
+              <a:ext uri="{FF2B5EF4-FFF2-40B4-BE49-F238E27FC236}">
+                <a16:creationId xmlns:a16="http://schemas.microsoft.com/office/drawing/2014/main" id="{6506E7B0-7FC8-5A45-A350-6AFE042386A6}"/>
+              </a:ext>
+            </a:extLst>
+          </p:cNvPr>
+          <p:cNvSpPr txBox="1"/>
+          <p:nvPr/>
+        </p:nvSpPr>
+        <p:spPr>
+          <a:xfrm>
+            <a:off x="8858774" y="360728"/>
+            <a:ext cx="2860646" cy="338554"/>
+          </a:xfrm>
+          <a:prstGeom prst="rect">
+            <a:avLst/>
+          </a:prstGeom>
+          <a:noFill/>
+        </p:spPr>
+        <p:txBody>
+          <a:bodyPr wrap="square" rtlCol="0">
+            <a:spAutoFit/>
+          </a:bodyPr>
+          <a:lstStyle/>
+          <a:p>
+            <a:r>
+              <a:rPr lang="en-US" sz="1600" dirty="0"/>
+              <a:t>Hi, (Doctor name)</a:t>
+            </a:r>
+          </a:p>
+        </p:txBody>
+      </p:sp>
+      <p:sp>
+        <p:nvSpPr>
+          <p:cNvPr id="7" name="TextBox 6">
+            <a:extLst>
+              <a:ext uri="{FF2B5EF4-FFF2-40B4-BE49-F238E27FC236}">
+                <a16:creationId xmlns:a16="http://schemas.microsoft.com/office/drawing/2014/main" id="{E7D745A2-1954-874D-B978-521F0D0FBC58}"/>
+              </a:ext>
+            </a:extLst>
+          </p:cNvPr>
+          <p:cNvSpPr txBox="1"/>
+          <p:nvPr/>
+        </p:nvSpPr>
+        <p:spPr>
+          <a:xfrm>
+            <a:off x="604007" y="360728"/>
+            <a:ext cx="1702965" cy="369332"/>
+          </a:xfrm>
+          <a:prstGeom prst="rect">
+            <a:avLst/>
+          </a:prstGeom>
+          <a:noFill/>
+        </p:spPr>
+        <p:txBody>
+          <a:bodyPr wrap="square" rtlCol="0">
+            <a:spAutoFit/>
+          </a:bodyPr>
+          <a:lstStyle/>
+          <a:p>
+            <a:r>
+              <a:rPr lang="en-US" dirty="0"/>
+              <a:t>LOGO</a:t>
+            </a:r>
+          </a:p>
+        </p:txBody>
+      </p:sp>
+      <p:sp>
+        <p:nvSpPr>
+          <p:cNvPr id="8" name="TextBox 7">
+            <a:extLst>
+              <a:ext uri="{FF2B5EF4-FFF2-40B4-BE49-F238E27FC236}">
+                <a16:creationId xmlns:a16="http://schemas.microsoft.com/office/drawing/2014/main" id="{955242FB-1453-5E4A-B9AC-9E4ACD40FBE2}"/>
+              </a:ext>
+            </a:extLst>
+          </p:cNvPr>
+          <p:cNvSpPr txBox="1"/>
+          <p:nvPr/>
+        </p:nvSpPr>
+        <p:spPr>
+          <a:xfrm>
+            <a:off x="10975596" y="1118802"/>
+            <a:ext cx="1073791" cy="307777"/>
+          </a:xfrm>
+          <a:prstGeom prst="rect">
+            <a:avLst/>
+          </a:prstGeom>
+          <a:noFill/>
+        </p:spPr>
+        <p:txBody>
+          <a:bodyPr wrap="square" rtlCol="0">
+            <a:spAutoFit/>
+          </a:bodyPr>
+          <a:lstStyle/>
+          <a:p>
+            <a:r>
+              <a:rPr lang="en-US" sz="1400" dirty="0"/>
+              <a:t>Sign out</a:t>
+            </a:r>
+          </a:p>
+        </p:txBody>
+      </p:sp>
+      <p:sp>
+        <p:nvSpPr>
+          <p:cNvPr id="13" name="TextBox 12">
+            <a:extLst>
+              <a:ext uri="{FF2B5EF4-FFF2-40B4-BE49-F238E27FC236}">
+                <a16:creationId xmlns:a16="http://schemas.microsoft.com/office/drawing/2014/main" id="{6D3B998B-4F2D-1944-A306-E02E48B4D9C8}"/>
+              </a:ext>
+            </a:extLst>
+          </p:cNvPr>
+          <p:cNvSpPr txBox="1"/>
+          <p:nvPr/>
+        </p:nvSpPr>
+        <p:spPr>
+          <a:xfrm>
+            <a:off x="679508" y="1007059"/>
+            <a:ext cx="1266738" cy="369332"/>
+          </a:xfrm>
+          <a:prstGeom prst="rect">
+            <a:avLst/>
+          </a:prstGeom>
+          <a:noFill/>
+        </p:spPr>
+        <p:txBody>
+          <a:bodyPr wrap="square" rtlCol="0">
+            <a:spAutoFit/>
+          </a:bodyPr>
+          <a:lstStyle/>
+          <a:p>
+            <a:r>
+              <a:rPr lang="en-US" dirty="0"/>
+              <a:t>Home</a:t>
+            </a:r>
+          </a:p>
+        </p:txBody>
+      </p:sp>
+      <p:sp>
+        <p:nvSpPr>
+          <p:cNvPr id="14" name="TextBox 13">
+            <a:extLst>
+              <a:ext uri="{FF2B5EF4-FFF2-40B4-BE49-F238E27FC236}">
+                <a16:creationId xmlns:a16="http://schemas.microsoft.com/office/drawing/2014/main" id="{7234AEA2-AEC3-0844-BDC9-78282380EB27}"/>
+              </a:ext>
+            </a:extLst>
+          </p:cNvPr>
+          <p:cNvSpPr txBox="1"/>
+          <p:nvPr/>
+        </p:nvSpPr>
+        <p:spPr>
+          <a:xfrm>
+            <a:off x="1149292" y="5403711"/>
+            <a:ext cx="1266738" cy="646331"/>
+          </a:xfrm>
+          <a:prstGeom prst="rect">
+            <a:avLst/>
+          </a:prstGeom>
+          <a:noFill/>
+        </p:spPr>
+        <p:txBody>
+          <a:bodyPr wrap="square" rtlCol="0">
+            <a:spAutoFit/>
+          </a:bodyPr>
+          <a:lstStyle/>
+          <a:p>
+            <a:r>
+              <a:rPr lang="en-US" dirty="0"/>
+              <a:t>Contact Details</a:t>
+            </a:r>
+          </a:p>
+        </p:txBody>
+      </p:sp>
+      <p:sp>
+        <p:nvSpPr>
+          <p:cNvPr id="15" name="TextBox 14">
+            <a:extLst>
+              <a:ext uri="{FF2B5EF4-FFF2-40B4-BE49-F238E27FC236}">
+                <a16:creationId xmlns:a16="http://schemas.microsoft.com/office/drawing/2014/main" id="{BBB57AFB-704D-B24F-8BE1-DE3DB4972EF5}"/>
+              </a:ext>
+            </a:extLst>
+          </p:cNvPr>
+          <p:cNvSpPr txBox="1"/>
+          <p:nvPr/>
+        </p:nvSpPr>
+        <p:spPr>
+          <a:xfrm>
+            <a:off x="4769140" y="356344"/>
+            <a:ext cx="2189527" cy="646331"/>
+          </a:xfrm>
+          <a:prstGeom prst="rect">
+            <a:avLst/>
+          </a:prstGeom>
+          <a:noFill/>
+        </p:spPr>
+        <p:txBody>
+          <a:bodyPr wrap="square" rtlCol="0">
+            <a:spAutoFit/>
+          </a:bodyPr>
+          <a:lstStyle/>
+          <a:p>
+            <a:r>
+              <a:rPr lang="en-US" dirty="0"/>
+              <a:t>Doctor Access</a:t>
+            </a:r>
+          </a:p>
+          <a:p>
+            <a:r>
+              <a:rPr lang="en-US" dirty="0"/>
+              <a:t>(Hospital Name)</a:t>
+            </a:r>
+          </a:p>
+        </p:txBody>
+      </p:sp>
+      <p:sp>
+        <p:nvSpPr>
+          <p:cNvPr id="17" name="TextBox 16">
+            <a:extLst>
+              <a:ext uri="{FF2B5EF4-FFF2-40B4-BE49-F238E27FC236}">
+                <a16:creationId xmlns:a16="http://schemas.microsoft.com/office/drawing/2014/main" id="{050A665A-C98A-B44A-8A44-D61414C70B12}"/>
+              </a:ext>
+            </a:extLst>
+          </p:cNvPr>
+          <p:cNvSpPr txBox="1"/>
+          <p:nvPr/>
+        </p:nvSpPr>
+        <p:spPr>
+          <a:xfrm>
+            <a:off x="10389765" y="5462434"/>
+            <a:ext cx="1266738" cy="369332"/>
+          </a:xfrm>
+          <a:prstGeom prst="rect">
+            <a:avLst/>
+          </a:prstGeom>
+          <a:noFill/>
+        </p:spPr>
+        <p:txBody>
+          <a:bodyPr wrap="square" rtlCol="0">
+            <a:spAutoFit/>
+          </a:bodyPr>
+          <a:lstStyle/>
+          <a:p>
+            <a:r>
+              <a:rPr lang="en-US" dirty="0"/>
+              <a:t>Copyright</a:t>
+            </a:r>
+          </a:p>
+        </p:txBody>
+      </p:sp>
+      <p:sp>
+        <p:nvSpPr>
+          <p:cNvPr id="19" name="TextBox 18">
+            <a:extLst>
+              <a:ext uri="{FF2B5EF4-FFF2-40B4-BE49-F238E27FC236}">
+                <a16:creationId xmlns:a16="http://schemas.microsoft.com/office/drawing/2014/main" id="{70561B6D-D157-8A49-ABED-A54D0725474B}"/>
+              </a:ext>
+            </a:extLst>
+          </p:cNvPr>
+          <p:cNvSpPr txBox="1"/>
+          <p:nvPr/>
+        </p:nvSpPr>
+        <p:spPr>
+          <a:xfrm>
+            <a:off x="9708857" y="1109391"/>
+            <a:ext cx="1266739" cy="338554"/>
+          </a:xfrm>
+          <a:prstGeom prst="rect">
+            <a:avLst/>
+          </a:prstGeom>
+          <a:noFill/>
+        </p:spPr>
+        <p:txBody>
+          <a:bodyPr wrap="square" rtlCol="0">
+            <a:spAutoFit/>
+          </a:bodyPr>
+          <a:lstStyle/>
+          <a:p>
+            <a:r>
+              <a:rPr lang="en-US" sz="1600" dirty="0"/>
+              <a:t>Messages</a:t>
+            </a:r>
+          </a:p>
+        </p:txBody>
+      </p:sp>
+      <p:sp>
+        <p:nvSpPr>
           <p:cNvPr id="21" name="TextBox 20">
             <a:extLst>
               <a:ext uri="{FF2B5EF4-FFF2-40B4-BE49-F238E27FC236}">
@@ -6051,7 +6306,7 @@
 </p:sld>
 </file>
 
-<file path=ppt/slides/slide13.xml><?xml version="1.0" encoding="utf-8"?>
+<file path=ppt/slides/slide14.xml><?xml version="1.0" encoding="utf-8"?>
 <p:sld xmlns:a="http://schemas.openxmlformats.org/drawingml/2006/main" xmlns:r="http://schemas.openxmlformats.org/officeDocument/2006/relationships" xmlns:p="http://schemas.openxmlformats.org/presentationml/2006/main">
   <p:cSld>
     <p:spTree>

--- a/Hospital Management Design.pptx
+++ b/Hospital Management Design.pptx
@@ -6,19 +6,18 @@
   </p:sldMasterIdLst>
   <p:sldIdLst>
     <p:sldId id="256" r:id="rId2"/>
-    <p:sldId id="262" r:id="rId3"/>
-    <p:sldId id="258" r:id="rId4"/>
-    <p:sldId id="263" r:id="rId5"/>
+    <p:sldId id="258" r:id="rId3"/>
+    <p:sldId id="274" r:id="rId4"/>
+    <p:sldId id="262" r:id="rId5"/>
     <p:sldId id="259" r:id="rId6"/>
-    <p:sldId id="264" r:id="rId7"/>
-    <p:sldId id="265" r:id="rId8"/>
-    <p:sldId id="260" r:id="rId9"/>
-    <p:sldId id="266" r:id="rId10"/>
-    <p:sldId id="267" r:id="rId11"/>
-    <p:sldId id="273" r:id="rId12"/>
-    <p:sldId id="269" r:id="rId13"/>
-    <p:sldId id="271" r:id="rId14"/>
-    <p:sldId id="272" r:id="rId15"/>
+    <p:sldId id="263" r:id="rId7"/>
+    <p:sldId id="264" r:id="rId8"/>
+    <p:sldId id="265" r:id="rId9"/>
+    <p:sldId id="260" r:id="rId10"/>
+    <p:sldId id="266" r:id="rId11"/>
+    <p:sldId id="269" r:id="rId12"/>
+    <p:sldId id="272" r:id="rId13"/>
+    <p:sldId id="273" r:id="rId14"/>
   </p:sldIdLst>
   <p:sldSz cx="12192000" cy="6858000"/>
   <p:notesSz cx="6858000" cy="9144000"/>
@@ -274,7 +273,7 @@
           <a:p>
             <a:fld id="{2A24D100-F615-184E-A0AE-323F58089210}" type="datetimeFigureOut">
               <a:rPr lang="en-US" smtClean="0"/>
-              <a:t>7/5/21</a:t>
+              <a:t>7/9/21</a:t>
             </a:fld>
             <a:endParaRPr lang="en-US"/>
           </a:p>
@@ -474,7 +473,7 @@
           <a:p>
             <a:fld id="{2A24D100-F615-184E-A0AE-323F58089210}" type="datetimeFigureOut">
               <a:rPr lang="en-US" smtClean="0"/>
-              <a:t>7/5/21</a:t>
+              <a:t>7/9/21</a:t>
             </a:fld>
             <a:endParaRPr lang="en-US"/>
           </a:p>
@@ -684,7 +683,7 @@
           <a:p>
             <a:fld id="{2A24D100-F615-184E-A0AE-323F58089210}" type="datetimeFigureOut">
               <a:rPr lang="en-US" smtClean="0"/>
-              <a:t>7/5/21</a:t>
+              <a:t>7/9/21</a:t>
             </a:fld>
             <a:endParaRPr lang="en-US"/>
           </a:p>
@@ -884,7 +883,7 @@
           <a:p>
             <a:fld id="{2A24D100-F615-184E-A0AE-323F58089210}" type="datetimeFigureOut">
               <a:rPr lang="en-US" smtClean="0"/>
-              <a:t>7/5/21</a:t>
+              <a:t>7/9/21</a:t>
             </a:fld>
             <a:endParaRPr lang="en-US"/>
           </a:p>
@@ -1160,7 +1159,7 @@
           <a:p>
             <a:fld id="{2A24D100-F615-184E-A0AE-323F58089210}" type="datetimeFigureOut">
               <a:rPr lang="en-US" smtClean="0"/>
-              <a:t>7/5/21</a:t>
+              <a:t>7/9/21</a:t>
             </a:fld>
             <a:endParaRPr lang="en-US"/>
           </a:p>
@@ -1428,7 +1427,7 @@
           <a:p>
             <a:fld id="{2A24D100-F615-184E-A0AE-323F58089210}" type="datetimeFigureOut">
               <a:rPr lang="en-US" smtClean="0"/>
-              <a:t>7/5/21</a:t>
+              <a:t>7/9/21</a:t>
             </a:fld>
             <a:endParaRPr lang="en-US"/>
           </a:p>
@@ -1843,7 +1842,7 @@
           <a:p>
             <a:fld id="{2A24D100-F615-184E-A0AE-323F58089210}" type="datetimeFigureOut">
               <a:rPr lang="en-US" smtClean="0"/>
-              <a:t>7/5/21</a:t>
+              <a:t>7/9/21</a:t>
             </a:fld>
             <a:endParaRPr lang="en-US"/>
           </a:p>
@@ -1985,7 +1984,7 @@
           <a:p>
             <a:fld id="{2A24D100-F615-184E-A0AE-323F58089210}" type="datetimeFigureOut">
               <a:rPr lang="en-US" smtClean="0"/>
-              <a:t>7/5/21</a:t>
+              <a:t>7/9/21</a:t>
             </a:fld>
             <a:endParaRPr lang="en-US"/>
           </a:p>
@@ -2098,7 +2097,7 @@
           <a:p>
             <a:fld id="{2A24D100-F615-184E-A0AE-323F58089210}" type="datetimeFigureOut">
               <a:rPr lang="en-US" smtClean="0"/>
-              <a:t>7/5/21</a:t>
+              <a:t>7/9/21</a:t>
             </a:fld>
             <a:endParaRPr lang="en-US"/>
           </a:p>
@@ -2411,7 +2410,7 @@
           <a:p>
             <a:fld id="{2A24D100-F615-184E-A0AE-323F58089210}" type="datetimeFigureOut">
               <a:rPr lang="en-US" smtClean="0"/>
-              <a:t>7/5/21</a:t>
+              <a:t>7/9/21</a:t>
             </a:fld>
             <a:endParaRPr lang="en-US"/>
           </a:p>
@@ -2700,7 +2699,7 @@
           <a:p>
             <a:fld id="{2A24D100-F615-184E-A0AE-323F58089210}" type="datetimeFigureOut">
               <a:rPr lang="en-US" smtClean="0"/>
-              <a:t>7/5/21</a:t>
+              <a:t>7/9/21</a:t>
             </a:fld>
             <a:endParaRPr lang="en-US"/>
           </a:p>
@@ -2943,7 +2942,7 @@
           <a:p>
             <a:fld id="{2A24D100-F615-184E-A0AE-323F58089210}" type="datetimeFigureOut">
               <a:rPr lang="en-US" smtClean="0"/>
-              <a:t>7/5/21</a:t>
+              <a:t>7/9/21</a:t>
             </a:fld>
             <a:endParaRPr lang="en-US"/>
           </a:p>
@@ -3755,22 +3754,32 @@
         <p:spPr>
           <a:xfrm>
             <a:off x="4769140" y="356344"/>
-            <a:ext cx="2189527" cy="646331"/>
-          </a:xfrm>
-          <a:prstGeom prst="rect">
-            <a:avLst/>
-          </a:prstGeom>
-          <a:noFill/>
-        </p:spPr>
-        <p:txBody>
-          <a:bodyPr wrap="square" rtlCol="0">
-            <a:spAutoFit/>
-          </a:bodyPr>
-          <a:lstStyle/>
-          <a:p>
-            <a:r>
-              <a:rPr lang="en-US" dirty="0"/>
-              <a:t>Website title (Hospital Name)</a:t>
+            <a:ext cx="2189527" cy="923330"/>
+          </a:xfrm>
+          <a:prstGeom prst="rect">
+            <a:avLst/>
+          </a:prstGeom>
+          <a:noFill/>
+        </p:spPr>
+        <p:txBody>
+          <a:bodyPr wrap="square" rtlCol="0">
+            <a:spAutoFit/>
+          </a:bodyPr>
+          <a:lstStyle/>
+          <a:p>
+            <a:r>
+              <a:rPr lang="en-US" dirty="0"/>
+              <a:t>Hospital Management System</a:t>
+            </a:r>
+          </a:p>
+          <a:p>
+            <a:r>
+              <a:rPr lang="en-US" dirty="0">
+                <a:solidFill>
+                  <a:schemeClr val="accent5"/>
+                </a:solidFill>
+              </a:rPr>
+              <a:t>Index/Home</a:t>
             </a:r>
           </a:p>
         </p:txBody>
@@ -3847,6 +3856,53 @@
             <a:r>
               <a:rPr lang="en-US" sz="1600" dirty="0"/>
               <a:t>Access</a:t>
+            </a:r>
+          </a:p>
+        </p:txBody>
+      </p:sp>
+      <p:sp>
+        <p:nvSpPr>
+          <p:cNvPr id="18" name="Rounded Rectangle 17">
+            <a:extLst>
+              <a:ext uri="{FF2B5EF4-FFF2-40B4-BE49-F238E27FC236}">
+                <a16:creationId xmlns:a16="http://schemas.microsoft.com/office/drawing/2014/main" id="{15B9B6E5-0355-DD47-B2BF-92C95BA64132}"/>
+              </a:ext>
+            </a:extLst>
+          </p:cNvPr>
+          <p:cNvSpPr/>
+          <p:nvPr/>
+        </p:nvSpPr>
+        <p:spPr>
+          <a:xfrm>
+            <a:off x="1946246" y="360728"/>
+            <a:ext cx="1624268" cy="564558"/>
+          </a:xfrm>
+          <a:prstGeom prst="roundRect">
+            <a:avLst/>
+          </a:prstGeom>
+        </p:spPr>
+        <p:style>
+          <a:lnRef idx="1">
+            <a:schemeClr val="accent6"/>
+          </a:lnRef>
+          <a:fillRef idx="3">
+            <a:schemeClr val="accent6"/>
+          </a:fillRef>
+          <a:effectRef idx="2">
+            <a:schemeClr val="accent6"/>
+          </a:effectRef>
+          <a:fontRef idx="minor">
+            <a:schemeClr val="lt1"/>
+          </a:fontRef>
+        </p:style>
+        <p:txBody>
+          <a:bodyPr rtlCol="0" anchor="ctr"/>
+          <a:lstStyle/>
+          <a:p>
+            <a:pPr algn="ctr"/>
+            <a:r>
+              <a:rPr lang="en-US" dirty="0"/>
+              <a:t>Page completed</a:t>
             </a:r>
           </a:p>
         </p:txBody>
@@ -3943,7 +3999,7 @@
         </p:nvSpPr>
         <p:spPr>
           <a:xfrm>
-            <a:off x="303402" y="207218"/>
+            <a:off x="303402" y="326664"/>
             <a:ext cx="11585196" cy="1291904"/>
           </a:xfrm>
           <a:prstGeom prst="rect">
@@ -4075,76 +4131,6 @@
       </p:sp>
       <p:sp>
         <p:nvSpPr>
-          <p:cNvPr id="8" name="TextBox 7">
-            <a:extLst>
-              <a:ext uri="{FF2B5EF4-FFF2-40B4-BE49-F238E27FC236}">
-                <a16:creationId xmlns:a16="http://schemas.microsoft.com/office/drawing/2014/main" id="{955242FB-1453-5E4A-B9AC-9E4ACD40FBE2}"/>
-              </a:ext>
-            </a:extLst>
-          </p:cNvPr>
-          <p:cNvSpPr txBox="1"/>
-          <p:nvPr/>
-        </p:nvSpPr>
-        <p:spPr>
-          <a:xfrm>
-            <a:off x="10975596" y="1118802"/>
-            <a:ext cx="1073791" cy="307777"/>
-          </a:xfrm>
-          <a:prstGeom prst="rect">
-            <a:avLst/>
-          </a:prstGeom>
-          <a:noFill/>
-        </p:spPr>
-        <p:txBody>
-          <a:bodyPr wrap="square" rtlCol="0">
-            <a:spAutoFit/>
-          </a:bodyPr>
-          <a:lstStyle/>
-          <a:p>
-            <a:r>
-              <a:rPr lang="en-US" sz="1400" dirty="0"/>
-              <a:t>Sign out</a:t>
-            </a:r>
-          </a:p>
-        </p:txBody>
-      </p:sp>
-      <p:sp>
-        <p:nvSpPr>
-          <p:cNvPr id="13" name="TextBox 12">
-            <a:extLst>
-              <a:ext uri="{FF2B5EF4-FFF2-40B4-BE49-F238E27FC236}">
-                <a16:creationId xmlns:a16="http://schemas.microsoft.com/office/drawing/2014/main" id="{6D3B998B-4F2D-1944-A306-E02E48B4D9C8}"/>
-              </a:ext>
-            </a:extLst>
-          </p:cNvPr>
-          <p:cNvSpPr txBox="1"/>
-          <p:nvPr/>
-        </p:nvSpPr>
-        <p:spPr>
-          <a:xfrm>
-            <a:off x="679508" y="1007059"/>
-            <a:ext cx="1266738" cy="369332"/>
-          </a:xfrm>
-          <a:prstGeom prst="rect">
-            <a:avLst/>
-          </a:prstGeom>
-          <a:noFill/>
-        </p:spPr>
-        <p:txBody>
-          <a:bodyPr wrap="square" rtlCol="0">
-            <a:spAutoFit/>
-          </a:bodyPr>
-          <a:lstStyle/>
-          <a:p>
-            <a:r>
-              <a:rPr lang="en-US" dirty="0"/>
-              <a:t>Home</a:t>
-            </a:r>
-          </a:p>
-        </p:txBody>
-      </p:sp>
-      <p:sp>
-        <p:nvSpPr>
           <p:cNvPr id="14" name="TextBox 13">
             <a:extLst>
               <a:ext uri="{FF2B5EF4-FFF2-40B4-BE49-F238E27FC236}">
@@ -4221,76 +4207,6 @@
       </p:sp>
       <p:sp>
         <p:nvSpPr>
-          <p:cNvPr id="16" name="TextBox 15">
-            <a:extLst>
-              <a:ext uri="{FF2B5EF4-FFF2-40B4-BE49-F238E27FC236}">
-                <a16:creationId xmlns:a16="http://schemas.microsoft.com/office/drawing/2014/main" id="{4CE9F10F-C850-0B40-ADEF-4FB1BB68B7A2}"/>
-              </a:ext>
-            </a:extLst>
-          </p:cNvPr>
-          <p:cNvSpPr txBox="1"/>
-          <p:nvPr/>
-        </p:nvSpPr>
-        <p:spPr>
-          <a:xfrm>
-            <a:off x="1514212" y="1000060"/>
-            <a:ext cx="2009163" cy="369332"/>
-          </a:xfrm>
-          <a:prstGeom prst="rect">
-            <a:avLst/>
-          </a:prstGeom>
-          <a:noFill/>
-        </p:spPr>
-        <p:txBody>
-          <a:bodyPr wrap="square" rtlCol="0">
-            <a:spAutoFit/>
-          </a:bodyPr>
-          <a:lstStyle/>
-          <a:p>
-            <a:r>
-              <a:rPr lang="en-US" dirty="0"/>
-              <a:t>Book appointment</a:t>
-            </a:r>
-          </a:p>
-        </p:txBody>
-      </p:sp>
-      <p:sp>
-        <p:nvSpPr>
-          <p:cNvPr id="2" name="TextBox 1">
-            <a:extLst>
-              <a:ext uri="{FF2B5EF4-FFF2-40B4-BE49-F238E27FC236}">
-                <a16:creationId xmlns:a16="http://schemas.microsoft.com/office/drawing/2014/main" id="{7DE9CBAF-0DA0-BD4B-8685-0FC1908C21E1}"/>
-              </a:ext>
-            </a:extLst>
-          </p:cNvPr>
-          <p:cNvSpPr txBox="1"/>
-          <p:nvPr/>
-        </p:nvSpPr>
-        <p:spPr>
-          <a:xfrm>
-            <a:off x="4896374" y="1945814"/>
-            <a:ext cx="2399252" cy="369332"/>
-          </a:xfrm>
-          <a:prstGeom prst="rect">
-            <a:avLst/>
-          </a:prstGeom>
-          <a:noFill/>
-        </p:spPr>
-        <p:txBody>
-          <a:bodyPr wrap="square" rtlCol="0">
-            <a:spAutoFit/>
-          </a:bodyPr>
-          <a:lstStyle/>
-          <a:p>
-            <a:r>
-              <a:rPr lang="en-US" dirty="0"/>
-              <a:t>Display Patient Record</a:t>
-            </a:r>
-          </a:p>
-        </p:txBody>
-      </p:sp>
-      <p:sp>
-        <p:nvSpPr>
           <p:cNvPr id="17" name="TextBox 16">
             <a:extLst>
               <a:ext uri="{FF2B5EF4-FFF2-40B4-BE49-F238E27FC236}">
@@ -4326,70 +4242,346 @@
       </p:sp>
       <p:sp>
         <p:nvSpPr>
-          <p:cNvPr id="18" name="TextBox 17">
-            <a:extLst>
-              <a:ext uri="{FF2B5EF4-FFF2-40B4-BE49-F238E27FC236}">
-                <a16:creationId xmlns:a16="http://schemas.microsoft.com/office/drawing/2014/main" id="{06DB5F45-DED0-5547-8911-09307E015ECE}"/>
-              </a:ext>
-            </a:extLst>
-          </p:cNvPr>
-          <p:cNvSpPr txBox="1"/>
-          <p:nvPr/>
-        </p:nvSpPr>
-        <p:spPr>
-          <a:xfrm>
-            <a:off x="3390550" y="1023242"/>
-            <a:ext cx="1777068" cy="338554"/>
-          </a:xfrm>
-          <a:prstGeom prst="rect">
-            <a:avLst/>
-          </a:prstGeom>
-          <a:noFill/>
-        </p:spPr>
-        <p:txBody>
-          <a:bodyPr wrap="square" rtlCol="0">
-            <a:spAutoFit/>
-          </a:bodyPr>
-          <a:lstStyle/>
-          <a:p>
-            <a:r>
-              <a:rPr lang="en-US" sz="1600" dirty="0"/>
-              <a:t>View your record</a:t>
-            </a:r>
-          </a:p>
-        </p:txBody>
-      </p:sp>
-      <p:sp>
-        <p:nvSpPr>
-          <p:cNvPr id="19" name="TextBox 18">
-            <a:extLst>
-              <a:ext uri="{FF2B5EF4-FFF2-40B4-BE49-F238E27FC236}">
-                <a16:creationId xmlns:a16="http://schemas.microsoft.com/office/drawing/2014/main" id="{70561B6D-D157-8A49-ABED-A54D0725474B}"/>
-              </a:ext>
-            </a:extLst>
-          </p:cNvPr>
-          <p:cNvSpPr txBox="1"/>
-          <p:nvPr/>
-        </p:nvSpPr>
-        <p:spPr>
-          <a:xfrm>
-            <a:off x="9708857" y="1109391"/>
-            <a:ext cx="1266739" cy="338554"/>
-          </a:xfrm>
-          <a:prstGeom prst="rect">
-            <a:avLst/>
-          </a:prstGeom>
-          <a:noFill/>
-        </p:spPr>
-        <p:txBody>
-          <a:bodyPr wrap="square" rtlCol="0">
-            <a:spAutoFit/>
-          </a:bodyPr>
-          <a:lstStyle/>
-          <a:p>
-            <a:r>
-              <a:rPr lang="en-US" sz="1600" dirty="0"/>
-              <a:t>Messages</a:t>
+          <p:cNvPr id="20" name="TextBox 19">
+            <a:extLst>
+              <a:ext uri="{FF2B5EF4-FFF2-40B4-BE49-F238E27FC236}">
+                <a16:creationId xmlns:a16="http://schemas.microsoft.com/office/drawing/2014/main" id="{CC7689EE-3C59-2445-89B7-7E7BC7106C27}"/>
+              </a:ext>
+            </a:extLst>
+          </p:cNvPr>
+          <p:cNvSpPr txBox="1"/>
+          <p:nvPr/>
+        </p:nvSpPr>
+        <p:spPr>
+          <a:xfrm>
+            <a:off x="4769140" y="1993154"/>
+            <a:ext cx="2764173" cy="369332"/>
+          </a:xfrm>
+          <a:prstGeom prst="rect">
+            <a:avLst/>
+          </a:prstGeom>
+          <a:noFill/>
+        </p:spPr>
+        <p:txBody>
+          <a:bodyPr wrap="square" rtlCol="0">
+            <a:spAutoFit/>
+          </a:bodyPr>
+          <a:lstStyle/>
+          <a:p>
+            <a:r>
+              <a:rPr lang="en-US" dirty="0"/>
+              <a:t>Booking confirmation</a:t>
+            </a:r>
+          </a:p>
+        </p:txBody>
+      </p:sp>
+      <p:sp>
+        <p:nvSpPr>
+          <p:cNvPr id="25" name="TextBox 24">
+            <a:extLst>
+              <a:ext uri="{FF2B5EF4-FFF2-40B4-BE49-F238E27FC236}">
+                <a16:creationId xmlns:a16="http://schemas.microsoft.com/office/drawing/2014/main" id="{1BFA3CFC-E9F0-1D4D-B22F-9E62711B9D7A}"/>
+              </a:ext>
+            </a:extLst>
+          </p:cNvPr>
+          <p:cNvSpPr txBox="1"/>
+          <p:nvPr/>
+        </p:nvSpPr>
+        <p:spPr>
+          <a:xfrm>
+            <a:off x="4960340" y="3049604"/>
+            <a:ext cx="2271319" cy="369332"/>
+          </a:xfrm>
+          <a:prstGeom prst="rect">
+            <a:avLst/>
+          </a:prstGeom>
+          <a:noFill/>
+        </p:spPr>
+        <p:txBody>
+          <a:bodyPr wrap="square" rtlCol="0">
+            <a:spAutoFit/>
+          </a:bodyPr>
+          <a:lstStyle/>
+          <a:p>
+            <a:r>
+              <a:rPr lang="en-US" dirty="0"/>
+              <a:t>Details of Booking</a:t>
+            </a:r>
+          </a:p>
+        </p:txBody>
+      </p:sp>
+      <p:sp>
+        <p:nvSpPr>
+          <p:cNvPr id="21" name="Rounded Rectangle 20">
+            <a:extLst>
+              <a:ext uri="{FF2B5EF4-FFF2-40B4-BE49-F238E27FC236}">
+                <a16:creationId xmlns:a16="http://schemas.microsoft.com/office/drawing/2014/main" id="{45C55365-1102-FC4C-9592-6CF104CD54A1}"/>
+              </a:ext>
+            </a:extLst>
+          </p:cNvPr>
+          <p:cNvSpPr/>
+          <p:nvPr/>
+        </p:nvSpPr>
+        <p:spPr>
+          <a:xfrm>
+            <a:off x="500743" y="2260744"/>
+            <a:ext cx="1624268" cy="1777856"/>
+          </a:xfrm>
+          <a:prstGeom prst="roundRect">
+            <a:avLst/>
+          </a:prstGeom>
+          <a:solidFill>
+            <a:schemeClr val="accent4"/>
+          </a:solidFill>
+        </p:spPr>
+        <p:style>
+          <a:lnRef idx="2">
+            <a:schemeClr val="accent2">
+              <a:shade val="50000"/>
+            </a:schemeClr>
+          </a:lnRef>
+          <a:fillRef idx="1">
+            <a:schemeClr val="accent2"/>
+          </a:fillRef>
+          <a:effectRef idx="0">
+            <a:schemeClr val="accent2"/>
+          </a:effectRef>
+          <a:fontRef idx="minor">
+            <a:schemeClr val="lt1"/>
+          </a:fontRef>
+        </p:style>
+        <p:txBody>
+          <a:bodyPr rtlCol="0" anchor="ctr"/>
+          <a:lstStyle/>
+          <a:p>
+            <a:pPr algn="ctr"/>
+            <a:r>
+              <a:rPr lang="en-US" dirty="0"/>
+              <a:t>Return Sys out msg as confirmation instead of page</a:t>
+            </a:r>
+          </a:p>
+        </p:txBody>
+      </p:sp>
+      <p:sp>
+        <p:nvSpPr>
+          <p:cNvPr id="22" name="TextBox 21">
+            <a:extLst>
+              <a:ext uri="{FF2B5EF4-FFF2-40B4-BE49-F238E27FC236}">
+                <a16:creationId xmlns:a16="http://schemas.microsoft.com/office/drawing/2014/main" id="{8D324474-B682-3E4E-AC46-33E4744CB1CC}"/>
+              </a:ext>
+            </a:extLst>
+          </p:cNvPr>
+          <p:cNvSpPr txBox="1"/>
+          <p:nvPr/>
+        </p:nvSpPr>
+        <p:spPr>
+          <a:xfrm>
+            <a:off x="10507311" y="1053263"/>
+            <a:ext cx="1073791" cy="523220"/>
+          </a:xfrm>
+          <a:prstGeom prst="rect">
+            <a:avLst/>
+          </a:prstGeom>
+          <a:noFill/>
+        </p:spPr>
+        <p:txBody>
+          <a:bodyPr wrap="square" rtlCol="0">
+            <a:spAutoFit/>
+          </a:bodyPr>
+          <a:lstStyle/>
+          <a:p>
+            <a:r>
+              <a:rPr lang="en-US" sz="1400" dirty="0"/>
+              <a:t>Sign out </a:t>
+            </a:r>
+            <a:r>
+              <a:rPr lang="en-US" sz="1400" dirty="0">
+                <a:solidFill>
+                  <a:schemeClr val="accent5"/>
+                </a:solidFill>
+              </a:rPr>
+              <a:t>(button</a:t>
+            </a:r>
+            <a:r>
+              <a:rPr lang="en-US" sz="1400" dirty="0"/>
+              <a:t>)</a:t>
+            </a:r>
+          </a:p>
+        </p:txBody>
+      </p:sp>
+      <p:sp>
+        <p:nvSpPr>
+          <p:cNvPr id="23" name="TextBox 22">
+            <a:extLst>
+              <a:ext uri="{FF2B5EF4-FFF2-40B4-BE49-F238E27FC236}">
+                <a16:creationId xmlns:a16="http://schemas.microsoft.com/office/drawing/2014/main" id="{8140EAEF-D43E-B440-B5B6-8470B7B2207B}"/>
+              </a:ext>
+            </a:extLst>
+          </p:cNvPr>
+          <p:cNvSpPr txBox="1"/>
+          <p:nvPr/>
+        </p:nvSpPr>
+        <p:spPr>
+          <a:xfrm>
+            <a:off x="587228" y="834694"/>
+            <a:ext cx="1736522" cy="646331"/>
+          </a:xfrm>
+          <a:prstGeom prst="rect">
+            <a:avLst/>
+          </a:prstGeom>
+          <a:noFill/>
+        </p:spPr>
+        <p:txBody>
+          <a:bodyPr wrap="square" rtlCol="0">
+            <a:spAutoFit/>
+          </a:bodyPr>
+          <a:lstStyle/>
+          <a:p>
+            <a:r>
+              <a:rPr lang="en-US" dirty="0"/>
+              <a:t>Home </a:t>
+            </a:r>
+            <a:r>
+              <a:rPr lang="en-US" dirty="0">
+                <a:solidFill>
+                  <a:schemeClr val="accent5"/>
+                </a:solidFill>
+              </a:rPr>
+              <a:t>(</a:t>
+            </a:r>
+            <a:r>
+              <a:rPr lang="en-US" dirty="0" err="1">
+                <a:solidFill>
+                  <a:schemeClr val="accent5"/>
+                </a:solidFill>
+              </a:rPr>
+              <a:t>index.jsp</a:t>
+            </a:r>
+            <a:r>
+              <a:rPr lang="en-US" dirty="0">
+                <a:solidFill>
+                  <a:schemeClr val="accent5"/>
+                </a:solidFill>
+              </a:rPr>
+              <a:t>)</a:t>
+            </a:r>
+          </a:p>
+        </p:txBody>
+      </p:sp>
+      <p:sp>
+        <p:nvSpPr>
+          <p:cNvPr id="24" name="TextBox 23">
+            <a:extLst>
+              <a:ext uri="{FF2B5EF4-FFF2-40B4-BE49-F238E27FC236}">
+                <a16:creationId xmlns:a16="http://schemas.microsoft.com/office/drawing/2014/main" id="{1C1503D0-DDA6-FB4E-9BF1-138981A08AEA}"/>
+              </a:ext>
+            </a:extLst>
+          </p:cNvPr>
+          <p:cNvSpPr txBox="1"/>
+          <p:nvPr/>
+        </p:nvSpPr>
+        <p:spPr>
+          <a:xfrm>
+            <a:off x="3381812" y="1053263"/>
+            <a:ext cx="2964559" cy="369332"/>
+          </a:xfrm>
+          <a:prstGeom prst="rect">
+            <a:avLst/>
+          </a:prstGeom>
+          <a:noFill/>
+        </p:spPr>
+        <p:txBody>
+          <a:bodyPr wrap="square" rtlCol="0">
+            <a:spAutoFit/>
+          </a:bodyPr>
+          <a:lstStyle/>
+          <a:p>
+            <a:r>
+              <a:rPr lang="en-US" dirty="0"/>
+              <a:t>Booking </a:t>
+            </a:r>
+            <a:r>
+              <a:rPr lang="en-US" dirty="0">
+                <a:solidFill>
+                  <a:schemeClr val="accent5"/>
+                </a:solidFill>
+              </a:rPr>
+              <a:t>(</a:t>
+            </a:r>
+            <a:r>
+              <a:rPr lang="en-US" dirty="0" err="1">
+                <a:solidFill>
+                  <a:schemeClr val="accent5"/>
+                </a:solidFill>
+              </a:rPr>
+              <a:t>bookings.jsp</a:t>
+            </a:r>
+            <a:r>
+              <a:rPr lang="en-US" dirty="0">
+                <a:solidFill>
+                  <a:schemeClr val="accent5"/>
+                </a:solidFill>
+              </a:rPr>
+              <a:t>)</a:t>
+            </a:r>
+          </a:p>
+        </p:txBody>
+      </p:sp>
+      <p:sp>
+        <p:nvSpPr>
+          <p:cNvPr id="26" name="TextBox 25">
+            <a:extLst>
+              <a:ext uri="{FF2B5EF4-FFF2-40B4-BE49-F238E27FC236}">
+                <a16:creationId xmlns:a16="http://schemas.microsoft.com/office/drawing/2014/main" id="{348A5660-1758-D549-991F-15AD9432BA24}"/>
+              </a:ext>
+            </a:extLst>
+          </p:cNvPr>
+          <p:cNvSpPr txBox="1"/>
+          <p:nvPr/>
+        </p:nvSpPr>
+        <p:spPr>
+          <a:xfrm>
+            <a:off x="7108121" y="845256"/>
+            <a:ext cx="2860646" cy="646331"/>
+          </a:xfrm>
+          <a:prstGeom prst="rect">
+            <a:avLst/>
+          </a:prstGeom>
+          <a:noFill/>
+        </p:spPr>
+        <p:txBody>
+          <a:bodyPr wrap="square" rtlCol="0">
+            <a:spAutoFit/>
+          </a:bodyPr>
+          <a:lstStyle/>
+          <a:p>
+            <a:r>
+              <a:rPr lang="en-US" dirty="0"/>
+              <a:t>Treatment </a:t>
+            </a:r>
+            <a:r>
+              <a:rPr lang="en-US" dirty="0">
+                <a:solidFill>
+                  <a:schemeClr val="accent5"/>
+                </a:solidFill>
+              </a:rPr>
+              <a:t>(</a:t>
+            </a:r>
+            <a:r>
+              <a:rPr lang="en-US" dirty="0" err="1">
+                <a:solidFill>
+                  <a:schemeClr val="accent5"/>
+                </a:solidFill>
+              </a:rPr>
+              <a:t>displayRecord.jsp</a:t>
+            </a:r>
+            <a:r>
+              <a:rPr lang="en-US" dirty="0">
+                <a:solidFill>
+                  <a:schemeClr val="accent5"/>
+                </a:solidFill>
+              </a:rPr>
+              <a:t>)</a:t>
             </a:r>
           </a:p>
         </p:txBody>
@@ -4397,7 +4589,7 @@
     </p:spTree>
     <p:extLst>
       <p:ext uri="{BB962C8B-B14F-4D97-AF65-F5344CB8AC3E}">
-        <p14:creationId xmlns:p14="http://schemas.microsoft.com/office/powerpoint/2010/main" val="2479071395"/>
+        <p14:creationId xmlns:p14="http://schemas.microsoft.com/office/powerpoint/2010/main" val="3530130337"/>
       </p:ext>
     </p:extLst>
   </p:cSld>
@@ -4426,227 +4618,1118 @@
       </p:grpSpPr>
       <p:sp>
         <p:nvSpPr>
-          <p:cNvPr id="2" name="Title 1">
-            <a:extLst>
-              <a:ext uri="{FF2B5EF4-FFF2-40B4-BE49-F238E27FC236}">
-                <a16:creationId xmlns:a16="http://schemas.microsoft.com/office/drawing/2014/main" id="{1FF53E0D-C0D3-DD49-9B5D-789EBCDEA886}"/>
-              </a:ext>
-            </a:extLst>
-          </p:cNvPr>
-          <p:cNvSpPr>
-            <a:spLocks noGrp="1"/>
-          </p:cNvSpPr>
-          <p:nvPr>
-            <p:ph type="title"/>
-          </p:nvPr>
-        </p:nvSpPr>
-        <p:spPr/>
-        <p:txBody>
-          <a:bodyPr/>
-          <a:lstStyle/>
-          <a:p>
+          <p:cNvPr id="11" name="Rectangle 10">
+            <a:extLst>
+              <a:ext uri="{FF2B5EF4-FFF2-40B4-BE49-F238E27FC236}">
+                <a16:creationId xmlns:a16="http://schemas.microsoft.com/office/drawing/2014/main" id="{7834B01E-90EF-8942-9E82-155BF03FC169}"/>
+              </a:ext>
+            </a:extLst>
+          </p:cNvPr>
+          <p:cNvSpPr/>
+          <p:nvPr/>
+        </p:nvSpPr>
+        <p:spPr>
+          <a:xfrm>
+            <a:off x="2634144" y="1754144"/>
+            <a:ext cx="7122252" cy="3329584"/>
+          </a:xfrm>
+          <a:prstGeom prst="rect">
+            <a:avLst/>
+          </a:prstGeom>
+          <a:noFill/>
+          <a:ln w="19050"/>
+        </p:spPr>
+        <p:style>
+          <a:lnRef idx="2">
+            <a:schemeClr val="accent1">
+              <a:shade val="50000"/>
+            </a:schemeClr>
+          </a:lnRef>
+          <a:fillRef idx="1">
+            <a:schemeClr val="accent1"/>
+          </a:fillRef>
+          <a:effectRef idx="0">
+            <a:schemeClr val="accent1"/>
+          </a:effectRef>
+          <a:fontRef idx="minor">
+            <a:schemeClr val="lt1"/>
+          </a:fontRef>
+        </p:style>
+        <p:txBody>
+          <a:bodyPr rtlCol="0" anchor="ctr"/>
+          <a:lstStyle/>
+          <a:p>
+            <a:pPr algn="ctr"/>
             <a:endParaRPr lang="en-US"/>
           </a:p>
         </p:txBody>
       </p:sp>
       <p:sp>
         <p:nvSpPr>
-          <p:cNvPr id="3" name="Content Placeholder 2">
-            <a:extLst>
-              <a:ext uri="{FF2B5EF4-FFF2-40B4-BE49-F238E27FC236}">
-                <a16:creationId xmlns:a16="http://schemas.microsoft.com/office/drawing/2014/main" id="{E18E819D-B91A-574F-81C2-F3D0275A0870}"/>
-              </a:ext>
-            </a:extLst>
-          </p:cNvPr>
-          <p:cNvSpPr>
-            <a:spLocks noGrp="1"/>
-          </p:cNvSpPr>
-          <p:nvPr>
-            <p:ph idx="1"/>
-          </p:nvPr>
-        </p:nvSpPr>
-        <p:spPr/>
-        <p:txBody>
-          <a:bodyPr/>
-          <a:lstStyle/>
-          <a:p>
-            <a:endParaRPr lang="en-US" dirty="0">
-              <a:solidFill>
-                <a:srgbClr val="3488AA"/>
-              </a:solidFill>
-            </a:endParaRPr>
-          </a:p>
-        </p:txBody>
-      </p:sp>
-      <p:grpSp>
-        <p:nvGrpSpPr>
-          <p:cNvPr id="14" name="Group 13">
-            <a:extLst>
-              <a:ext uri="{FF2B5EF4-FFF2-40B4-BE49-F238E27FC236}">
-                <a16:creationId xmlns:a16="http://schemas.microsoft.com/office/drawing/2014/main" id="{B9DB91C5-4A45-F741-A29F-B9EAF0DCB495}"/>
-              </a:ext>
-            </a:extLst>
-          </p:cNvPr>
-          <p:cNvGrpSpPr/>
-          <p:nvPr/>
-        </p:nvGrpSpPr>
-        <p:grpSpPr>
-          <a:xfrm>
-            <a:off x="8039100" y="1945154"/>
-            <a:ext cx="1723030" cy="2772685"/>
-            <a:chOff x="8039100" y="1945154"/>
-            <a:chExt cx="1723030" cy="2772685"/>
-          </a:xfrm>
-        </p:grpSpPr>
-        <p:pic>
-          <p:nvPicPr>
-            <p:cNvPr id="7" name="Graphic 6" descr="Medical with solid fill">
-              <a:extLst>
-                <a:ext uri="{FF2B5EF4-FFF2-40B4-BE49-F238E27FC236}">
-                  <a16:creationId xmlns:a16="http://schemas.microsoft.com/office/drawing/2014/main" id="{4BF07342-6A37-DA42-8B90-8532D1CEF8C9}"/>
-                </a:ext>
-              </a:extLst>
-            </p:cNvPr>
-            <p:cNvPicPr>
-              <a:picLocks noChangeAspect="1"/>
-            </p:cNvPicPr>
-            <p:nvPr/>
-          </p:nvPicPr>
-          <p:blipFill>
-            <a:blip r:embed="rId2">
-              <a:extLst>
-                <a:ext uri="{96DAC541-7B7A-43D3-8B79-37D633B846F1}">
-                  <asvg:svgBlip xmlns:asvg="http://schemas.microsoft.com/office/drawing/2016/SVG/main" r:embed="rId3"/>
-                </a:ext>
-              </a:extLst>
-            </a:blip>
-            <a:stretch>
-              <a:fillRect/>
-            </a:stretch>
-          </p:blipFill>
-          <p:spPr>
-            <a:xfrm>
-              <a:off x="8039100" y="2567485"/>
-              <a:ext cx="1723030" cy="1723030"/>
-            </a:xfrm>
-            <a:prstGeom prst="rect">
-              <a:avLst/>
-            </a:prstGeom>
-          </p:spPr>
-        </p:pic>
-        <p:sp>
-          <p:nvSpPr>
-            <p:cNvPr id="9" name="Rectangle 8">
-              <a:extLst>
-                <a:ext uri="{FF2B5EF4-FFF2-40B4-BE49-F238E27FC236}">
-                  <a16:creationId xmlns:a16="http://schemas.microsoft.com/office/drawing/2014/main" id="{1275CB79-3667-E94D-B278-252CF80A3C31}"/>
-                </a:ext>
-              </a:extLst>
-            </p:cNvPr>
-            <p:cNvSpPr/>
-            <p:nvPr/>
-          </p:nvSpPr>
-          <p:spPr>
-            <a:xfrm>
-              <a:off x="8122997" y="1945154"/>
-              <a:ext cx="1555234" cy="923330"/>
-            </a:xfrm>
-            <a:prstGeom prst="rect">
-              <a:avLst/>
-            </a:prstGeom>
-            <a:noFill/>
-          </p:spPr>
-          <p:txBody>
-            <a:bodyPr wrap="none" lIns="91440" tIns="45720" rIns="91440" bIns="45720">
-              <a:spAutoFit/>
-              <a:scene3d>
-                <a:camera prst="orthographicFront"/>
-                <a:lightRig rig="harsh" dir="t"/>
-              </a:scene3d>
-              <a:sp3d extrusionH="57150" prstMaterial="matte">
-                <a:bevelT w="63500" h="12700" prst="angle"/>
-                <a:contourClr>
-                  <a:schemeClr val="bg1">
-                    <a:lumMod val="65000"/>
-                  </a:schemeClr>
-                </a:contourClr>
-              </a:sp3d>
-            </a:bodyPr>
-            <a:lstStyle/>
-            <a:p>
-              <a:pPr algn="ctr"/>
-              <a:r>
-                <a:rPr lang="en-GB" sz="5400" b="1" cap="none" spc="0" dirty="0">
-                  <a:ln/>
-                  <a:solidFill>
-                    <a:srgbClr val="3488AA"/>
-                  </a:solidFill>
-                  <a:effectLst/>
-                </a:rPr>
-                <a:t>HMS</a:t>
-              </a:r>
-            </a:p>
-          </p:txBody>
-        </p:sp>
-        <p:sp>
-          <p:nvSpPr>
-            <p:cNvPr id="10" name="Rectangle 9">
-              <a:extLst>
-                <a:ext uri="{FF2B5EF4-FFF2-40B4-BE49-F238E27FC236}">
-                  <a16:creationId xmlns:a16="http://schemas.microsoft.com/office/drawing/2014/main" id="{37A75375-953D-7344-965F-F24B9ABD474C}"/>
-                </a:ext>
-              </a:extLst>
-            </p:cNvPr>
-            <p:cNvSpPr/>
-            <p:nvPr/>
-          </p:nvSpPr>
-          <p:spPr>
-            <a:xfrm>
-              <a:off x="8095746" y="4133064"/>
-              <a:ext cx="1609736" cy="584775"/>
-            </a:xfrm>
-            <a:prstGeom prst="rect">
-              <a:avLst/>
-            </a:prstGeom>
-            <a:noFill/>
-          </p:spPr>
-          <p:txBody>
-            <a:bodyPr wrap="square" lIns="91440" tIns="45720" rIns="91440" bIns="45720">
-              <a:spAutoFit/>
-              <a:scene3d>
-                <a:camera prst="orthographicFront"/>
-                <a:lightRig rig="harsh" dir="t"/>
-              </a:scene3d>
-              <a:sp3d extrusionH="57150" prstMaterial="matte">
-                <a:bevelT w="63500" h="12700" prst="angle"/>
-                <a:contourClr>
-                  <a:schemeClr val="bg1">
-                    <a:lumMod val="65000"/>
-                  </a:schemeClr>
-                </a:contourClr>
-              </a:sp3d>
-            </a:bodyPr>
-            <a:lstStyle/>
-            <a:p>
-              <a:pPr algn="ctr"/>
-              <a:r>
-                <a:rPr lang="en-GB" sz="3200" b="1" cap="none" spc="0" dirty="0">
-                  <a:ln/>
-                  <a:solidFill>
-                    <a:srgbClr val="3488AA"/>
-                  </a:solidFill>
-                  <a:effectLst/>
-                </a:rPr>
-                <a:t>We Care</a:t>
-              </a:r>
-            </a:p>
-          </p:txBody>
-        </p:sp>
-      </p:grpSp>
+          <p:cNvPr id="4" name="TextBox 3">
+            <a:extLst>
+              <a:ext uri="{FF2B5EF4-FFF2-40B4-BE49-F238E27FC236}">
+                <a16:creationId xmlns:a16="http://schemas.microsoft.com/office/drawing/2014/main" id="{9210F2CD-7CF4-5743-A46C-D4B07EDCEBC8}"/>
+              </a:ext>
+            </a:extLst>
+          </p:cNvPr>
+          <p:cNvSpPr txBox="1"/>
+          <p:nvPr/>
+        </p:nvSpPr>
+        <p:spPr>
+          <a:xfrm>
+            <a:off x="303402" y="207218"/>
+            <a:ext cx="11585196" cy="1291904"/>
+          </a:xfrm>
+          <a:prstGeom prst="rect">
+            <a:avLst/>
+          </a:prstGeom>
+          <a:noFill/>
+          <a:ln>
+            <a:solidFill>
+              <a:schemeClr val="accent1"/>
+            </a:solidFill>
+          </a:ln>
+        </p:spPr>
+        <p:txBody>
+          <a:bodyPr wrap="square" rtlCol="0">
+            <a:spAutoFit/>
+          </a:bodyPr>
+          <a:lstStyle/>
+          <a:p>
+            <a:endParaRPr lang="en-US" dirty="0"/>
+          </a:p>
+        </p:txBody>
+      </p:sp>
+      <p:sp>
+        <p:nvSpPr>
+          <p:cNvPr id="5" name="TextBox 4">
+            <a:extLst>
+              <a:ext uri="{FF2B5EF4-FFF2-40B4-BE49-F238E27FC236}">
+                <a16:creationId xmlns:a16="http://schemas.microsoft.com/office/drawing/2014/main" id="{D31B94CC-5680-654F-9BA4-E0A04DF451FB}"/>
+              </a:ext>
+            </a:extLst>
+          </p:cNvPr>
+          <p:cNvSpPr txBox="1"/>
+          <p:nvPr/>
+        </p:nvSpPr>
+        <p:spPr>
+          <a:xfrm>
+            <a:off x="479571" y="5389927"/>
+            <a:ext cx="11585196" cy="1291904"/>
+          </a:xfrm>
+          <a:prstGeom prst="rect">
+            <a:avLst/>
+          </a:prstGeom>
+          <a:noFill/>
+          <a:ln>
+            <a:solidFill>
+              <a:schemeClr val="accent1"/>
+            </a:solidFill>
+          </a:ln>
+        </p:spPr>
+        <p:txBody>
+          <a:bodyPr wrap="square" rtlCol="0">
+            <a:spAutoFit/>
+          </a:bodyPr>
+          <a:lstStyle/>
+          <a:p>
+            <a:endParaRPr lang="en-US" dirty="0"/>
+          </a:p>
+        </p:txBody>
+      </p:sp>
+      <p:sp>
+        <p:nvSpPr>
+          <p:cNvPr id="6" name="TextBox 5">
+            <a:extLst>
+              <a:ext uri="{FF2B5EF4-FFF2-40B4-BE49-F238E27FC236}">
+                <a16:creationId xmlns:a16="http://schemas.microsoft.com/office/drawing/2014/main" id="{6506E7B0-7FC8-5A45-A350-6AFE042386A6}"/>
+              </a:ext>
+            </a:extLst>
+          </p:cNvPr>
+          <p:cNvSpPr txBox="1"/>
+          <p:nvPr/>
+        </p:nvSpPr>
+        <p:spPr>
+          <a:xfrm>
+            <a:off x="8858774" y="360728"/>
+            <a:ext cx="2860646" cy="338554"/>
+          </a:xfrm>
+          <a:prstGeom prst="rect">
+            <a:avLst/>
+          </a:prstGeom>
+          <a:noFill/>
+        </p:spPr>
+        <p:txBody>
+          <a:bodyPr wrap="square" rtlCol="0">
+            <a:spAutoFit/>
+          </a:bodyPr>
+          <a:lstStyle/>
+          <a:p>
+            <a:r>
+              <a:rPr lang="en-US" sz="1600" dirty="0"/>
+              <a:t>Hi, (Doctor name)</a:t>
+            </a:r>
+          </a:p>
+        </p:txBody>
+      </p:sp>
+      <p:sp>
+        <p:nvSpPr>
+          <p:cNvPr id="7" name="TextBox 6">
+            <a:extLst>
+              <a:ext uri="{FF2B5EF4-FFF2-40B4-BE49-F238E27FC236}">
+                <a16:creationId xmlns:a16="http://schemas.microsoft.com/office/drawing/2014/main" id="{E7D745A2-1954-874D-B978-521F0D0FBC58}"/>
+              </a:ext>
+            </a:extLst>
+          </p:cNvPr>
+          <p:cNvSpPr txBox="1"/>
+          <p:nvPr/>
+        </p:nvSpPr>
+        <p:spPr>
+          <a:xfrm>
+            <a:off x="604007" y="360728"/>
+            <a:ext cx="1702965" cy="369332"/>
+          </a:xfrm>
+          <a:prstGeom prst="rect">
+            <a:avLst/>
+          </a:prstGeom>
+          <a:noFill/>
+        </p:spPr>
+        <p:txBody>
+          <a:bodyPr wrap="square" rtlCol="0">
+            <a:spAutoFit/>
+          </a:bodyPr>
+          <a:lstStyle/>
+          <a:p>
+            <a:r>
+              <a:rPr lang="en-US" dirty="0"/>
+              <a:t>LOGO</a:t>
+            </a:r>
+          </a:p>
+        </p:txBody>
+      </p:sp>
+      <p:sp>
+        <p:nvSpPr>
+          <p:cNvPr id="14" name="TextBox 13">
+            <a:extLst>
+              <a:ext uri="{FF2B5EF4-FFF2-40B4-BE49-F238E27FC236}">
+                <a16:creationId xmlns:a16="http://schemas.microsoft.com/office/drawing/2014/main" id="{7234AEA2-AEC3-0844-BDC9-78282380EB27}"/>
+              </a:ext>
+            </a:extLst>
+          </p:cNvPr>
+          <p:cNvSpPr txBox="1"/>
+          <p:nvPr/>
+        </p:nvSpPr>
+        <p:spPr>
+          <a:xfrm>
+            <a:off x="1149292" y="5403711"/>
+            <a:ext cx="1266738" cy="646331"/>
+          </a:xfrm>
+          <a:prstGeom prst="rect">
+            <a:avLst/>
+          </a:prstGeom>
+          <a:noFill/>
+        </p:spPr>
+        <p:txBody>
+          <a:bodyPr wrap="square" rtlCol="0">
+            <a:spAutoFit/>
+          </a:bodyPr>
+          <a:lstStyle/>
+          <a:p>
+            <a:r>
+              <a:rPr lang="en-US" dirty="0"/>
+              <a:t>Contact Details</a:t>
+            </a:r>
+          </a:p>
+        </p:txBody>
+      </p:sp>
+      <p:sp>
+        <p:nvSpPr>
+          <p:cNvPr id="15" name="TextBox 14">
+            <a:extLst>
+              <a:ext uri="{FF2B5EF4-FFF2-40B4-BE49-F238E27FC236}">
+                <a16:creationId xmlns:a16="http://schemas.microsoft.com/office/drawing/2014/main" id="{BBB57AFB-704D-B24F-8BE1-DE3DB4972EF5}"/>
+              </a:ext>
+            </a:extLst>
+          </p:cNvPr>
+          <p:cNvSpPr txBox="1"/>
+          <p:nvPr/>
+        </p:nvSpPr>
+        <p:spPr>
+          <a:xfrm>
+            <a:off x="4769140" y="356344"/>
+            <a:ext cx="2189527" cy="646331"/>
+          </a:xfrm>
+          <a:prstGeom prst="rect">
+            <a:avLst/>
+          </a:prstGeom>
+          <a:noFill/>
+        </p:spPr>
+        <p:txBody>
+          <a:bodyPr wrap="square" rtlCol="0">
+            <a:spAutoFit/>
+          </a:bodyPr>
+          <a:lstStyle/>
+          <a:p>
+            <a:r>
+              <a:rPr lang="en-US" dirty="0"/>
+              <a:t>Doctor Access</a:t>
+            </a:r>
+          </a:p>
+          <a:p>
+            <a:r>
+              <a:rPr lang="en-US" dirty="0"/>
+              <a:t>(</a:t>
+            </a:r>
+            <a:r>
+              <a:rPr lang="en-US" dirty="0" err="1">
+                <a:solidFill>
+                  <a:schemeClr val="accent5"/>
+                </a:solidFill>
+              </a:rPr>
+              <a:t>doctorAccess.jsp</a:t>
+            </a:r>
+            <a:r>
+              <a:rPr lang="en-US" dirty="0">
+                <a:solidFill>
+                  <a:schemeClr val="accent5"/>
+                </a:solidFill>
+              </a:rPr>
+              <a:t>)</a:t>
+            </a:r>
+          </a:p>
+        </p:txBody>
+      </p:sp>
+      <p:sp>
+        <p:nvSpPr>
+          <p:cNvPr id="17" name="TextBox 16">
+            <a:extLst>
+              <a:ext uri="{FF2B5EF4-FFF2-40B4-BE49-F238E27FC236}">
+                <a16:creationId xmlns:a16="http://schemas.microsoft.com/office/drawing/2014/main" id="{050A665A-C98A-B44A-8A44-D61414C70B12}"/>
+              </a:ext>
+            </a:extLst>
+          </p:cNvPr>
+          <p:cNvSpPr txBox="1"/>
+          <p:nvPr/>
+        </p:nvSpPr>
+        <p:spPr>
+          <a:xfrm>
+            <a:off x="10389765" y="5462434"/>
+            <a:ext cx="1266738" cy="369332"/>
+          </a:xfrm>
+          <a:prstGeom prst="rect">
+            <a:avLst/>
+          </a:prstGeom>
+          <a:noFill/>
+        </p:spPr>
+        <p:txBody>
+          <a:bodyPr wrap="square" rtlCol="0">
+            <a:spAutoFit/>
+          </a:bodyPr>
+          <a:lstStyle/>
+          <a:p>
+            <a:r>
+              <a:rPr lang="en-US" dirty="0"/>
+              <a:t>Copyright</a:t>
+            </a:r>
+          </a:p>
+        </p:txBody>
+      </p:sp>
+      <p:sp>
+        <p:nvSpPr>
+          <p:cNvPr id="20" name="TextBox 19">
+            <a:extLst>
+              <a:ext uri="{FF2B5EF4-FFF2-40B4-BE49-F238E27FC236}">
+                <a16:creationId xmlns:a16="http://schemas.microsoft.com/office/drawing/2014/main" id="{CC7689EE-3C59-2445-89B7-7E7BC7106C27}"/>
+              </a:ext>
+            </a:extLst>
+          </p:cNvPr>
+          <p:cNvSpPr txBox="1"/>
+          <p:nvPr/>
+        </p:nvSpPr>
+        <p:spPr>
+          <a:xfrm>
+            <a:off x="4917139" y="1810648"/>
+            <a:ext cx="2764173" cy="369332"/>
+          </a:xfrm>
+          <a:prstGeom prst="rect">
+            <a:avLst/>
+          </a:prstGeom>
+          <a:noFill/>
+        </p:spPr>
+        <p:txBody>
+          <a:bodyPr wrap="square" rtlCol="0">
+            <a:spAutoFit/>
+          </a:bodyPr>
+          <a:lstStyle/>
+          <a:p>
+            <a:r>
+              <a:rPr lang="en-US" dirty="0"/>
+              <a:t>Booking Notification</a:t>
+            </a:r>
+          </a:p>
+        </p:txBody>
+      </p:sp>
+      <p:sp>
+        <p:nvSpPr>
+          <p:cNvPr id="25" name="TextBox 24">
+            <a:extLst>
+              <a:ext uri="{FF2B5EF4-FFF2-40B4-BE49-F238E27FC236}">
+                <a16:creationId xmlns:a16="http://schemas.microsoft.com/office/drawing/2014/main" id="{1BFA3CFC-E9F0-1D4D-B22F-9E62711B9D7A}"/>
+              </a:ext>
+            </a:extLst>
+          </p:cNvPr>
+          <p:cNvSpPr txBox="1"/>
+          <p:nvPr/>
+        </p:nvSpPr>
+        <p:spPr>
+          <a:xfrm>
+            <a:off x="3148318" y="2378384"/>
+            <a:ext cx="2271319" cy="369332"/>
+          </a:xfrm>
+          <a:prstGeom prst="rect">
+            <a:avLst/>
+          </a:prstGeom>
+          <a:noFill/>
+        </p:spPr>
+        <p:txBody>
+          <a:bodyPr wrap="square" rtlCol="0">
+            <a:spAutoFit/>
+          </a:bodyPr>
+          <a:lstStyle/>
+          <a:p>
+            <a:r>
+              <a:rPr lang="en-US" dirty="0"/>
+              <a:t>Details of Booking</a:t>
+            </a:r>
+          </a:p>
+        </p:txBody>
+      </p:sp>
+      <p:sp>
+        <p:nvSpPr>
+          <p:cNvPr id="21" name="TextBox 20">
+            <a:extLst>
+              <a:ext uri="{FF2B5EF4-FFF2-40B4-BE49-F238E27FC236}">
+                <a16:creationId xmlns:a16="http://schemas.microsoft.com/office/drawing/2014/main" id="{E7A802C5-ED52-3745-8A57-7A1ED52EC361}"/>
+              </a:ext>
+            </a:extLst>
+          </p:cNvPr>
+          <p:cNvSpPr txBox="1"/>
+          <p:nvPr/>
+        </p:nvSpPr>
+        <p:spPr>
+          <a:xfrm>
+            <a:off x="9756396" y="2521194"/>
+            <a:ext cx="2764173" cy="923330"/>
+          </a:xfrm>
+          <a:prstGeom prst="rect">
+            <a:avLst/>
+          </a:prstGeom>
+          <a:noFill/>
+        </p:spPr>
+        <p:txBody>
+          <a:bodyPr wrap="square" rtlCol="0">
+            <a:spAutoFit/>
+          </a:bodyPr>
+          <a:lstStyle/>
+          <a:p>
+            <a:r>
+              <a:rPr lang="en-US" dirty="0">
+                <a:solidFill>
+                  <a:srgbClr val="00B0F0"/>
+                </a:solidFill>
+              </a:rPr>
+              <a:t>Historical Patient Record (list in descending order (date))</a:t>
+            </a:r>
+          </a:p>
+        </p:txBody>
+      </p:sp>
+      <p:sp>
+        <p:nvSpPr>
+          <p:cNvPr id="24" name="TextBox 23">
+            <a:extLst>
+              <a:ext uri="{FF2B5EF4-FFF2-40B4-BE49-F238E27FC236}">
+                <a16:creationId xmlns:a16="http://schemas.microsoft.com/office/drawing/2014/main" id="{B033286C-DE33-084A-845F-303A3F7EBA69}"/>
+              </a:ext>
+            </a:extLst>
+          </p:cNvPr>
+          <p:cNvSpPr txBox="1"/>
+          <p:nvPr/>
+        </p:nvSpPr>
+        <p:spPr>
+          <a:xfrm>
+            <a:off x="3148319" y="2770572"/>
+            <a:ext cx="1620822" cy="307777"/>
+          </a:xfrm>
+          <a:prstGeom prst="rect">
+            <a:avLst/>
+          </a:prstGeom>
+          <a:noFill/>
+        </p:spPr>
+        <p:txBody>
+          <a:bodyPr wrap="square" rtlCol="0">
+            <a:spAutoFit/>
+          </a:bodyPr>
+          <a:lstStyle/>
+          <a:p>
+            <a:r>
+              <a:rPr lang="en-US" sz="1400" dirty="0"/>
+              <a:t>Patient Name</a:t>
+            </a:r>
+          </a:p>
+        </p:txBody>
+      </p:sp>
+      <p:sp>
+        <p:nvSpPr>
+          <p:cNvPr id="26" name="TextBox 25">
+            <a:extLst>
+              <a:ext uri="{FF2B5EF4-FFF2-40B4-BE49-F238E27FC236}">
+                <a16:creationId xmlns:a16="http://schemas.microsoft.com/office/drawing/2014/main" id="{FC5E8B0C-A499-6345-B1D0-D0628D278091}"/>
+              </a:ext>
+            </a:extLst>
+          </p:cNvPr>
+          <p:cNvSpPr txBox="1"/>
+          <p:nvPr/>
+        </p:nvSpPr>
+        <p:spPr>
+          <a:xfrm>
+            <a:off x="3148318" y="3025594"/>
+            <a:ext cx="1620822" cy="307777"/>
+          </a:xfrm>
+          <a:prstGeom prst="rect">
+            <a:avLst/>
+          </a:prstGeom>
+          <a:noFill/>
+        </p:spPr>
+        <p:txBody>
+          <a:bodyPr wrap="square" rtlCol="0">
+            <a:spAutoFit/>
+          </a:bodyPr>
+          <a:lstStyle/>
+          <a:p>
+            <a:r>
+              <a:rPr lang="en-US" sz="1400" dirty="0"/>
+              <a:t>Patient ID</a:t>
+            </a:r>
+          </a:p>
+        </p:txBody>
+      </p:sp>
+      <p:sp>
+        <p:nvSpPr>
+          <p:cNvPr id="27" name="TextBox 26">
+            <a:extLst>
+              <a:ext uri="{FF2B5EF4-FFF2-40B4-BE49-F238E27FC236}">
+                <a16:creationId xmlns:a16="http://schemas.microsoft.com/office/drawing/2014/main" id="{6D259806-BC09-0F41-95A3-6BFC5076EE89}"/>
+              </a:ext>
+            </a:extLst>
+          </p:cNvPr>
+          <p:cNvSpPr txBox="1"/>
+          <p:nvPr/>
+        </p:nvSpPr>
+        <p:spPr>
+          <a:xfrm>
+            <a:off x="3148318" y="3293142"/>
+            <a:ext cx="1620822" cy="307777"/>
+          </a:xfrm>
+          <a:prstGeom prst="rect">
+            <a:avLst/>
+          </a:prstGeom>
+          <a:noFill/>
+        </p:spPr>
+        <p:txBody>
+          <a:bodyPr wrap="square" rtlCol="0">
+            <a:spAutoFit/>
+          </a:bodyPr>
+          <a:lstStyle/>
+          <a:p>
+            <a:r>
+              <a:rPr lang="en-US" sz="1400" dirty="0"/>
+              <a:t>Problem</a:t>
+            </a:r>
+          </a:p>
+        </p:txBody>
+      </p:sp>
+      <p:sp>
+        <p:nvSpPr>
+          <p:cNvPr id="28" name="TextBox 27">
+            <a:extLst>
+              <a:ext uri="{FF2B5EF4-FFF2-40B4-BE49-F238E27FC236}">
+                <a16:creationId xmlns:a16="http://schemas.microsoft.com/office/drawing/2014/main" id="{55B8D09B-FF36-B142-AB9A-77915E7DAE15}"/>
+              </a:ext>
+            </a:extLst>
+          </p:cNvPr>
+          <p:cNvSpPr txBox="1"/>
+          <p:nvPr/>
+        </p:nvSpPr>
+        <p:spPr>
+          <a:xfrm>
+            <a:off x="3148318" y="3588393"/>
+            <a:ext cx="1620822" cy="307777"/>
+          </a:xfrm>
+          <a:prstGeom prst="rect">
+            <a:avLst/>
+          </a:prstGeom>
+          <a:noFill/>
+        </p:spPr>
+        <p:txBody>
+          <a:bodyPr wrap="square" rtlCol="0">
+            <a:spAutoFit/>
+          </a:bodyPr>
+          <a:lstStyle/>
+          <a:p>
+            <a:r>
+              <a:rPr lang="en-US" sz="1400" dirty="0"/>
+              <a:t>Date</a:t>
+            </a:r>
+          </a:p>
+        </p:txBody>
+      </p:sp>
+      <p:sp>
+        <p:nvSpPr>
+          <p:cNvPr id="29" name="TextBox 28">
+            <a:extLst>
+              <a:ext uri="{FF2B5EF4-FFF2-40B4-BE49-F238E27FC236}">
+                <a16:creationId xmlns:a16="http://schemas.microsoft.com/office/drawing/2014/main" id="{2CB5B87F-31B5-B24D-A222-2DEEC2EADBB1}"/>
+              </a:ext>
+            </a:extLst>
+          </p:cNvPr>
+          <p:cNvSpPr txBox="1"/>
+          <p:nvPr/>
+        </p:nvSpPr>
+        <p:spPr>
+          <a:xfrm>
+            <a:off x="6952025" y="2375552"/>
+            <a:ext cx="2271319" cy="646331"/>
+          </a:xfrm>
+          <a:prstGeom prst="rect">
+            <a:avLst/>
+          </a:prstGeom>
+          <a:noFill/>
+        </p:spPr>
+        <p:txBody>
+          <a:bodyPr wrap="square" rtlCol="0">
+            <a:spAutoFit/>
+          </a:bodyPr>
+          <a:lstStyle/>
+          <a:p>
+            <a:r>
+              <a:rPr lang="en-US" dirty="0"/>
+              <a:t>View Record (button (optional))</a:t>
+            </a:r>
+          </a:p>
+        </p:txBody>
+      </p:sp>
+      <p:sp>
+        <p:nvSpPr>
+          <p:cNvPr id="37" name="TextBox 36">
+            <a:extLst>
+              <a:ext uri="{FF2B5EF4-FFF2-40B4-BE49-F238E27FC236}">
+                <a16:creationId xmlns:a16="http://schemas.microsoft.com/office/drawing/2014/main" id="{45C2EBFD-19F1-C246-A950-3FA6E50E8BC7}"/>
+              </a:ext>
+            </a:extLst>
+          </p:cNvPr>
+          <p:cNvSpPr txBox="1"/>
+          <p:nvPr/>
+        </p:nvSpPr>
+        <p:spPr>
+          <a:xfrm>
+            <a:off x="10507311" y="1053263"/>
+            <a:ext cx="1073791" cy="523220"/>
+          </a:xfrm>
+          <a:prstGeom prst="rect">
+            <a:avLst/>
+          </a:prstGeom>
+          <a:noFill/>
+        </p:spPr>
+        <p:txBody>
+          <a:bodyPr wrap="square" rtlCol="0">
+            <a:spAutoFit/>
+          </a:bodyPr>
+          <a:lstStyle/>
+          <a:p>
+            <a:r>
+              <a:rPr lang="en-US" sz="1400" dirty="0"/>
+              <a:t>Sign out </a:t>
+            </a:r>
+            <a:r>
+              <a:rPr lang="en-US" sz="1400" dirty="0">
+                <a:solidFill>
+                  <a:schemeClr val="accent5"/>
+                </a:solidFill>
+              </a:rPr>
+              <a:t>(button</a:t>
+            </a:r>
+            <a:r>
+              <a:rPr lang="en-US" sz="1400" dirty="0"/>
+              <a:t>)</a:t>
+            </a:r>
+          </a:p>
+        </p:txBody>
+      </p:sp>
+      <p:sp>
+        <p:nvSpPr>
+          <p:cNvPr id="38" name="TextBox 37">
+            <a:extLst>
+              <a:ext uri="{FF2B5EF4-FFF2-40B4-BE49-F238E27FC236}">
+                <a16:creationId xmlns:a16="http://schemas.microsoft.com/office/drawing/2014/main" id="{6F85AAAA-F39E-0C42-A2FA-A5DC7AE22FEA}"/>
+              </a:ext>
+            </a:extLst>
+          </p:cNvPr>
+          <p:cNvSpPr txBox="1"/>
+          <p:nvPr/>
+        </p:nvSpPr>
+        <p:spPr>
+          <a:xfrm>
+            <a:off x="587228" y="834694"/>
+            <a:ext cx="1736522" cy="646331"/>
+          </a:xfrm>
+          <a:prstGeom prst="rect">
+            <a:avLst/>
+          </a:prstGeom>
+          <a:noFill/>
+        </p:spPr>
+        <p:txBody>
+          <a:bodyPr wrap="square" rtlCol="0">
+            <a:spAutoFit/>
+          </a:bodyPr>
+          <a:lstStyle/>
+          <a:p>
+            <a:r>
+              <a:rPr lang="en-US" dirty="0"/>
+              <a:t>Home </a:t>
+            </a:r>
+            <a:r>
+              <a:rPr lang="en-US" dirty="0">
+                <a:solidFill>
+                  <a:schemeClr val="accent5"/>
+                </a:solidFill>
+              </a:rPr>
+              <a:t>(</a:t>
+            </a:r>
+            <a:r>
+              <a:rPr lang="en-US" dirty="0" err="1">
+                <a:solidFill>
+                  <a:schemeClr val="accent5"/>
+                </a:solidFill>
+              </a:rPr>
+              <a:t>index.jsp</a:t>
+            </a:r>
+            <a:r>
+              <a:rPr lang="en-US" dirty="0">
+                <a:solidFill>
+                  <a:schemeClr val="accent5"/>
+                </a:solidFill>
+              </a:rPr>
+              <a:t>)</a:t>
+            </a:r>
+          </a:p>
+        </p:txBody>
+      </p:sp>
+      <p:sp>
+        <p:nvSpPr>
+          <p:cNvPr id="39" name="TextBox 38">
+            <a:extLst>
+              <a:ext uri="{FF2B5EF4-FFF2-40B4-BE49-F238E27FC236}">
+                <a16:creationId xmlns:a16="http://schemas.microsoft.com/office/drawing/2014/main" id="{45A89CDF-A7EF-CE4B-B036-ACBEFDB2DDED}"/>
+              </a:ext>
+            </a:extLst>
+          </p:cNvPr>
+          <p:cNvSpPr txBox="1"/>
+          <p:nvPr/>
+        </p:nvSpPr>
+        <p:spPr>
+          <a:xfrm>
+            <a:off x="3381812" y="1053263"/>
+            <a:ext cx="2964559" cy="369332"/>
+          </a:xfrm>
+          <a:prstGeom prst="rect">
+            <a:avLst/>
+          </a:prstGeom>
+          <a:noFill/>
+        </p:spPr>
+        <p:txBody>
+          <a:bodyPr wrap="square" rtlCol="0">
+            <a:spAutoFit/>
+          </a:bodyPr>
+          <a:lstStyle/>
+          <a:p>
+            <a:r>
+              <a:rPr lang="en-US" dirty="0"/>
+              <a:t>Booking </a:t>
+            </a:r>
+            <a:r>
+              <a:rPr lang="en-US" dirty="0">
+                <a:solidFill>
+                  <a:schemeClr val="accent5"/>
+                </a:solidFill>
+              </a:rPr>
+              <a:t>(</a:t>
+            </a:r>
+            <a:r>
+              <a:rPr lang="en-US" dirty="0" err="1">
+                <a:solidFill>
+                  <a:schemeClr val="accent5"/>
+                </a:solidFill>
+              </a:rPr>
+              <a:t>bookings.jsp</a:t>
+            </a:r>
+            <a:r>
+              <a:rPr lang="en-US" dirty="0">
+                <a:solidFill>
+                  <a:schemeClr val="accent5"/>
+                </a:solidFill>
+              </a:rPr>
+              <a:t>)</a:t>
+            </a:r>
+          </a:p>
+        </p:txBody>
+      </p:sp>
+      <p:sp>
+        <p:nvSpPr>
+          <p:cNvPr id="40" name="TextBox 39">
+            <a:extLst>
+              <a:ext uri="{FF2B5EF4-FFF2-40B4-BE49-F238E27FC236}">
+                <a16:creationId xmlns:a16="http://schemas.microsoft.com/office/drawing/2014/main" id="{BD16A298-3BEA-9B45-B29E-481CEAE303D9}"/>
+              </a:ext>
+            </a:extLst>
+          </p:cNvPr>
+          <p:cNvSpPr txBox="1"/>
+          <p:nvPr/>
+        </p:nvSpPr>
+        <p:spPr>
+          <a:xfrm>
+            <a:off x="7108121" y="845256"/>
+            <a:ext cx="2860646" cy="646331"/>
+          </a:xfrm>
+          <a:prstGeom prst="rect">
+            <a:avLst/>
+          </a:prstGeom>
+          <a:noFill/>
+        </p:spPr>
+        <p:txBody>
+          <a:bodyPr wrap="square" rtlCol="0">
+            <a:spAutoFit/>
+          </a:bodyPr>
+          <a:lstStyle/>
+          <a:p>
+            <a:r>
+              <a:rPr lang="en-US" dirty="0"/>
+              <a:t>Treatment </a:t>
+            </a:r>
+            <a:r>
+              <a:rPr lang="en-US" dirty="0">
+                <a:solidFill>
+                  <a:schemeClr val="accent5"/>
+                </a:solidFill>
+              </a:rPr>
+              <a:t>(</a:t>
+            </a:r>
+            <a:r>
+              <a:rPr lang="en-US" dirty="0" err="1">
+                <a:solidFill>
+                  <a:schemeClr val="accent5"/>
+                </a:solidFill>
+              </a:rPr>
+              <a:t>displayRecord.jsp</a:t>
+            </a:r>
+            <a:r>
+              <a:rPr lang="en-US" dirty="0">
+                <a:solidFill>
+                  <a:schemeClr val="accent5"/>
+                </a:solidFill>
+              </a:rPr>
+              <a:t>)</a:t>
+            </a:r>
+          </a:p>
+        </p:txBody>
+      </p:sp>
+      <p:sp>
+        <p:nvSpPr>
+          <p:cNvPr id="41" name="TextBox 40">
+            <a:extLst>
+              <a:ext uri="{FF2B5EF4-FFF2-40B4-BE49-F238E27FC236}">
+                <a16:creationId xmlns:a16="http://schemas.microsoft.com/office/drawing/2014/main" id="{128C6572-0FC7-BC4D-828D-BB3EABF06B11}"/>
+              </a:ext>
+            </a:extLst>
+          </p:cNvPr>
+          <p:cNvSpPr txBox="1"/>
+          <p:nvPr/>
+        </p:nvSpPr>
+        <p:spPr>
+          <a:xfrm>
+            <a:off x="6975095" y="3194031"/>
+            <a:ext cx="1904301" cy="338554"/>
+          </a:xfrm>
+          <a:prstGeom prst="rect">
+            <a:avLst/>
+          </a:prstGeom>
+          <a:noFill/>
+        </p:spPr>
+        <p:txBody>
+          <a:bodyPr wrap="square" rtlCol="0">
+            <a:spAutoFit/>
+          </a:bodyPr>
+          <a:lstStyle/>
+          <a:p>
+            <a:r>
+              <a:rPr lang="en-US" sz="1600" dirty="0"/>
+              <a:t>Prescribe Treatment</a:t>
+            </a:r>
+          </a:p>
+        </p:txBody>
+      </p:sp>
+      <p:sp>
+        <p:nvSpPr>
+          <p:cNvPr id="42" name="TextBox 41">
+            <a:extLst>
+              <a:ext uri="{FF2B5EF4-FFF2-40B4-BE49-F238E27FC236}">
+                <a16:creationId xmlns:a16="http://schemas.microsoft.com/office/drawing/2014/main" id="{CD767DAD-AE8D-2C40-AB4E-7F0F706C80F7}"/>
+              </a:ext>
+            </a:extLst>
+          </p:cNvPr>
+          <p:cNvSpPr txBox="1"/>
+          <p:nvPr/>
+        </p:nvSpPr>
+        <p:spPr>
+          <a:xfrm>
+            <a:off x="4191699" y="4587325"/>
+            <a:ext cx="1904301" cy="338554"/>
+          </a:xfrm>
+          <a:prstGeom prst="rect">
+            <a:avLst/>
+          </a:prstGeom>
+          <a:noFill/>
+        </p:spPr>
+        <p:txBody>
+          <a:bodyPr wrap="square" rtlCol="0">
+            <a:spAutoFit/>
+          </a:bodyPr>
+          <a:lstStyle/>
+          <a:p>
+            <a:r>
+              <a:rPr lang="en-US" sz="1600" dirty="0"/>
+              <a:t>Update</a:t>
+            </a:r>
+          </a:p>
+        </p:txBody>
+      </p:sp>
+      <p:sp>
+        <p:nvSpPr>
+          <p:cNvPr id="43" name="TextBox 42">
+            <a:extLst>
+              <a:ext uri="{FF2B5EF4-FFF2-40B4-BE49-F238E27FC236}">
+                <a16:creationId xmlns:a16="http://schemas.microsoft.com/office/drawing/2014/main" id="{61953216-8D28-8C46-8C83-58B81436E432}"/>
+              </a:ext>
+            </a:extLst>
+          </p:cNvPr>
+          <p:cNvSpPr txBox="1"/>
+          <p:nvPr/>
+        </p:nvSpPr>
+        <p:spPr>
+          <a:xfrm>
+            <a:off x="6715105" y="4560296"/>
+            <a:ext cx="1904301" cy="338554"/>
+          </a:xfrm>
+          <a:prstGeom prst="rect">
+            <a:avLst/>
+          </a:prstGeom>
+          <a:noFill/>
+        </p:spPr>
+        <p:txBody>
+          <a:bodyPr wrap="square" rtlCol="0">
+            <a:spAutoFit/>
+          </a:bodyPr>
+          <a:lstStyle/>
+          <a:p>
+            <a:r>
+              <a:rPr lang="en-US" sz="1600" dirty="0"/>
+              <a:t>Cancel</a:t>
+            </a:r>
+          </a:p>
+        </p:txBody>
+      </p:sp>
+      <p:sp>
+        <p:nvSpPr>
+          <p:cNvPr id="44" name="TextBox 43">
+            <a:extLst>
+              <a:ext uri="{FF2B5EF4-FFF2-40B4-BE49-F238E27FC236}">
+                <a16:creationId xmlns:a16="http://schemas.microsoft.com/office/drawing/2014/main" id="{CBB5AFA2-280A-1E4E-84DB-06C9BFDC7D25}"/>
+              </a:ext>
+            </a:extLst>
+          </p:cNvPr>
+          <p:cNvSpPr txBox="1"/>
+          <p:nvPr/>
+        </p:nvSpPr>
+        <p:spPr>
+          <a:xfrm>
+            <a:off x="6978895" y="3702741"/>
+            <a:ext cx="1904301" cy="338554"/>
+          </a:xfrm>
+          <a:prstGeom prst="rect">
+            <a:avLst/>
+          </a:prstGeom>
+          <a:noFill/>
+        </p:spPr>
+        <p:txBody>
+          <a:bodyPr wrap="square" rtlCol="0">
+            <a:spAutoFit/>
+          </a:bodyPr>
+          <a:lstStyle/>
+          <a:p>
+            <a:r>
+              <a:rPr lang="en-US" sz="1600" dirty="0"/>
+              <a:t>Prescribe Test</a:t>
+            </a:r>
+          </a:p>
+        </p:txBody>
+      </p:sp>
+      <p:sp>
+        <p:nvSpPr>
+          <p:cNvPr id="3" name="Left Brace 2">
+            <a:extLst>
+              <a:ext uri="{FF2B5EF4-FFF2-40B4-BE49-F238E27FC236}">
+                <a16:creationId xmlns:a16="http://schemas.microsoft.com/office/drawing/2014/main" id="{87343E2F-EABD-C648-B133-6AF34A833C5C}"/>
+              </a:ext>
+            </a:extLst>
+          </p:cNvPr>
+          <p:cNvSpPr/>
+          <p:nvPr/>
+        </p:nvSpPr>
+        <p:spPr>
+          <a:xfrm>
+            <a:off x="2213425" y="2738266"/>
+            <a:ext cx="934892" cy="1376324"/>
+          </a:xfrm>
+          <a:prstGeom prst="leftBrace">
+            <a:avLst>
+              <a:gd name="adj1" fmla="val 8333"/>
+              <a:gd name="adj2" fmla="val 48180"/>
+            </a:avLst>
+          </a:prstGeom>
+        </p:spPr>
+        <p:style>
+          <a:lnRef idx="1">
+            <a:schemeClr val="accent1"/>
+          </a:lnRef>
+          <a:fillRef idx="0">
+            <a:schemeClr val="accent1"/>
+          </a:fillRef>
+          <a:effectRef idx="0">
+            <a:schemeClr val="accent1"/>
+          </a:effectRef>
+          <a:fontRef idx="minor">
+            <a:schemeClr val="tx1"/>
+          </a:fontRef>
+        </p:style>
+        <p:txBody>
+          <a:bodyPr rtlCol="0" anchor="ctr"/>
+          <a:lstStyle/>
+          <a:p>
+            <a:pPr algn="ctr"/>
+            <a:endParaRPr lang="en-US"/>
+          </a:p>
+        </p:txBody>
+      </p:sp>
+      <p:sp>
+        <p:nvSpPr>
+          <p:cNvPr id="45" name="Rounded Rectangle 44">
+            <a:extLst>
+              <a:ext uri="{FF2B5EF4-FFF2-40B4-BE49-F238E27FC236}">
+                <a16:creationId xmlns:a16="http://schemas.microsoft.com/office/drawing/2014/main" id="{5FD12BDF-CB90-2A4F-AC56-1105302D36E5}"/>
+              </a:ext>
+            </a:extLst>
+          </p:cNvPr>
+          <p:cNvSpPr/>
+          <p:nvPr/>
+        </p:nvSpPr>
+        <p:spPr>
+          <a:xfrm>
+            <a:off x="524291" y="2726067"/>
+            <a:ext cx="1624268" cy="874852"/>
+          </a:xfrm>
+          <a:prstGeom prst="roundRect">
+            <a:avLst/>
+          </a:prstGeom>
+        </p:spPr>
+        <p:style>
+          <a:lnRef idx="2">
+            <a:schemeClr val="accent2">
+              <a:shade val="50000"/>
+            </a:schemeClr>
+          </a:lnRef>
+          <a:fillRef idx="1">
+            <a:schemeClr val="accent2"/>
+          </a:fillRef>
+          <a:effectRef idx="0">
+            <a:schemeClr val="accent2"/>
+          </a:effectRef>
+          <a:fontRef idx="minor">
+            <a:schemeClr val="lt1"/>
+          </a:fontRef>
+        </p:style>
+        <p:txBody>
+          <a:bodyPr rtlCol="0" anchor="ctr"/>
+          <a:lstStyle/>
+          <a:p>
+            <a:pPr algn="ctr"/>
+            <a:r>
+              <a:rPr lang="en-US" dirty="0"/>
+              <a:t>Pull from patient booking</a:t>
+            </a:r>
+          </a:p>
+        </p:txBody>
+      </p:sp>
+      <p:sp>
+        <p:nvSpPr>
+          <p:cNvPr id="46" name="Rounded Rectangle 45">
+            <a:extLst>
+              <a:ext uri="{FF2B5EF4-FFF2-40B4-BE49-F238E27FC236}">
+                <a16:creationId xmlns:a16="http://schemas.microsoft.com/office/drawing/2014/main" id="{38879453-DAFD-364B-BF32-3C5E5350F2E8}"/>
+              </a:ext>
+            </a:extLst>
+          </p:cNvPr>
+          <p:cNvSpPr/>
+          <p:nvPr/>
+        </p:nvSpPr>
+        <p:spPr>
+          <a:xfrm>
+            <a:off x="1946246" y="360728"/>
+            <a:ext cx="1624268" cy="564558"/>
+          </a:xfrm>
+          <a:prstGeom prst="roundRect">
+            <a:avLst/>
+          </a:prstGeom>
+        </p:spPr>
+        <p:style>
+          <a:lnRef idx="1">
+            <a:schemeClr val="accent6"/>
+          </a:lnRef>
+          <a:fillRef idx="3">
+            <a:schemeClr val="accent6"/>
+          </a:fillRef>
+          <a:effectRef idx="2">
+            <a:schemeClr val="accent6"/>
+          </a:effectRef>
+          <a:fontRef idx="minor">
+            <a:schemeClr val="lt1"/>
+          </a:fontRef>
+        </p:style>
+        <p:txBody>
+          <a:bodyPr rtlCol="0" anchor="ctr"/>
+          <a:lstStyle/>
+          <a:p>
+            <a:pPr algn="ctr"/>
+            <a:r>
+              <a:rPr lang="en-US" dirty="0"/>
+              <a:t>Page completed</a:t>
+            </a:r>
+          </a:p>
+        </p:txBody>
+      </p:sp>
     </p:spTree>
     <p:extLst>
       <p:ext uri="{BB962C8B-B14F-4D97-AF65-F5344CB8AC3E}">
-        <p14:creationId xmlns:p14="http://schemas.microsoft.com/office/powerpoint/2010/main" val="1282279574"/>
+        <p14:creationId xmlns:p14="http://schemas.microsoft.com/office/powerpoint/2010/main" val="2024253038"/>
       </p:ext>
     </p:extLst>
   </p:cSld>
@@ -4797,41 +5880,6 @@
       </p:sp>
       <p:sp>
         <p:nvSpPr>
-          <p:cNvPr id="6" name="TextBox 5">
-            <a:extLst>
-              <a:ext uri="{FF2B5EF4-FFF2-40B4-BE49-F238E27FC236}">
-                <a16:creationId xmlns:a16="http://schemas.microsoft.com/office/drawing/2014/main" id="{6506E7B0-7FC8-5A45-A350-6AFE042386A6}"/>
-              </a:ext>
-            </a:extLst>
-          </p:cNvPr>
-          <p:cNvSpPr txBox="1"/>
-          <p:nvPr/>
-        </p:nvSpPr>
-        <p:spPr>
-          <a:xfrm>
-            <a:off x="8858774" y="360728"/>
-            <a:ext cx="2860646" cy="338554"/>
-          </a:xfrm>
-          <a:prstGeom prst="rect">
-            <a:avLst/>
-          </a:prstGeom>
-          <a:noFill/>
-        </p:spPr>
-        <p:txBody>
-          <a:bodyPr wrap="square" rtlCol="0">
-            <a:spAutoFit/>
-          </a:bodyPr>
-          <a:lstStyle/>
-          <a:p>
-            <a:r>
-              <a:rPr lang="en-US" sz="1600" dirty="0"/>
-              <a:t>Hi, (Doctor name)</a:t>
-            </a:r>
-          </a:p>
-        </p:txBody>
-      </p:sp>
-      <p:sp>
-        <p:nvSpPr>
           <p:cNvPr id="7" name="TextBox 6">
             <a:extLst>
               <a:ext uri="{FF2B5EF4-FFF2-40B4-BE49-F238E27FC236}">
@@ -4867,76 +5915,6 @@
       </p:sp>
       <p:sp>
         <p:nvSpPr>
-          <p:cNvPr id="8" name="TextBox 7">
-            <a:extLst>
-              <a:ext uri="{FF2B5EF4-FFF2-40B4-BE49-F238E27FC236}">
-                <a16:creationId xmlns:a16="http://schemas.microsoft.com/office/drawing/2014/main" id="{955242FB-1453-5E4A-B9AC-9E4ACD40FBE2}"/>
-              </a:ext>
-            </a:extLst>
-          </p:cNvPr>
-          <p:cNvSpPr txBox="1"/>
-          <p:nvPr/>
-        </p:nvSpPr>
-        <p:spPr>
-          <a:xfrm>
-            <a:off x="10975596" y="1118802"/>
-            <a:ext cx="1073791" cy="307777"/>
-          </a:xfrm>
-          <a:prstGeom prst="rect">
-            <a:avLst/>
-          </a:prstGeom>
-          <a:noFill/>
-        </p:spPr>
-        <p:txBody>
-          <a:bodyPr wrap="square" rtlCol="0">
-            <a:spAutoFit/>
-          </a:bodyPr>
-          <a:lstStyle/>
-          <a:p>
-            <a:r>
-              <a:rPr lang="en-US" sz="1400" dirty="0"/>
-              <a:t>Sign out</a:t>
-            </a:r>
-          </a:p>
-        </p:txBody>
-      </p:sp>
-      <p:sp>
-        <p:nvSpPr>
-          <p:cNvPr id="13" name="TextBox 12">
-            <a:extLst>
-              <a:ext uri="{FF2B5EF4-FFF2-40B4-BE49-F238E27FC236}">
-                <a16:creationId xmlns:a16="http://schemas.microsoft.com/office/drawing/2014/main" id="{6D3B998B-4F2D-1944-A306-E02E48B4D9C8}"/>
-              </a:ext>
-            </a:extLst>
-          </p:cNvPr>
-          <p:cNvSpPr txBox="1"/>
-          <p:nvPr/>
-        </p:nvSpPr>
-        <p:spPr>
-          <a:xfrm>
-            <a:off x="679508" y="1007059"/>
-            <a:ext cx="1266738" cy="369332"/>
-          </a:xfrm>
-          <a:prstGeom prst="rect">
-            <a:avLst/>
-          </a:prstGeom>
-          <a:noFill/>
-        </p:spPr>
-        <p:txBody>
-          <a:bodyPr wrap="square" rtlCol="0">
-            <a:spAutoFit/>
-          </a:bodyPr>
-          <a:lstStyle/>
-          <a:p>
-            <a:r>
-              <a:rPr lang="en-US" dirty="0"/>
-              <a:t>Home</a:t>
-            </a:r>
-          </a:p>
-        </p:txBody>
-      </p:sp>
-      <p:sp>
-        <p:nvSpPr>
           <p:cNvPr id="14" name="TextBox 13">
             <a:extLst>
               <a:ext uri="{FF2B5EF4-FFF2-40B4-BE49-F238E27FC236}">
@@ -4984,30 +5962,47 @@
         </p:nvSpPr>
         <p:spPr>
           <a:xfrm>
-            <a:off x="4769140" y="356344"/>
-            <a:ext cx="2189527" cy="646331"/>
-          </a:xfrm>
-          <a:prstGeom prst="rect">
-            <a:avLst/>
-          </a:prstGeom>
-          <a:noFill/>
-        </p:spPr>
-        <p:txBody>
-          <a:bodyPr wrap="square" rtlCol="0">
-            <a:spAutoFit/>
-          </a:bodyPr>
-          <a:lstStyle/>
-          <a:p>
-            <a:r>
-              <a:rPr lang="en-US" dirty="0"/>
-              <a:t>Doctor Access</a:t>
-            </a:r>
-          </a:p>
-          <a:p>
-            <a:r>
-              <a:rPr lang="en-US" dirty="0"/>
-              <a:t>(Hospital Name)</a:t>
-            </a:r>
+            <a:off x="5457825" y="273675"/>
+            <a:ext cx="2171700" cy="646331"/>
+          </a:xfrm>
+          <a:prstGeom prst="rect">
+            <a:avLst/>
+          </a:prstGeom>
+          <a:noFill/>
+        </p:spPr>
+        <p:txBody>
+          <a:bodyPr wrap="square" rtlCol="0">
+            <a:spAutoFit/>
+          </a:bodyPr>
+          <a:lstStyle/>
+          <a:p>
+            <a:r>
+              <a:rPr lang="en-US" dirty="0"/>
+              <a:t>Display record</a:t>
+            </a:r>
+          </a:p>
+          <a:p>
+            <a:r>
+              <a:rPr lang="en-US" dirty="0">
+                <a:solidFill>
+                  <a:schemeClr val="accent5"/>
+                </a:solidFill>
+              </a:rPr>
+              <a:t>(</a:t>
+            </a:r>
+            <a:r>
+              <a:rPr lang="en-US" dirty="0" err="1">
+                <a:solidFill>
+                  <a:schemeClr val="accent5"/>
+                </a:solidFill>
+              </a:rPr>
+              <a:t>displayRecord.Jsp</a:t>
+            </a:r>
+            <a:endParaRPr lang="en-US" dirty="0">
+              <a:solidFill>
+                <a:schemeClr val="accent5"/>
+              </a:solidFill>
+            </a:endParaRPr>
           </a:p>
         </p:txBody>
       </p:sp>
@@ -5048,459 +6043,634 @@
       </p:sp>
       <p:sp>
         <p:nvSpPr>
-          <p:cNvPr id="19" name="TextBox 18">
-            <a:extLst>
-              <a:ext uri="{FF2B5EF4-FFF2-40B4-BE49-F238E27FC236}">
-                <a16:creationId xmlns:a16="http://schemas.microsoft.com/office/drawing/2014/main" id="{70561B6D-D157-8A49-ABED-A54D0725474B}"/>
-              </a:ext>
-            </a:extLst>
-          </p:cNvPr>
-          <p:cNvSpPr txBox="1"/>
-          <p:nvPr/>
-        </p:nvSpPr>
-        <p:spPr>
-          <a:xfrm>
-            <a:off x="9708857" y="1109391"/>
-            <a:ext cx="1266739" cy="338554"/>
-          </a:xfrm>
-          <a:prstGeom prst="rect">
-            <a:avLst/>
-          </a:prstGeom>
-          <a:noFill/>
-        </p:spPr>
-        <p:txBody>
-          <a:bodyPr wrap="square" rtlCol="0">
-            <a:spAutoFit/>
-          </a:bodyPr>
-          <a:lstStyle/>
-          <a:p>
-            <a:r>
-              <a:rPr lang="en-US" sz="1600" dirty="0"/>
-              <a:t>Messages</a:t>
-            </a:r>
-          </a:p>
-        </p:txBody>
-      </p:sp>
-      <p:sp>
-        <p:nvSpPr>
-          <p:cNvPr id="20" name="TextBox 19">
-            <a:extLst>
-              <a:ext uri="{FF2B5EF4-FFF2-40B4-BE49-F238E27FC236}">
-                <a16:creationId xmlns:a16="http://schemas.microsoft.com/office/drawing/2014/main" id="{CC7689EE-3C59-2445-89B7-7E7BC7106C27}"/>
-              </a:ext>
-            </a:extLst>
-          </p:cNvPr>
-          <p:cNvSpPr txBox="1"/>
-          <p:nvPr/>
-        </p:nvSpPr>
-        <p:spPr>
-          <a:xfrm>
-            <a:off x="4769140" y="1847876"/>
-            <a:ext cx="2764173" cy="369332"/>
-          </a:xfrm>
-          <a:prstGeom prst="rect">
-            <a:avLst/>
-          </a:prstGeom>
-          <a:noFill/>
-        </p:spPr>
-        <p:txBody>
-          <a:bodyPr wrap="square" rtlCol="0">
-            <a:spAutoFit/>
-          </a:bodyPr>
-          <a:lstStyle/>
-          <a:p>
-            <a:r>
-              <a:rPr lang="en-US" dirty="0"/>
-              <a:t>Booking Notification</a:t>
-            </a:r>
-          </a:p>
-        </p:txBody>
-      </p:sp>
-      <p:sp>
-        <p:nvSpPr>
-          <p:cNvPr id="25" name="TextBox 24">
-            <a:extLst>
-              <a:ext uri="{FF2B5EF4-FFF2-40B4-BE49-F238E27FC236}">
-                <a16:creationId xmlns:a16="http://schemas.microsoft.com/office/drawing/2014/main" id="{1BFA3CFC-E9F0-1D4D-B22F-9E62711B9D7A}"/>
-              </a:ext>
-            </a:extLst>
-          </p:cNvPr>
-          <p:cNvSpPr txBox="1"/>
-          <p:nvPr/>
-        </p:nvSpPr>
-        <p:spPr>
-          <a:xfrm>
-            <a:off x="3148318" y="2378384"/>
-            <a:ext cx="2271319" cy="369332"/>
-          </a:xfrm>
-          <a:prstGeom prst="rect">
-            <a:avLst/>
-          </a:prstGeom>
-          <a:noFill/>
-        </p:spPr>
-        <p:txBody>
-          <a:bodyPr wrap="square" rtlCol="0">
-            <a:spAutoFit/>
-          </a:bodyPr>
-          <a:lstStyle/>
-          <a:p>
-            <a:r>
-              <a:rPr lang="en-US" dirty="0"/>
-              <a:t>Details of Booking</a:t>
-            </a:r>
-          </a:p>
-        </p:txBody>
-      </p:sp>
-      <p:sp>
-        <p:nvSpPr>
-          <p:cNvPr id="21" name="TextBox 20">
-            <a:extLst>
-              <a:ext uri="{FF2B5EF4-FFF2-40B4-BE49-F238E27FC236}">
-                <a16:creationId xmlns:a16="http://schemas.microsoft.com/office/drawing/2014/main" id="{E7A802C5-ED52-3745-8A57-7A1ED52EC361}"/>
-              </a:ext>
-            </a:extLst>
-          </p:cNvPr>
-          <p:cNvSpPr txBox="1"/>
-          <p:nvPr/>
-        </p:nvSpPr>
-        <p:spPr>
-          <a:xfrm>
-            <a:off x="6944684" y="3078349"/>
-            <a:ext cx="2764173" cy="923330"/>
-          </a:xfrm>
-          <a:prstGeom prst="rect">
-            <a:avLst/>
-          </a:prstGeom>
-          <a:noFill/>
-        </p:spPr>
-        <p:txBody>
-          <a:bodyPr wrap="square" rtlCol="0">
-            <a:spAutoFit/>
-          </a:bodyPr>
-          <a:lstStyle/>
-          <a:p>
+          <p:cNvPr id="16" name="TextBox 15">
+            <a:extLst>
+              <a:ext uri="{FF2B5EF4-FFF2-40B4-BE49-F238E27FC236}">
+                <a16:creationId xmlns:a16="http://schemas.microsoft.com/office/drawing/2014/main" id="{0FCB1B51-4883-AD4B-9ED0-88A8A75B1338}"/>
+              </a:ext>
+            </a:extLst>
+          </p:cNvPr>
+          <p:cNvSpPr txBox="1"/>
+          <p:nvPr/>
+        </p:nvSpPr>
+        <p:spPr>
+          <a:xfrm>
+            <a:off x="10507311" y="1053263"/>
+            <a:ext cx="1073791" cy="523220"/>
+          </a:xfrm>
+          <a:prstGeom prst="rect">
+            <a:avLst/>
+          </a:prstGeom>
+          <a:noFill/>
+        </p:spPr>
+        <p:txBody>
+          <a:bodyPr wrap="square" rtlCol="0">
+            <a:spAutoFit/>
+          </a:bodyPr>
+          <a:lstStyle/>
+          <a:p>
+            <a:r>
+              <a:rPr lang="en-US" sz="1400" dirty="0"/>
+              <a:t>Sign out </a:t>
+            </a:r>
+            <a:r>
+              <a:rPr lang="en-US" sz="1400" dirty="0">
+                <a:solidFill>
+                  <a:schemeClr val="accent5"/>
+                </a:solidFill>
+              </a:rPr>
+              <a:t>(button</a:t>
+            </a:r>
+            <a:r>
+              <a:rPr lang="en-US" sz="1400" dirty="0"/>
+              <a:t>)</a:t>
+            </a:r>
+          </a:p>
+        </p:txBody>
+      </p:sp>
+      <p:sp>
+        <p:nvSpPr>
+          <p:cNvPr id="18" name="TextBox 17">
+            <a:extLst>
+              <a:ext uri="{FF2B5EF4-FFF2-40B4-BE49-F238E27FC236}">
+                <a16:creationId xmlns:a16="http://schemas.microsoft.com/office/drawing/2014/main" id="{8FC63D9F-4ADE-254E-B387-9628DD1A8FA5}"/>
+              </a:ext>
+            </a:extLst>
+          </p:cNvPr>
+          <p:cNvSpPr txBox="1"/>
+          <p:nvPr/>
+        </p:nvSpPr>
+        <p:spPr>
+          <a:xfrm>
+            <a:off x="587228" y="834694"/>
+            <a:ext cx="1736522" cy="646331"/>
+          </a:xfrm>
+          <a:prstGeom prst="rect">
+            <a:avLst/>
+          </a:prstGeom>
+          <a:noFill/>
+        </p:spPr>
+        <p:txBody>
+          <a:bodyPr wrap="square" rtlCol="0">
+            <a:spAutoFit/>
+          </a:bodyPr>
+          <a:lstStyle/>
+          <a:p>
+            <a:r>
+              <a:rPr lang="en-US" dirty="0"/>
+              <a:t>Home </a:t>
+            </a:r>
             <a:r>
               <a:rPr lang="en-US" dirty="0">
                 <a:solidFill>
-                  <a:srgbClr val="00B0F0"/>
+                  <a:schemeClr val="accent5"/>
                 </a:solidFill>
               </a:rPr>
-              <a:t>Historical Patient Record (list in descending order (date))</a:t>
-            </a:r>
-          </a:p>
-        </p:txBody>
-      </p:sp>
-      <p:sp>
-        <p:nvSpPr>
-          <p:cNvPr id="22" name="TextBox 21">
-            <a:extLst>
-              <a:ext uri="{FF2B5EF4-FFF2-40B4-BE49-F238E27FC236}">
-                <a16:creationId xmlns:a16="http://schemas.microsoft.com/office/drawing/2014/main" id="{8D8CBB7B-797F-B446-BFCC-CCD87CDF58C4}"/>
-              </a:ext>
-            </a:extLst>
-          </p:cNvPr>
-          <p:cNvSpPr txBox="1"/>
-          <p:nvPr/>
-        </p:nvSpPr>
-        <p:spPr>
-          <a:xfrm>
-            <a:off x="1442558" y="807958"/>
-            <a:ext cx="1979102" cy="738664"/>
-          </a:xfrm>
-          <a:prstGeom prst="rect">
-            <a:avLst/>
-          </a:prstGeom>
-          <a:noFill/>
-        </p:spPr>
-        <p:txBody>
-          <a:bodyPr wrap="square" rtlCol="0">
-            <a:spAutoFit/>
-          </a:bodyPr>
-          <a:lstStyle/>
-          <a:p>
-            <a:r>
-              <a:rPr lang="en-US" sz="1400" dirty="0"/>
-              <a:t>View appointment(historical record alongside)</a:t>
-            </a:r>
-          </a:p>
-        </p:txBody>
-      </p:sp>
-      <p:sp>
-        <p:nvSpPr>
-          <p:cNvPr id="23" name="TextBox 22">
-            <a:extLst>
-              <a:ext uri="{FF2B5EF4-FFF2-40B4-BE49-F238E27FC236}">
-                <a16:creationId xmlns:a16="http://schemas.microsoft.com/office/drawing/2014/main" id="{4267C011-2719-BA4E-B215-0F38E906CC91}"/>
-              </a:ext>
-            </a:extLst>
-          </p:cNvPr>
-          <p:cNvSpPr txBox="1"/>
-          <p:nvPr/>
-        </p:nvSpPr>
-        <p:spPr>
-          <a:xfrm>
-            <a:off x="3391253" y="954576"/>
-            <a:ext cx="2009162" cy="584775"/>
-          </a:xfrm>
-          <a:prstGeom prst="rect">
-            <a:avLst/>
-          </a:prstGeom>
-          <a:noFill/>
-        </p:spPr>
-        <p:txBody>
-          <a:bodyPr wrap="square" rtlCol="0">
-            <a:spAutoFit/>
-          </a:bodyPr>
-          <a:lstStyle/>
-          <a:p>
-            <a:r>
-              <a:rPr lang="en-US" sz="1600" dirty="0"/>
-              <a:t>Update Patient records</a:t>
-            </a:r>
-          </a:p>
-        </p:txBody>
-      </p:sp>
-      <p:sp>
-        <p:nvSpPr>
-          <p:cNvPr id="24" name="TextBox 23">
-            <a:extLst>
-              <a:ext uri="{FF2B5EF4-FFF2-40B4-BE49-F238E27FC236}">
-                <a16:creationId xmlns:a16="http://schemas.microsoft.com/office/drawing/2014/main" id="{B033286C-DE33-084A-845F-303A3F7EBA69}"/>
-              </a:ext>
-            </a:extLst>
-          </p:cNvPr>
-          <p:cNvSpPr txBox="1"/>
-          <p:nvPr/>
-        </p:nvSpPr>
-        <p:spPr>
-          <a:xfrm>
-            <a:off x="3148319" y="2770572"/>
-            <a:ext cx="1620822" cy="307777"/>
-          </a:xfrm>
-          <a:prstGeom prst="rect">
-            <a:avLst/>
-          </a:prstGeom>
-          <a:noFill/>
-        </p:spPr>
-        <p:txBody>
-          <a:bodyPr wrap="square" rtlCol="0">
-            <a:spAutoFit/>
-          </a:bodyPr>
-          <a:lstStyle/>
-          <a:p>
-            <a:r>
-              <a:rPr lang="en-US" sz="1400" dirty="0"/>
-              <a:t>Patient Name</a:t>
-            </a:r>
-          </a:p>
-        </p:txBody>
-      </p:sp>
-      <p:sp>
-        <p:nvSpPr>
-          <p:cNvPr id="26" name="TextBox 25">
-            <a:extLst>
-              <a:ext uri="{FF2B5EF4-FFF2-40B4-BE49-F238E27FC236}">
-                <a16:creationId xmlns:a16="http://schemas.microsoft.com/office/drawing/2014/main" id="{FC5E8B0C-A499-6345-B1D0-D0628D278091}"/>
-              </a:ext>
-            </a:extLst>
-          </p:cNvPr>
-          <p:cNvSpPr txBox="1"/>
-          <p:nvPr/>
-        </p:nvSpPr>
-        <p:spPr>
-          <a:xfrm>
-            <a:off x="3148318" y="3025594"/>
-            <a:ext cx="1620822" cy="307777"/>
-          </a:xfrm>
-          <a:prstGeom prst="rect">
-            <a:avLst/>
-          </a:prstGeom>
-          <a:noFill/>
-        </p:spPr>
-        <p:txBody>
-          <a:bodyPr wrap="square" rtlCol="0">
-            <a:spAutoFit/>
-          </a:bodyPr>
-          <a:lstStyle/>
-          <a:p>
-            <a:r>
-              <a:rPr lang="en-US" sz="1400" dirty="0"/>
-              <a:t>Patient ID</a:t>
-            </a:r>
-          </a:p>
-        </p:txBody>
-      </p:sp>
-      <p:sp>
-        <p:nvSpPr>
-          <p:cNvPr id="27" name="TextBox 26">
-            <a:extLst>
-              <a:ext uri="{FF2B5EF4-FFF2-40B4-BE49-F238E27FC236}">
-                <a16:creationId xmlns:a16="http://schemas.microsoft.com/office/drawing/2014/main" id="{6D259806-BC09-0F41-95A3-6BFC5076EE89}"/>
-              </a:ext>
-            </a:extLst>
-          </p:cNvPr>
-          <p:cNvSpPr txBox="1"/>
-          <p:nvPr/>
-        </p:nvSpPr>
-        <p:spPr>
-          <a:xfrm>
-            <a:off x="3148318" y="3293142"/>
-            <a:ext cx="1620822" cy="307777"/>
-          </a:xfrm>
-          <a:prstGeom prst="rect">
-            <a:avLst/>
-          </a:prstGeom>
-          <a:noFill/>
-        </p:spPr>
-        <p:txBody>
-          <a:bodyPr wrap="square" rtlCol="0">
-            <a:spAutoFit/>
-          </a:bodyPr>
-          <a:lstStyle/>
-          <a:p>
-            <a:r>
-              <a:rPr lang="en-US" sz="1400" dirty="0"/>
-              <a:t>Problem</a:t>
-            </a:r>
-          </a:p>
-        </p:txBody>
-      </p:sp>
-      <p:sp>
-        <p:nvSpPr>
-          <p:cNvPr id="28" name="TextBox 27">
-            <a:extLst>
-              <a:ext uri="{FF2B5EF4-FFF2-40B4-BE49-F238E27FC236}">
-                <a16:creationId xmlns:a16="http://schemas.microsoft.com/office/drawing/2014/main" id="{55B8D09B-FF36-B142-AB9A-77915E7DAE15}"/>
-              </a:ext>
-            </a:extLst>
-          </p:cNvPr>
-          <p:cNvSpPr txBox="1"/>
-          <p:nvPr/>
-        </p:nvSpPr>
-        <p:spPr>
-          <a:xfrm>
-            <a:off x="3148318" y="3588393"/>
-            <a:ext cx="1620822" cy="307777"/>
-          </a:xfrm>
-          <a:prstGeom prst="rect">
-            <a:avLst/>
-          </a:prstGeom>
-          <a:noFill/>
-        </p:spPr>
-        <p:txBody>
-          <a:bodyPr wrap="square" rtlCol="0">
-            <a:spAutoFit/>
-          </a:bodyPr>
-          <a:lstStyle/>
-          <a:p>
-            <a:r>
-              <a:rPr lang="en-US" sz="1400" dirty="0"/>
-              <a:t>Date</a:t>
-            </a:r>
-          </a:p>
-        </p:txBody>
-      </p:sp>
-      <p:sp>
-        <p:nvSpPr>
-          <p:cNvPr id="29" name="TextBox 28">
-            <a:extLst>
-              <a:ext uri="{FF2B5EF4-FFF2-40B4-BE49-F238E27FC236}">
-                <a16:creationId xmlns:a16="http://schemas.microsoft.com/office/drawing/2014/main" id="{2CB5B87F-31B5-B24D-A222-2DEEC2EADBB1}"/>
-              </a:ext>
-            </a:extLst>
-          </p:cNvPr>
-          <p:cNvSpPr txBox="1"/>
-          <p:nvPr/>
-        </p:nvSpPr>
-        <p:spPr>
-          <a:xfrm>
-            <a:off x="6952025" y="2375552"/>
-            <a:ext cx="2271319" cy="646331"/>
-          </a:xfrm>
-          <a:prstGeom prst="rect">
-            <a:avLst/>
-          </a:prstGeom>
-          <a:noFill/>
-        </p:spPr>
-        <p:txBody>
-          <a:bodyPr wrap="square" rtlCol="0">
-            <a:spAutoFit/>
-          </a:bodyPr>
-          <a:lstStyle/>
-          <a:p>
-            <a:r>
-              <a:rPr lang="en-US" dirty="0"/>
-              <a:t>View Record (button (optional))</a:t>
-            </a:r>
-          </a:p>
-        </p:txBody>
-      </p:sp>
-      <p:sp>
-        <p:nvSpPr>
-          <p:cNvPr id="30" name="TextBox 29">
-            <a:extLst>
-              <a:ext uri="{FF2B5EF4-FFF2-40B4-BE49-F238E27FC236}">
-                <a16:creationId xmlns:a16="http://schemas.microsoft.com/office/drawing/2014/main" id="{4BBF072A-3BAE-7F4A-89AE-7ACC1A19BAF2}"/>
-              </a:ext>
-            </a:extLst>
-          </p:cNvPr>
-          <p:cNvSpPr txBox="1"/>
-          <p:nvPr/>
-        </p:nvSpPr>
-        <p:spPr>
-          <a:xfrm>
-            <a:off x="2775012" y="4028283"/>
-            <a:ext cx="1620822" cy="461665"/>
-          </a:xfrm>
-          <a:prstGeom prst="rect">
-            <a:avLst/>
-          </a:prstGeom>
-          <a:noFill/>
-        </p:spPr>
-        <p:txBody>
-          <a:bodyPr wrap="square" rtlCol="0">
-            <a:spAutoFit/>
-          </a:bodyPr>
-          <a:lstStyle/>
-          <a:p>
-            <a:r>
-              <a:rPr lang="en-US" sz="1200" dirty="0"/>
-              <a:t>Confirm Booking button</a:t>
-            </a:r>
-          </a:p>
-        </p:txBody>
-      </p:sp>
-      <p:sp>
-        <p:nvSpPr>
-          <p:cNvPr id="31" name="TextBox 30">
-            <a:extLst>
-              <a:ext uri="{FF2B5EF4-FFF2-40B4-BE49-F238E27FC236}">
-                <a16:creationId xmlns:a16="http://schemas.microsoft.com/office/drawing/2014/main" id="{89E6FD07-9628-C545-9088-04E468BB4D5C}"/>
-              </a:ext>
-            </a:extLst>
-          </p:cNvPr>
-          <p:cNvSpPr txBox="1"/>
-          <p:nvPr/>
-        </p:nvSpPr>
-        <p:spPr>
-          <a:xfrm>
-            <a:off x="3989488" y="4028283"/>
-            <a:ext cx="1620822" cy="461665"/>
-          </a:xfrm>
-          <a:prstGeom prst="rect">
-            <a:avLst/>
-          </a:prstGeom>
-          <a:noFill/>
-        </p:spPr>
-        <p:txBody>
-          <a:bodyPr wrap="square" rtlCol="0">
-            <a:spAutoFit/>
-          </a:bodyPr>
-          <a:lstStyle/>
-          <a:p>
-            <a:r>
-              <a:rPr lang="en-US" sz="1200" dirty="0"/>
-              <a:t>Reschedule Booking button</a:t>
+              <a:t>(</a:t>
+            </a:r>
+            <a:r>
+              <a:rPr lang="en-US" dirty="0" err="1">
+                <a:solidFill>
+                  <a:schemeClr val="accent5"/>
+                </a:solidFill>
+              </a:rPr>
+              <a:t>index.jsp</a:t>
+            </a:r>
+            <a:r>
+              <a:rPr lang="en-US" dirty="0">
+                <a:solidFill>
+                  <a:schemeClr val="accent5"/>
+                </a:solidFill>
+              </a:rPr>
+              <a:t>)</a:t>
+            </a:r>
+          </a:p>
+        </p:txBody>
+      </p:sp>
+      <p:sp>
+        <p:nvSpPr>
+          <p:cNvPr id="19" name="TextBox 18">
+            <a:extLst>
+              <a:ext uri="{FF2B5EF4-FFF2-40B4-BE49-F238E27FC236}">
+                <a16:creationId xmlns:a16="http://schemas.microsoft.com/office/drawing/2014/main" id="{6A0A51C1-9F6B-3F41-9D2B-B0303F935BEF}"/>
+              </a:ext>
+            </a:extLst>
+          </p:cNvPr>
+          <p:cNvSpPr txBox="1"/>
+          <p:nvPr/>
+        </p:nvSpPr>
+        <p:spPr>
+          <a:xfrm>
+            <a:off x="3381812" y="1053263"/>
+            <a:ext cx="2964559" cy="369332"/>
+          </a:xfrm>
+          <a:prstGeom prst="rect">
+            <a:avLst/>
+          </a:prstGeom>
+          <a:noFill/>
+        </p:spPr>
+        <p:txBody>
+          <a:bodyPr wrap="square" rtlCol="0">
+            <a:spAutoFit/>
+          </a:bodyPr>
+          <a:lstStyle/>
+          <a:p>
+            <a:r>
+              <a:rPr lang="en-US" dirty="0"/>
+              <a:t>Booking </a:t>
+            </a:r>
+            <a:r>
+              <a:rPr lang="en-US" dirty="0">
+                <a:solidFill>
+                  <a:schemeClr val="accent5"/>
+                </a:solidFill>
+              </a:rPr>
+              <a:t>(</a:t>
+            </a:r>
+            <a:r>
+              <a:rPr lang="en-US" dirty="0" err="1">
+                <a:solidFill>
+                  <a:schemeClr val="accent5"/>
+                </a:solidFill>
+              </a:rPr>
+              <a:t>bookings.jsp</a:t>
+            </a:r>
+            <a:r>
+              <a:rPr lang="en-US" dirty="0">
+                <a:solidFill>
+                  <a:schemeClr val="accent5"/>
+                </a:solidFill>
+              </a:rPr>
+              <a:t>)</a:t>
+            </a:r>
+          </a:p>
+        </p:txBody>
+      </p:sp>
+      <p:sp>
+        <p:nvSpPr>
+          <p:cNvPr id="20" name="TextBox 19">
+            <a:extLst>
+              <a:ext uri="{FF2B5EF4-FFF2-40B4-BE49-F238E27FC236}">
+                <a16:creationId xmlns:a16="http://schemas.microsoft.com/office/drawing/2014/main" id="{0CEA809B-7174-2C4A-A2EB-C0B50945D8C9}"/>
+              </a:ext>
+            </a:extLst>
+          </p:cNvPr>
+          <p:cNvSpPr txBox="1"/>
+          <p:nvPr/>
+        </p:nvSpPr>
+        <p:spPr>
+          <a:xfrm>
+            <a:off x="7108121" y="845256"/>
+            <a:ext cx="2860646" cy="646331"/>
+          </a:xfrm>
+          <a:prstGeom prst="rect">
+            <a:avLst/>
+          </a:prstGeom>
+          <a:noFill/>
+        </p:spPr>
+        <p:txBody>
+          <a:bodyPr wrap="square" rtlCol="0">
+            <a:spAutoFit/>
+          </a:bodyPr>
+          <a:lstStyle/>
+          <a:p>
+            <a:r>
+              <a:rPr lang="en-US" dirty="0"/>
+              <a:t>Treatment </a:t>
+            </a:r>
+            <a:r>
+              <a:rPr lang="en-US" dirty="0">
+                <a:solidFill>
+                  <a:schemeClr val="accent5"/>
+                </a:solidFill>
+              </a:rPr>
+              <a:t>(</a:t>
+            </a:r>
+            <a:r>
+              <a:rPr lang="en-US" dirty="0" err="1">
+                <a:solidFill>
+                  <a:schemeClr val="accent5"/>
+                </a:solidFill>
+              </a:rPr>
+              <a:t>displayRecord.jsp</a:t>
+            </a:r>
+            <a:r>
+              <a:rPr lang="en-US" dirty="0">
+                <a:solidFill>
+                  <a:schemeClr val="accent5"/>
+                </a:solidFill>
+              </a:rPr>
+              <a:t>)</a:t>
+            </a:r>
+          </a:p>
+        </p:txBody>
+      </p:sp>
+      <p:graphicFrame>
+        <p:nvGraphicFramePr>
+          <p:cNvPr id="2" name="Table 2">
+            <a:extLst>
+              <a:ext uri="{FF2B5EF4-FFF2-40B4-BE49-F238E27FC236}">
+                <a16:creationId xmlns:a16="http://schemas.microsoft.com/office/drawing/2014/main" id="{0A50BC34-E605-2F42-89C4-23E67B8E2B9E}"/>
+              </a:ext>
+            </a:extLst>
+          </p:cNvPr>
+          <p:cNvGraphicFramePr>
+            <a:graphicFrameLocks noGrp="1"/>
+          </p:cNvGraphicFramePr>
+          <p:nvPr>
+            <p:extLst>
+              <p:ext uri="{D42A27DB-BD31-4B8C-83A1-F6EECF244321}">
+                <p14:modId xmlns:p14="http://schemas.microsoft.com/office/powerpoint/2010/main" val="428587504"/>
+              </p:ext>
+            </p:extLst>
+          </p:nvPr>
+        </p:nvGraphicFramePr>
+        <p:xfrm>
+          <a:off x="2646465" y="2751685"/>
+          <a:ext cx="7558746" cy="1463040"/>
+        </p:xfrm>
+        <a:graphic>
+          <a:graphicData uri="http://schemas.openxmlformats.org/drawingml/2006/table">
+            <a:tbl>
+              <a:tblPr firstRow="1" bandRow="1">
+                <a:tableStyleId>{5C22544A-7EE6-4342-B048-85BDC9FD1C3A}</a:tableStyleId>
+              </a:tblPr>
+              <a:tblGrid>
+                <a:gridCol w="1259791">
+                  <a:extLst>
+                    <a:ext uri="{9D8B030D-6E8A-4147-A177-3AD203B41FA5}">
+                      <a16:colId xmlns:a16="http://schemas.microsoft.com/office/drawing/2014/main" val="484706619"/>
+                    </a:ext>
+                  </a:extLst>
+                </a:gridCol>
+                <a:gridCol w="1259791">
+                  <a:extLst>
+                    <a:ext uri="{9D8B030D-6E8A-4147-A177-3AD203B41FA5}">
+                      <a16:colId xmlns:a16="http://schemas.microsoft.com/office/drawing/2014/main" val="82939911"/>
+                    </a:ext>
+                  </a:extLst>
+                </a:gridCol>
+                <a:gridCol w="1259791">
+                  <a:extLst>
+                    <a:ext uri="{9D8B030D-6E8A-4147-A177-3AD203B41FA5}">
+                      <a16:colId xmlns:a16="http://schemas.microsoft.com/office/drawing/2014/main" val="930562621"/>
+                    </a:ext>
+                  </a:extLst>
+                </a:gridCol>
+                <a:gridCol w="1259791">
+                  <a:extLst>
+                    <a:ext uri="{9D8B030D-6E8A-4147-A177-3AD203B41FA5}">
+                      <a16:colId xmlns:a16="http://schemas.microsoft.com/office/drawing/2014/main" val="2014208457"/>
+                    </a:ext>
+                  </a:extLst>
+                </a:gridCol>
+                <a:gridCol w="1259791">
+                  <a:extLst>
+                    <a:ext uri="{9D8B030D-6E8A-4147-A177-3AD203B41FA5}">
+                      <a16:colId xmlns:a16="http://schemas.microsoft.com/office/drawing/2014/main" val="1722441425"/>
+                    </a:ext>
+                  </a:extLst>
+                </a:gridCol>
+                <a:gridCol w="1259791">
+                  <a:extLst>
+                    <a:ext uri="{9D8B030D-6E8A-4147-A177-3AD203B41FA5}">
+                      <a16:colId xmlns:a16="http://schemas.microsoft.com/office/drawing/2014/main" val="1412462380"/>
+                    </a:ext>
+                  </a:extLst>
+                </a:gridCol>
+              </a:tblGrid>
+              <a:tr h="328824">
+                <a:tc>
+                  <a:txBody>
+                    <a:bodyPr/>
+                    <a:lstStyle/>
+                    <a:p>
+                      <a:r>
+                        <a:rPr lang="en-US" dirty="0" err="1"/>
+                        <a:t>pid</a:t>
+                      </a:r>
+                      <a:endParaRPr lang="en-US" dirty="0"/>
+                    </a:p>
+                  </a:txBody>
+                  <a:tcPr/>
+                </a:tc>
+                <a:tc>
+                  <a:txBody>
+                    <a:bodyPr/>
+                    <a:lstStyle/>
+                    <a:p>
+                      <a:r>
+                        <a:rPr lang="en-US" dirty="0" err="1"/>
+                        <a:t>pname</a:t>
+                      </a:r>
+                      <a:endParaRPr lang="en-US" dirty="0"/>
+                    </a:p>
+                  </a:txBody>
+                  <a:tcPr/>
+                </a:tc>
+                <a:tc>
+                  <a:txBody>
+                    <a:bodyPr/>
+                    <a:lstStyle/>
+                    <a:p>
+                      <a:r>
+                        <a:rPr lang="en-US" dirty="0"/>
+                        <a:t>date</a:t>
+                      </a:r>
+                    </a:p>
+                  </a:txBody>
+                  <a:tcPr/>
+                </a:tc>
+                <a:tc>
+                  <a:txBody>
+                    <a:bodyPr/>
+                    <a:lstStyle/>
+                    <a:p>
+                      <a:r>
+                        <a:rPr lang="en-US" dirty="0"/>
+                        <a:t>problem</a:t>
+                      </a:r>
+                    </a:p>
+                  </a:txBody>
+                  <a:tcPr/>
+                </a:tc>
+                <a:tc>
+                  <a:txBody>
+                    <a:bodyPr/>
+                    <a:lstStyle/>
+                    <a:p>
+                      <a:r>
+                        <a:rPr lang="en-US" dirty="0"/>
+                        <a:t>treatment</a:t>
+                      </a:r>
+                    </a:p>
+                  </a:txBody>
+                  <a:tcPr/>
+                </a:tc>
+                <a:tc>
+                  <a:txBody>
+                    <a:bodyPr/>
+                    <a:lstStyle/>
+                    <a:p>
+                      <a:endParaRPr lang="en-US" dirty="0"/>
+                    </a:p>
+                  </a:txBody>
+                  <a:tcPr/>
+                </a:tc>
+                <a:extLst>
+                  <a:ext uri="{0D108BD9-81ED-4DB2-BD59-A6C34878D82A}">
+                    <a16:rowId xmlns:a16="http://schemas.microsoft.com/office/drawing/2014/main" val="1704761114"/>
+                  </a:ext>
+                </a:extLst>
+              </a:tr>
+              <a:tr h="328824">
+                <a:tc>
+                  <a:txBody>
+                    <a:bodyPr/>
+                    <a:lstStyle/>
+                    <a:p>
+                      <a:endParaRPr lang="en-US"/>
+                    </a:p>
+                  </a:txBody>
+                  <a:tcPr/>
+                </a:tc>
+                <a:tc>
+                  <a:txBody>
+                    <a:bodyPr/>
+                    <a:lstStyle/>
+                    <a:p>
+                      <a:endParaRPr lang="en-US"/>
+                    </a:p>
+                  </a:txBody>
+                  <a:tcPr/>
+                </a:tc>
+                <a:tc>
+                  <a:txBody>
+                    <a:bodyPr/>
+                    <a:lstStyle/>
+                    <a:p>
+                      <a:endParaRPr lang="en-US"/>
+                    </a:p>
+                  </a:txBody>
+                  <a:tcPr/>
+                </a:tc>
+                <a:tc>
+                  <a:txBody>
+                    <a:bodyPr/>
+                    <a:lstStyle/>
+                    <a:p>
+                      <a:endParaRPr lang="en-US"/>
+                    </a:p>
+                  </a:txBody>
+                  <a:tcPr/>
+                </a:tc>
+                <a:tc>
+                  <a:txBody>
+                    <a:bodyPr/>
+                    <a:lstStyle/>
+                    <a:p>
+                      <a:endParaRPr lang="en-US"/>
+                    </a:p>
+                  </a:txBody>
+                  <a:tcPr/>
+                </a:tc>
+                <a:tc>
+                  <a:txBody>
+                    <a:bodyPr/>
+                    <a:lstStyle/>
+                    <a:p>
+                      <a:endParaRPr lang="en-US"/>
+                    </a:p>
+                  </a:txBody>
+                  <a:tcPr/>
+                </a:tc>
+                <a:extLst>
+                  <a:ext uri="{0D108BD9-81ED-4DB2-BD59-A6C34878D82A}">
+                    <a16:rowId xmlns:a16="http://schemas.microsoft.com/office/drawing/2014/main" val="714643636"/>
+                  </a:ext>
+                </a:extLst>
+              </a:tr>
+              <a:tr h="328824">
+                <a:tc>
+                  <a:txBody>
+                    <a:bodyPr/>
+                    <a:lstStyle/>
+                    <a:p>
+                      <a:endParaRPr lang="en-US"/>
+                    </a:p>
+                  </a:txBody>
+                  <a:tcPr/>
+                </a:tc>
+                <a:tc>
+                  <a:txBody>
+                    <a:bodyPr/>
+                    <a:lstStyle/>
+                    <a:p>
+                      <a:endParaRPr lang="en-US"/>
+                    </a:p>
+                  </a:txBody>
+                  <a:tcPr/>
+                </a:tc>
+                <a:tc>
+                  <a:txBody>
+                    <a:bodyPr/>
+                    <a:lstStyle/>
+                    <a:p>
+                      <a:endParaRPr lang="en-US"/>
+                    </a:p>
+                  </a:txBody>
+                  <a:tcPr/>
+                </a:tc>
+                <a:tc>
+                  <a:txBody>
+                    <a:bodyPr/>
+                    <a:lstStyle/>
+                    <a:p>
+                      <a:endParaRPr lang="en-US" dirty="0"/>
+                    </a:p>
+                  </a:txBody>
+                  <a:tcPr/>
+                </a:tc>
+                <a:tc>
+                  <a:txBody>
+                    <a:bodyPr/>
+                    <a:lstStyle/>
+                    <a:p>
+                      <a:endParaRPr lang="en-US" dirty="0"/>
+                    </a:p>
+                  </a:txBody>
+                  <a:tcPr/>
+                </a:tc>
+                <a:tc>
+                  <a:txBody>
+                    <a:bodyPr/>
+                    <a:lstStyle/>
+                    <a:p>
+                      <a:endParaRPr lang="en-US" dirty="0"/>
+                    </a:p>
+                  </a:txBody>
+                  <a:tcPr/>
+                </a:tc>
+                <a:extLst>
+                  <a:ext uri="{0D108BD9-81ED-4DB2-BD59-A6C34878D82A}">
+                    <a16:rowId xmlns:a16="http://schemas.microsoft.com/office/drawing/2014/main" val="2463873873"/>
+                  </a:ext>
+                </a:extLst>
+              </a:tr>
+              <a:tr h="328824">
+                <a:tc>
+                  <a:txBody>
+                    <a:bodyPr/>
+                    <a:lstStyle/>
+                    <a:p>
+                      <a:endParaRPr lang="en-US"/>
+                    </a:p>
+                  </a:txBody>
+                  <a:tcPr/>
+                </a:tc>
+                <a:tc>
+                  <a:txBody>
+                    <a:bodyPr/>
+                    <a:lstStyle/>
+                    <a:p>
+                      <a:endParaRPr lang="en-US"/>
+                    </a:p>
+                  </a:txBody>
+                  <a:tcPr/>
+                </a:tc>
+                <a:tc>
+                  <a:txBody>
+                    <a:bodyPr/>
+                    <a:lstStyle/>
+                    <a:p>
+                      <a:endParaRPr lang="en-US"/>
+                    </a:p>
+                  </a:txBody>
+                  <a:tcPr/>
+                </a:tc>
+                <a:tc>
+                  <a:txBody>
+                    <a:bodyPr/>
+                    <a:lstStyle/>
+                    <a:p>
+                      <a:endParaRPr lang="en-US" dirty="0"/>
+                    </a:p>
+                  </a:txBody>
+                  <a:tcPr/>
+                </a:tc>
+                <a:tc>
+                  <a:txBody>
+                    <a:bodyPr/>
+                    <a:lstStyle/>
+                    <a:p>
+                      <a:endParaRPr lang="en-US" dirty="0"/>
+                    </a:p>
+                  </a:txBody>
+                  <a:tcPr/>
+                </a:tc>
+                <a:tc>
+                  <a:txBody>
+                    <a:bodyPr/>
+                    <a:lstStyle/>
+                    <a:p>
+                      <a:endParaRPr lang="en-US" dirty="0"/>
+                    </a:p>
+                  </a:txBody>
+                  <a:tcPr/>
+                </a:tc>
+                <a:extLst>
+                  <a:ext uri="{0D108BD9-81ED-4DB2-BD59-A6C34878D82A}">
+                    <a16:rowId xmlns:a16="http://schemas.microsoft.com/office/drawing/2014/main" val="3587480452"/>
+                  </a:ext>
+                </a:extLst>
+              </a:tr>
+            </a:tbl>
+          </a:graphicData>
+        </a:graphic>
+      </p:graphicFrame>
+      <p:sp>
+        <p:nvSpPr>
+          <p:cNvPr id="21" name="Rounded Rectangle 20">
+            <a:extLst>
+              <a:ext uri="{FF2B5EF4-FFF2-40B4-BE49-F238E27FC236}">
+                <a16:creationId xmlns:a16="http://schemas.microsoft.com/office/drawing/2014/main" id="{8530EC29-7FF5-BA4A-808F-7C6C38CE7950}"/>
+              </a:ext>
+            </a:extLst>
+          </p:cNvPr>
+          <p:cNvSpPr/>
+          <p:nvPr/>
+        </p:nvSpPr>
+        <p:spPr>
+          <a:xfrm>
+            <a:off x="1946246" y="360728"/>
+            <a:ext cx="1624268" cy="564558"/>
+          </a:xfrm>
+          <a:prstGeom prst="roundRect">
+            <a:avLst/>
+          </a:prstGeom>
+        </p:spPr>
+        <p:style>
+          <a:lnRef idx="1">
+            <a:schemeClr val="accent6"/>
+          </a:lnRef>
+          <a:fillRef idx="3">
+            <a:schemeClr val="accent6"/>
+          </a:fillRef>
+          <a:effectRef idx="2">
+            <a:schemeClr val="accent6"/>
+          </a:effectRef>
+          <a:fontRef idx="minor">
+            <a:schemeClr val="lt1"/>
+          </a:fontRef>
+        </p:style>
+        <p:txBody>
+          <a:bodyPr rtlCol="0" anchor="ctr"/>
+          <a:lstStyle/>
+          <a:p>
+            <a:pPr algn="ctr"/>
+            <a:r>
+              <a:rPr lang="en-US" dirty="0"/>
+              <a:t>Page completed</a:t>
             </a:r>
           </a:p>
         </p:txBody>
@@ -5508,7 +6678,7 @@
     </p:spTree>
     <p:extLst>
       <p:ext uri="{BB962C8B-B14F-4D97-AF65-F5344CB8AC3E}">
-        <p14:creationId xmlns:p14="http://schemas.microsoft.com/office/powerpoint/2010/main" val="2024253038"/>
+        <p14:creationId xmlns:p14="http://schemas.microsoft.com/office/powerpoint/2010/main" val="2821977786"/>
       </p:ext>
     </p:extLst>
   </p:cSld>
@@ -5659,41 +6829,6 @@
       </p:sp>
       <p:sp>
         <p:nvSpPr>
-          <p:cNvPr id="6" name="TextBox 5">
-            <a:extLst>
-              <a:ext uri="{FF2B5EF4-FFF2-40B4-BE49-F238E27FC236}">
-                <a16:creationId xmlns:a16="http://schemas.microsoft.com/office/drawing/2014/main" id="{6506E7B0-7FC8-5A45-A350-6AFE042386A6}"/>
-              </a:ext>
-            </a:extLst>
-          </p:cNvPr>
-          <p:cNvSpPr txBox="1"/>
-          <p:nvPr/>
-        </p:nvSpPr>
-        <p:spPr>
-          <a:xfrm>
-            <a:off x="8858774" y="360728"/>
-            <a:ext cx="2860646" cy="338554"/>
-          </a:xfrm>
-          <a:prstGeom prst="rect">
-            <a:avLst/>
-          </a:prstGeom>
-          <a:noFill/>
-        </p:spPr>
-        <p:txBody>
-          <a:bodyPr wrap="square" rtlCol="0">
-            <a:spAutoFit/>
-          </a:bodyPr>
-          <a:lstStyle/>
-          <a:p>
-            <a:r>
-              <a:rPr lang="en-US" sz="1600" dirty="0"/>
-              <a:t>Hi, (Doctor name)</a:t>
-            </a:r>
-          </a:p>
-        </p:txBody>
-      </p:sp>
-      <p:sp>
-        <p:nvSpPr>
           <p:cNvPr id="7" name="TextBox 6">
             <a:extLst>
               <a:ext uri="{FF2B5EF4-FFF2-40B4-BE49-F238E27FC236}">
@@ -5741,8 +6876,8 @@
         </p:nvSpPr>
         <p:spPr>
           <a:xfrm>
-            <a:off x="10975596" y="1118802"/>
-            <a:ext cx="1073791" cy="307777"/>
+            <a:off x="4769140" y="2821768"/>
+            <a:ext cx="2292991" cy="307777"/>
           </a:xfrm>
           <a:prstGeom prst="rect">
             <a:avLst/>
@@ -5757,42 +6892,7 @@
           <a:p>
             <a:r>
               <a:rPr lang="en-US" sz="1400" dirty="0"/>
-              <a:t>Sign out</a:t>
-            </a:r>
-          </a:p>
-        </p:txBody>
-      </p:sp>
-      <p:sp>
-        <p:nvSpPr>
-          <p:cNvPr id="13" name="TextBox 12">
-            <a:extLst>
-              <a:ext uri="{FF2B5EF4-FFF2-40B4-BE49-F238E27FC236}">
-                <a16:creationId xmlns:a16="http://schemas.microsoft.com/office/drawing/2014/main" id="{6D3B998B-4F2D-1944-A306-E02E48B4D9C8}"/>
-              </a:ext>
-            </a:extLst>
-          </p:cNvPr>
-          <p:cNvSpPr txBox="1"/>
-          <p:nvPr/>
-        </p:nvSpPr>
-        <p:spPr>
-          <a:xfrm>
-            <a:off x="679508" y="1007059"/>
-            <a:ext cx="1266738" cy="369332"/>
-          </a:xfrm>
-          <a:prstGeom prst="rect">
-            <a:avLst/>
-          </a:prstGeom>
-          <a:noFill/>
-        </p:spPr>
-        <p:txBody>
-          <a:bodyPr wrap="square" rtlCol="0">
-            <a:spAutoFit/>
-          </a:bodyPr>
-          <a:lstStyle/>
-          <a:p>
-            <a:r>
-              <a:rPr lang="en-US" dirty="0"/>
-              <a:t>Home</a:t>
+              <a:t>You have now signed out</a:t>
             </a:r>
           </a:p>
         </p:txBody>
@@ -5846,30 +6946,25 @@
         </p:nvSpPr>
         <p:spPr>
           <a:xfrm>
-            <a:off x="4769140" y="356344"/>
-            <a:ext cx="2189527" cy="646331"/>
-          </a:xfrm>
-          <a:prstGeom prst="rect">
-            <a:avLst/>
-          </a:prstGeom>
-          <a:noFill/>
-        </p:spPr>
-        <p:txBody>
-          <a:bodyPr wrap="square" rtlCol="0">
-            <a:spAutoFit/>
-          </a:bodyPr>
-          <a:lstStyle/>
-          <a:p>
-            <a:r>
-              <a:rPr lang="en-US" dirty="0"/>
-              <a:t>Doctor Access</a:t>
-            </a:r>
-          </a:p>
-          <a:p>
-            <a:r>
-              <a:rPr lang="en-US" dirty="0"/>
-              <a:t>(Hospital Name)</a:t>
-            </a:r>
+            <a:off x="5747207" y="273675"/>
+            <a:ext cx="896125" cy="369332"/>
+          </a:xfrm>
+          <a:prstGeom prst="rect">
+            <a:avLst/>
+          </a:prstGeom>
+          <a:noFill/>
+        </p:spPr>
+        <p:txBody>
+          <a:bodyPr wrap="square" rtlCol="0">
+            <a:spAutoFit/>
+          </a:bodyPr>
+          <a:lstStyle/>
+          <a:p>
+            <a:r>
+              <a:rPr lang="en-US" dirty="0" err="1"/>
+              <a:t>Signout</a:t>
+            </a:r>
+            <a:endParaRPr lang="en-US" dirty="0"/>
           </a:p>
         </p:txBody>
       </p:sp>
@@ -5910,70 +7005,165 @@
       </p:sp>
       <p:sp>
         <p:nvSpPr>
+          <p:cNvPr id="16" name="TextBox 15">
+            <a:extLst>
+              <a:ext uri="{FF2B5EF4-FFF2-40B4-BE49-F238E27FC236}">
+                <a16:creationId xmlns:a16="http://schemas.microsoft.com/office/drawing/2014/main" id="{0FCB1B51-4883-AD4B-9ED0-88A8A75B1338}"/>
+              </a:ext>
+            </a:extLst>
+          </p:cNvPr>
+          <p:cNvSpPr txBox="1"/>
+          <p:nvPr/>
+        </p:nvSpPr>
+        <p:spPr>
+          <a:xfrm>
+            <a:off x="10507311" y="1053263"/>
+            <a:ext cx="1073791" cy="523220"/>
+          </a:xfrm>
+          <a:prstGeom prst="rect">
+            <a:avLst/>
+          </a:prstGeom>
+          <a:noFill/>
+        </p:spPr>
+        <p:txBody>
+          <a:bodyPr wrap="square" rtlCol="0">
+            <a:spAutoFit/>
+          </a:bodyPr>
+          <a:lstStyle/>
+          <a:p>
+            <a:r>
+              <a:rPr lang="en-US" sz="1400" dirty="0"/>
+              <a:t>Sign out </a:t>
+            </a:r>
+            <a:r>
+              <a:rPr lang="en-US" sz="1400" dirty="0">
+                <a:solidFill>
+                  <a:schemeClr val="accent5"/>
+                </a:solidFill>
+              </a:rPr>
+              <a:t>(button</a:t>
+            </a:r>
+            <a:r>
+              <a:rPr lang="en-US" sz="1400" dirty="0"/>
+              <a:t>)</a:t>
+            </a:r>
+          </a:p>
+        </p:txBody>
+      </p:sp>
+      <p:sp>
+        <p:nvSpPr>
+          <p:cNvPr id="18" name="TextBox 17">
+            <a:extLst>
+              <a:ext uri="{FF2B5EF4-FFF2-40B4-BE49-F238E27FC236}">
+                <a16:creationId xmlns:a16="http://schemas.microsoft.com/office/drawing/2014/main" id="{8FC63D9F-4ADE-254E-B387-9628DD1A8FA5}"/>
+              </a:ext>
+            </a:extLst>
+          </p:cNvPr>
+          <p:cNvSpPr txBox="1"/>
+          <p:nvPr/>
+        </p:nvSpPr>
+        <p:spPr>
+          <a:xfrm>
+            <a:off x="587228" y="834694"/>
+            <a:ext cx="1736522" cy="646331"/>
+          </a:xfrm>
+          <a:prstGeom prst="rect">
+            <a:avLst/>
+          </a:prstGeom>
+          <a:noFill/>
+        </p:spPr>
+        <p:txBody>
+          <a:bodyPr wrap="square" rtlCol="0">
+            <a:spAutoFit/>
+          </a:bodyPr>
+          <a:lstStyle/>
+          <a:p>
+            <a:r>
+              <a:rPr lang="en-US" dirty="0"/>
+              <a:t>Home </a:t>
+            </a:r>
+            <a:r>
+              <a:rPr lang="en-US" dirty="0">
+                <a:solidFill>
+                  <a:schemeClr val="accent5"/>
+                </a:solidFill>
+              </a:rPr>
+              <a:t>(</a:t>
+            </a:r>
+            <a:r>
+              <a:rPr lang="en-US" dirty="0" err="1">
+                <a:solidFill>
+                  <a:schemeClr val="accent5"/>
+                </a:solidFill>
+              </a:rPr>
+              <a:t>index.jsp</a:t>
+            </a:r>
+            <a:r>
+              <a:rPr lang="en-US" dirty="0">
+                <a:solidFill>
+                  <a:schemeClr val="accent5"/>
+                </a:solidFill>
+              </a:rPr>
+              <a:t>)</a:t>
+            </a:r>
+          </a:p>
+        </p:txBody>
+      </p:sp>
+      <p:sp>
+        <p:nvSpPr>
           <p:cNvPr id="19" name="TextBox 18">
             <a:extLst>
               <a:ext uri="{FF2B5EF4-FFF2-40B4-BE49-F238E27FC236}">
-                <a16:creationId xmlns:a16="http://schemas.microsoft.com/office/drawing/2014/main" id="{70561B6D-D157-8A49-ABED-A54D0725474B}"/>
-              </a:ext>
-            </a:extLst>
-          </p:cNvPr>
-          <p:cNvSpPr txBox="1"/>
-          <p:nvPr/>
-        </p:nvSpPr>
-        <p:spPr>
-          <a:xfrm>
-            <a:off x="9708857" y="1109391"/>
-            <a:ext cx="1266739" cy="338554"/>
-          </a:xfrm>
-          <a:prstGeom prst="rect">
-            <a:avLst/>
-          </a:prstGeom>
-          <a:noFill/>
-        </p:spPr>
-        <p:txBody>
-          <a:bodyPr wrap="square" rtlCol="0">
-            <a:spAutoFit/>
-          </a:bodyPr>
-          <a:lstStyle/>
-          <a:p>
-            <a:r>
-              <a:rPr lang="en-US" sz="1600" dirty="0"/>
-              <a:t>Messages</a:t>
-            </a:r>
-          </a:p>
-        </p:txBody>
-      </p:sp>
-      <p:sp>
-        <p:nvSpPr>
-          <p:cNvPr id="21" name="TextBox 20">
-            <a:extLst>
-              <a:ext uri="{FF2B5EF4-FFF2-40B4-BE49-F238E27FC236}">
-                <a16:creationId xmlns:a16="http://schemas.microsoft.com/office/drawing/2014/main" id="{7F2C3801-0E07-494C-9AB2-BAA99277A8A0}"/>
-              </a:ext>
-            </a:extLst>
-          </p:cNvPr>
-          <p:cNvSpPr txBox="1"/>
-          <p:nvPr/>
-        </p:nvSpPr>
-        <p:spPr>
-          <a:xfrm>
-            <a:off x="4872605" y="1901093"/>
-            <a:ext cx="2446790" cy="338554"/>
-          </a:xfrm>
-          <a:prstGeom prst="rect">
-            <a:avLst/>
-          </a:prstGeom>
-          <a:noFill/>
-        </p:spPr>
-        <p:txBody>
-          <a:bodyPr wrap="square" rtlCol="0">
-            <a:spAutoFit/>
-          </a:bodyPr>
-          <a:lstStyle/>
-          <a:p>
-            <a:r>
-              <a:rPr lang="en-US" sz="1600" dirty="0"/>
-              <a:t>Update Patient record</a:t>
+                <a16:creationId xmlns:a16="http://schemas.microsoft.com/office/drawing/2014/main" id="{6A0A51C1-9F6B-3F41-9D2B-B0303F935BEF}"/>
+              </a:ext>
+            </a:extLst>
+          </p:cNvPr>
+          <p:cNvSpPr txBox="1"/>
+          <p:nvPr/>
+        </p:nvSpPr>
+        <p:spPr>
+          <a:xfrm>
+            <a:off x="3381812" y="1053263"/>
+            <a:ext cx="2964559" cy="369332"/>
+          </a:xfrm>
+          <a:prstGeom prst="rect">
+            <a:avLst/>
+          </a:prstGeom>
+          <a:noFill/>
+        </p:spPr>
+        <p:txBody>
+          <a:bodyPr wrap="square" rtlCol="0">
+            <a:spAutoFit/>
+          </a:bodyPr>
+          <a:lstStyle/>
+          <a:p>
+            <a:r>
+              <a:rPr lang="en-US" dirty="0"/>
+              <a:t>Booking </a:t>
+            </a:r>
+            <a:r>
+              <a:rPr lang="en-US" dirty="0">
+                <a:solidFill>
+                  <a:schemeClr val="accent5"/>
+                </a:solidFill>
+              </a:rPr>
+              <a:t>(</a:t>
+            </a:r>
+            <a:r>
+              <a:rPr lang="en-US" dirty="0" err="1">
+                <a:solidFill>
+                  <a:schemeClr val="accent5"/>
+                </a:solidFill>
+              </a:rPr>
+              <a:t>bookings.jsp</a:t>
+            </a:r>
+            <a:r>
+              <a:rPr lang="en-US" dirty="0">
+                <a:solidFill>
+                  <a:schemeClr val="accent5"/>
+                </a:solidFill>
+              </a:rPr>
+              <a:t>)</a:t>
             </a:r>
           </a:p>
         </p:txBody>
@@ -5983,352 +7173,66 @@
           <p:cNvPr id="20" name="TextBox 19">
             <a:extLst>
               <a:ext uri="{FF2B5EF4-FFF2-40B4-BE49-F238E27FC236}">
-                <a16:creationId xmlns:a16="http://schemas.microsoft.com/office/drawing/2014/main" id="{226B45BB-1AC6-9E4B-97CA-3AD29143246D}"/>
-              </a:ext>
-            </a:extLst>
-          </p:cNvPr>
-          <p:cNvSpPr txBox="1"/>
-          <p:nvPr/>
-        </p:nvSpPr>
-        <p:spPr>
-          <a:xfrm>
-            <a:off x="4060271" y="2325392"/>
-            <a:ext cx="1904301" cy="338554"/>
-          </a:xfrm>
-          <a:prstGeom prst="rect">
-            <a:avLst/>
-          </a:prstGeom>
-          <a:noFill/>
-        </p:spPr>
-        <p:txBody>
-          <a:bodyPr wrap="square" rtlCol="0">
-            <a:spAutoFit/>
-          </a:bodyPr>
-          <a:lstStyle/>
-          <a:p>
-            <a:r>
-              <a:rPr lang="en-US" sz="1600" dirty="0"/>
-              <a:t>Patient Name</a:t>
-            </a:r>
-          </a:p>
-        </p:txBody>
-      </p:sp>
-      <p:sp>
-        <p:nvSpPr>
-          <p:cNvPr id="23" name="TextBox 22">
-            <a:extLst>
-              <a:ext uri="{FF2B5EF4-FFF2-40B4-BE49-F238E27FC236}">
-                <a16:creationId xmlns:a16="http://schemas.microsoft.com/office/drawing/2014/main" id="{70F88F77-659F-2542-AFBA-82EA765F0A1F}"/>
-              </a:ext>
-            </a:extLst>
-          </p:cNvPr>
-          <p:cNvSpPr txBox="1"/>
-          <p:nvPr/>
-        </p:nvSpPr>
-        <p:spPr>
-          <a:xfrm>
-            <a:off x="5796791" y="2325392"/>
-            <a:ext cx="1904301" cy="338554"/>
-          </a:xfrm>
-          <a:prstGeom prst="rect">
-            <a:avLst/>
-          </a:prstGeom>
-          <a:noFill/>
-        </p:spPr>
-        <p:txBody>
-          <a:bodyPr wrap="square" rtlCol="0">
-            <a:spAutoFit/>
-          </a:bodyPr>
-          <a:lstStyle/>
-          <a:p>
-            <a:r>
-              <a:rPr lang="en-US" sz="1600" dirty="0"/>
-              <a:t>Patient ID</a:t>
-            </a:r>
-          </a:p>
-        </p:txBody>
-      </p:sp>
-      <p:sp>
-        <p:nvSpPr>
-          <p:cNvPr id="24" name="TextBox 23">
-            <a:extLst>
-              <a:ext uri="{FF2B5EF4-FFF2-40B4-BE49-F238E27FC236}">
-                <a16:creationId xmlns:a16="http://schemas.microsoft.com/office/drawing/2014/main" id="{7052A10B-0A03-2445-9C8B-E9736C955018}"/>
-              </a:ext>
-            </a:extLst>
-          </p:cNvPr>
-          <p:cNvSpPr txBox="1"/>
-          <p:nvPr/>
-        </p:nvSpPr>
-        <p:spPr>
-          <a:xfrm>
-            <a:off x="4034403" y="2671455"/>
-            <a:ext cx="1904301" cy="338554"/>
-          </a:xfrm>
-          <a:prstGeom prst="rect">
-            <a:avLst/>
-          </a:prstGeom>
-          <a:noFill/>
-        </p:spPr>
-        <p:txBody>
-          <a:bodyPr wrap="square" rtlCol="0">
-            <a:spAutoFit/>
-          </a:bodyPr>
-          <a:lstStyle/>
-          <a:p>
-            <a:r>
-              <a:rPr lang="en-US" sz="1600" dirty="0"/>
-              <a:t>Problem</a:t>
-            </a:r>
-          </a:p>
-        </p:txBody>
-      </p:sp>
-      <p:sp>
-        <p:nvSpPr>
-          <p:cNvPr id="25" name="TextBox 24">
-            <a:extLst>
-              <a:ext uri="{FF2B5EF4-FFF2-40B4-BE49-F238E27FC236}">
-                <a16:creationId xmlns:a16="http://schemas.microsoft.com/office/drawing/2014/main" id="{0DF7BE60-DF3E-8A4F-8156-0FC32034DDCC}"/>
-              </a:ext>
-            </a:extLst>
-          </p:cNvPr>
-          <p:cNvSpPr txBox="1"/>
-          <p:nvPr/>
-        </p:nvSpPr>
-        <p:spPr>
-          <a:xfrm>
-            <a:off x="5771622" y="2671455"/>
-            <a:ext cx="1904301" cy="338554"/>
-          </a:xfrm>
-          <a:prstGeom prst="rect">
-            <a:avLst/>
-          </a:prstGeom>
-          <a:noFill/>
-        </p:spPr>
-        <p:txBody>
-          <a:bodyPr wrap="square" rtlCol="0">
-            <a:spAutoFit/>
-          </a:bodyPr>
-          <a:lstStyle/>
-          <a:p>
-            <a:r>
-              <a:rPr lang="en-US" sz="1600" dirty="0"/>
-              <a:t>Treatment</a:t>
-            </a:r>
-          </a:p>
-        </p:txBody>
-      </p:sp>
-      <p:sp>
-        <p:nvSpPr>
-          <p:cNvPr id="26" name="TextBox 25">
-            <a:extLst>
-              <a:ext uri="{FF2B5EF4-FFF2-40B4-BE49-F238E27FC236}">
-                <a16:creationId xmlns:a16="http://schemas.microsoft.com/office/drawing/2014/main" id="{F105186E-09ED-CC42-A20A-9172DD74E0E1}"/>
-              </a:ext>
-            </a:extLst>
-          </p:cNvPr>
-          <p:cNvSpPr txBox="1"/>
-          <p:nvPr/>
-        </p:nvSpPr>
-        <p:spPr>
-          <a:xfrm>
-            <a:off x="4034402" y="3049199"/>
-            <a:ext cx="1904301" cy="338554"/>
-          </a:xfrm>
-          <a:prstGeom prst="rect">
-            <a:avLst/>
-          </a:prstGeom>
-          <a:noFill/>
-        </p:spPr>
-        <p:txBody>
-          <a:bodyPr wrap="square" rtlCol="0">
-            <a:spAutoFit/>
-          </a:bodyPr>
-          <a:lstStyle/>
-          <a:p>
-            <a:r>
-              <a:rPr lang="en-US" sz="1600" dirty="0"/>
-              <a:t>Date</a:t>
-            </a:r>
-          </a:p>
-        </p:txBody>
-      </p:sp>
-      <p:sp>
-        <p:nvSpPr>
-          <p:cNvPr id="28" name="TextBox 27">
-            <a:extLst>
-              <a:ext uri="{FF2B5EF4-FFF2-40B4-BE49-F238E27FC236}">
-                <a16:creationId xmlns:a16="http://schemas.microsoft.com/office/drawing/2014/main" id="{6DE13F6C-C112-1648-96BD-101564D205FD}"/>
-              </a:ext>
-            </a:extLst>
-          </p:cNvPr>
-          <p:cNvSpPr txBox="1"/>
-          <p:nvPr/>
-        </p:nvSpPr>
-        <p:spPr>
-          <a:xfrm>
-            <a:off x="1442558" y="807958"/>
-            <a:ext cx="1979102" cy="738664"/>
-          </a:xfrm>
-          <a:prstGeom prst="rect">
-            <a:avLst/>
-          </a:prstGeom>
-          <a:noFill/>
-        </p:spPr>
-        <p:txBody>
-          <a:bodyPr wrap="square" rtlCol="0">
-            <a:spAutoFit/>
-          </a:bodyPr>
-          <a:lstStyle/>
-          <a:p>
-            <a:r>
-              <a:rPr lang="en-US" sz="1400" dirty="0"/>
-              <a:t>View appointment(historical record alongside)</a:t>
-            </a:r>
-          </a:p>
-        </p:txBody>
-      </p:sp>
-      <p:sp>
-        <p:nvSpPr>
-          <p:cNvPr id="29" name="TextBox 28">
-            <a:extLst>
-              <a:ext uri="{FF2B5EF4-FFF2-40B4-BE49-F238E27FC236}">
-                <a16:creationId xmlns:a16="http://schemas.microsoft.com/office/drawing/2014/main" id="{4D9CB54E-4015-EB41-8BED-42481BB86EB1}"/>
-              </a:ext>
-            </a:extLst>
-          </p:cNvPr>
-          <p:cNvSpPr txBox="1"/>
-          <p:nvPr/>
-        </p:nvSpPr>
-        <p:spPr>
-          <a:xfrm>
-            <a:off x="3391253" y="954576"/>
-            <a:ext cx="2009162" cy="584775"/>
-          </a:xfrm>
-          <a:prstGeom prst="rect">
-            <a:avLst/>
-          </a:prstGeom>
-          <a:noFill/>
-        </p:spPr>
-        <p:txBody>
-          <a:bodyPr wrap="square" rtlCol="0">
-            <a:spAutoFit/>
-          </a:bodyPr>
-          <a:lstStyle/>
-          <a:p>
-            <a:r>
-              <a:rPr lang="en-US" sz="1600" dirty="0"/>
-              <a:t>Update Patient records</a:t>
-            </a:r>
-          </a:p>
-        </p:txBody>
-      </p:sp>
-      <p:sp>
-        <p:nvSpPr>
-          <p:cNvPr id="30" name="TextBox 29">
-            <a:extLst>
-              <a:ext uri="{FF2B5EF4-FFF2-40B4-BE49-F238E27FC236}">
-                <a16:creationId xmlns:a16="http://schemas.microsoft.com/office/drawing/2014/main" id="{D7B2CFF4-06DC-BB45-940F-C960DD050A5B}"/>
-              </a:ext>
-            </a:extLst>
-          </p:cNvPr>
-          <p:cNvSpPr txBox="1"/>
-          <p:nvPr/>
-        </p:nvSpPr>
-        <p:spPr>
-          <a:xfrm>
-            <a:off x="4034402" y="3473498"/>
-            <a:ext cx="1904301" cy="338554"/>
-          </a:xfrm>
-          <a:prstGeom prst="rect">
-            <a:avLst/>
-          </a:prstGeom>
-          <a:noFill/>
-        </p:spPr>
-        <p:txBody>
-          <a:bodyPr wrap="square" rtlCol="0">
-            <a:spAutoFit/>
-          </a:bodyPr>
-          <a:lstStyle/>
-          <a:p>
-            <a:r>
-              <a:rPr lang="en-US" sz="1600" dirty="0"/>
-              <a:t>Update</a:t>
-            </a:r>
-          </a:p>
-        </p:txBody>
-      </p:sp>
-      <p:sp>
-        <p:nvSpPr>
-          <p:cNvPr id="31" name="TextBox 30">
-            <a:extLst>
-              <a:ext uri="{FF2B5EF4-FFF2-40B4-BE49-F238E27FC236}">
-                <a16:creationId xmlns:a16="http://schemas.microsoft.com/office/drawing/2014/main" id="{FAB1483F-1DB8-8A48-A265-EF7651560AFD}"/>
-              </a:ext>
-            </a:extLst>
-          </p:cNvPr>
-          <p:cNvSpPr txBox="1"/>
-          <p:nvPr/>
-        </p:nvSpPr>
-        <p:spPr>
-          <a:xfrm>
-            <a:off x="5863903" y="3457321"/>
-            <a:ext cx="1904301" cy="338554"/>
-          </a:xfrm>
-          <a:prstGeom prst="rect">
-            <a:avLst/>
-          </a:prstGeom>
-          <a:noFill/>
-        </p:spPr>
-        <p:txBody>
-          <a:bodyPr wrap="square" rtlCol="0">
-            <a:spAutoFit/>
-          </a:bodyPr>
-          <a:lstStyle/>
-          <a:p>
-            <a:r>
-              <a:rPr lang="en-US" sz="1600" dirty="0"/>
-              <a:t>Clear</a:t>
-            </a:r>
-          </a:p>
-        </p:txBody>
-      </p:sp>
-    </p:spTree>
-    <p:extLst>
-      <p:ext uri="{BB962C8B-B14F-4D97-AF65-F5344CB8AC3E}">
-        <p14:creationId xmlns:p14="http://schemas.microsoft.com/office/powerpoint/2010/main" val="1374416907"/>
-      </p:ext>
-    </p:extLst>
-  </p:cSld>
-  <p:clrMapOvr>
-    <a:masterClrMapping/>
-  </p:clrMapOvr>
-</p:sld>
-</file>
-
-<file path=ppt/slides/slide14.xml><?xml version="1.0" encoding="utf-8"?>
-<p:sld xmlns:a="http://schemas.openxmlformats.org/drawingml/2006/main" xmlns:r="http://schemas.openxmlformats.org/officeDocument/2006/relationships" xmlns:p="http://schemas.openxmlformats.org/presentationml/2006/main">
-  <p:cSld>
-    <p:spTree>
-      <p:nvGrpSpPr>
-        <p:cNvPr id="1" name=""/>
-        <p:cNvGrpSpPr/>
-        <p:nvPr/>
-      </p:nvGrpSpPr>
-      <p:grpSpPr>
-        <a:xfrm>
-          <a:off x="0" y="0"/>
-          <a:ext cx="0" cy="0"/>
-          <a:chOff x="0" y="0"/>
-          <a:chExt cx="0" cy="0"/>
-        </a:xfrm>
-      </p:grpSpPr>
-      <p:sp>
-        <p:nvSpPr>
-          <p:cNvPr id="11" name="Rectangle 10">
-            <a:extLst>
-              <a:ext uri="{FF2B5EF4-FFF2-40B4-BE49-F238E27FC236}">
-                <a16:creationId xmlns:a16="http://schemas.microsoft.com/office/drawing/2014/main" id="{7834B01E-90EF-8942-9E82-155BF03FC169}"/>
+                <a16:creationId xmlns:a16="http://schemas.microsoft.com/office/drawing/2014/main" id="{0CEA809B-7174-2C4A-A2EB-C0B50945D8C9}"/>
+              </a:ext>
+            </a:extLst>
+          </p:cNvPr>
+          <p:cNvSpPr txBox="1"/>
+          <p:nvPr/>
+        </p:nvSpPr>
+        <p:spPr>
+          <a:xfrm>
+            <a:off x="7108121" y="845256"/>
+            <a:ext cx="2860646" cy="646331"/>
+          </a:xfrm>
+          <a:prstGeom prst="rect">
+            <a:avLst/>
+          </a:prstGeom>
+          <a:noFill/>
+        </p:spPr>
+        <p:txBody>
+          <a:bodyPr wrap="square" rtlCol="0">
+            <a:spAutoFit/>
+          </a:bodyPr>
+          <a:lstStyle/>
+          <a:p>
+            <a:r>
+              <a:rPr lang="en-US" dirty="0"/>
+              <a:t>Treatment </a:t>
+            </a:r>
+            <a:r>
+              <a:rPr lang="en-US" dirty="0">
+                <a:solidFill>
+                  <a:schemeClr val="accent5"/>
+                </a:solidFill>
+              </a:rPr>
+              <a:t>(</a:t>
+            </a:r>
+            <a:r>
+              <a:rPr lang="en-US" dirty="0" err="1">
+                <a:solidFill>
+                  <a:schemeClr val="accent5"/>
+                </a:solidFill>
+              </a:rPr>
+              <a:t>displayRecord.jsp</a:t>
+            </a:r>
+            <a:r>
+              <a:rPr lang="en-US" dirty="0">
+                <a:solidFill>
+                  <a:schemeClr val="accent5"/>
+                </a:solidFill>
+              </a:rPr>
+              <a:t>)</a:t>
+            </a:r>
+          </a:p>
+        </p:txBody>
+      </p:sp>
+      <p:sp>
+        <p:nvSpPr>
+          <p:cNvPr id="21" name="Rounded Rectangle 20">
+            <a:extLst>
+              <a:ext uri="{FF2B5EF4-FFF2-40B4-BE49-F238E27FC236}">
+                <a16:creationId xmlns:a16="http://schemas.microsoft.com/office/drawing/2014/main" id="{07686512-B7B0-D74C-A69A-155006B57B37}"/>
               </a:ext>
             </a:extLst>
           </p:cNvPr>
@@ -6337,26 +7241,27 @@
         </p:nvSpPr>
         <p:spPr>
           <a:xfrm>
-            <a:off x="2634144" y="1754144"/>
-            <a:ext cx="7122252" cy="3329584"/>
-          </a:xfrm>
-          <a:prstGeom prst="rect">
-            <a:avLst/>
-          </a:prstGeom>
-          <a:noFill/>
-          <a:ln w="19050"/>
+            <a:off x="500743" y="2260744"/>
+            <a:ext cx="1624268" cy="1777856"/>
+          </a:xfrm>
+          <a:prstGeom prst="roundRect">
+            <a:avLst/>
+          </a:prstGeom>
+          <a:solidFill>
+            <a:schemeClr val="accent4"/>
+          </a:solidFill>
         </p:spPr>
         <p:style>
           <a:lnRef idx="2">
-            <a:schemeClr val="accent1">
+            <a:schemeClr val="accent2">
               <a:shade val="50000"/>
             </a:schemeClr>
           </a:lnRef>
           <a:fillRef idx="1">
-            <a:schemeClr val="accent1"/>
+            <a:schemeClr val="accent2"/>
           </a:fillRef>
           <a:effectRef idx="0">
-            <a:schemeClr val="accent1"/>
+            <a:schemeClr val="accent2"/>
           </a:effectRef>
           <a:fontRef idx="minor">
             <a:schemeClr val="lt1"/>
@@ -6367,304 +7272,22 @@
           <a:lstStyle/>
           <a:p>
             <a:pPr algn="ctr"/>
-            <a:endParaRPr lang="en-US"/>
-          </a:p>
-        </p:txBody>
-      </p:sp>
-      <p:sp>
-        <p:nvSpPr>
-          <p:cNvPr id="4" name="TextBox 3">
-            <a:extLst>
-              <a:ext uri="{FF2B5EF4-FFF2-40B4-BE49-F238E27FC236}">
-                <a16:creationId xmlns:a16="http://schemas.microsoft.com/office/drawing/2014/main" id="{9210F2CD-7CF4-5743-A46C-D4B07EDCEBC8}"/>
-              </a:ext>
-            </a:extLst>
-          </p:cNvPr>
-          <p:cNvSpPr txBox="1"/>
-          <p:nvPr/>
-        </p:nvSpPr>
-        <p:spPr>
-          <a:xfrm>
-            <a:off x="303402" y="207218"/>
-            <a:ext cx="11585196" cy="1291904"/>
-          </a:xfrm>
-          <a:prstGeom prst="rect">
-            <a:avLst/>
-          </a:prstGeom>
-          <a:noFill/>
-          <a:ln>
-            <a:solidFill>
-              <a:schemeClr val="accent1"/>
-            </a:solidFill>
-          </a:ln>
-        </p:spPr>
-        <p:txBody>
-          <a:bodyPr wrap="square" rtlCol="0">
-            <a:spAutoFit/>
-          </a:bodyPr>
-          <a:lstStyle/>
-          <a:p>
+            <a:r>
+              <a:rPr lang="en-US" dirty="0"/>
+              <a:t>Return Sys out msg as on </a:t>
+            </a:r>
+            <a:r>
+              <a:rPr lang="en-US" dirty="0" err="1"/>
+              <a:t>index.jsp</a:t>
+            </a:r>
             <a:endParaRPr lang="en-US" dirty="0"/>
-          </a:p>
-        </p:txBody>
-      </p:sp>
-      <p:sp>
-        <p:nvSpPr>
-          <p:cNvPr id="5" name="TextBox 4">
-            <a:extLst>
-              <a:ext uri="{FF2B5EF4-FFF2-40B4-BE49-F238E27FC236}">
-                <a16:creationId xmlns:a16="http://schemas.microsoft.com/office/drawing/2014/main" id="{D31B94CC-5680-654F-9BA4-E0A04DF451FB}"/>
-              </a:ext>
-            </a:extLst>
-          </p:cNvPr>
-          <p:cNvSpPr txBox="1"/>
-          <p:nvPr/>
-        </p:nvSpPr>
-        <p:spPr>
-          <a:xfrm>
-            <a:off x="479571" y="5389927"/>
-            <a:ext cx="11585196" cy="1291904"/>
-          </a:xfrm>
-          <a:prstGeom prst="rect">
-            <a:avLst/>
-          </a:prstGeom>
-          <a:noFill/>
-          <a:ln>
-            <a:solidFill>
-              <a:schemeClr val="accent1"/>
-            </a:solidFill>
-          </a:ln>
-        </p:spPr>
-        <p:txBody>
-          <a:bodyPr wrap="square" rtlCol="0">
-            <a:spAutoFit/>
-          </a:bodyPr>
-          <a:lstStyle/>
-          <a:p>
-            <a:endParaRPr lang="en-US" dirty="0"/>
-          </a:p>
-        </p:txBody>
-      </p:sp>
-      <p:sp>
-        <p:nvSpPr>
-          <p:cNvPr id="7" name="TextBox 6">
-            <a:extLst>
-              <a:ext uri="{FF2B5EF4-FFF2-40B4-BE49-F238E27FC236}">
-                <a16:creationId xmlns:a16="http://schemas.microsoft.com/office/drawing/2014/main" id="{E7D745A2-1954-874D-B978-521F0D0FBC58}"/>
-              </a:ext>
-            </a:extLst>
-          </p:cNvPr>
-          <p:cNvSpPr txBox="1"/>
-          <p:nvPr/>
-        </p:nvSpPr>
-        <p:spPr>
-          <a:xfrm>
-            <a:off x="604007" y="360728"/>
-            <a:ext cx="1702965" cy="369332"/>
-          </a:xfrm>
-          <a:prstGeom prst="rect">
-            <a:avLst/>
-          </a:prstGeom>
-          <a:noFill/>
-        </p:spPr>
-        <p:txBody>
-          <a:bodyPr wrap="square" rtlCol="0">
-            <a:spAutoFit/>
-          </a:bodyPr>
-          <a:lstStyle/>
-          <a:p>
-            <a:r>
-              <a:rPr lang="en-US" dirty="0"/>
-              <a:t>LOGO</a:t>
-            </a:r>
-          </a:p>
-        </p:txBody>
-      </p:sp>
-      <p:sp>
-        <p:nvSpPr>
-          <p:cNvPr id="8" name="TextBox 7">
-            <a:extLst>
-              <a:ext uri="{FF2B5EF4-FFF2-40B4-BE49-F238E27FC236}">
-                <a16:creationId xmlns:a16="http://schemas.microsoft.com/office/drawing/2014/main" id="{955242FB-1453-5E4A-B9AC-9E4ACD40FBE2}"/>
-              </a:ext>
-            </a:extLst>
-          </p:cNvPr>
-          <p:cNvSpPr txBox="1"/>
-          <p:nvPr/>
-        </p:nvSpPr>
-        <p:spPr>
-          <a:xfrm>
-            <a:off x="4769140" y="2821768"/>
-            <a:ext cx="2292991" cy="307777"/>
-          </a:xfrm>
-          <a:prstGeom prst="rect">
-            <a:avLst/>
-          </a:prstGeom>
-          <a:noFill/>
-        </p:spPr>
-        <p:txBody>
-          <a:bodyPr wrap="square" rtlCol="0">
-            <a:spAutoFit/>
-          </a:bodyPr>
-          <a:lstStyle/>
-          <a:p>
-            <a:r>
-              <a:rPr lang="en-US" sz="1400" dirty="0"/>
-              <a:t>You have now signed out</a:t>
-            </a:r>
-          </a:p>
-        </p:txBody>
-      </p:sp>
-      <p:sp>
-        <p:nvSpPr>
-          <p:cNvPr id="13" name="TextBox 12">
-            <a:extLst>
-              <a:ext uri="{FF2B5EF4-FFF2-40B4-BE49-F238E27FC236}">
-                <a16:creationId xmlns:a16="http://schemas.microsoft.com/office/drawing/2014/main" id="{6D3B998B-4F2D-1944-A306-E02E48B4D9C8}"/>
-              </a:ext>
-            </a:extLst>
-          </p:cNvPr>
-          <p:cNvSpPr txBox="1"/>
-          <p:nvPr/>
-        </p:nvSpPr>
-        <p:spPr>
-          <a:xfrm>
-            <a:off x="679508" y="1007059"/>
-            <a:ext cx="1266738" cy="369332"/>
-          </a:xfrm>
-          <a:prstGeom prst="rect">
-            <a:avLst/>
-          </a:prstGeom>
-          <a:noFill/>
-        </p:spPr>
-        <p:txBody>
-          <a:bodyPr wrap="square" rtlCol="0">
-            <a:spAutoFit/>
-          </a:bodyPr>
-          <a:lstStyle/>
-          <a:p>
-            <a:r>
-              <a:rPr lang="en-US" dirty="0"/>
-              <a:t>Home</a:t>
-            </a:r>
-          </a:p>
-        </p:txBody>
-      </p:sp>
-      <p:sp>
-        <p:nvSpPr>
-          <p:cNvPr id="14" name="TextBox 13">
-            <a:extLst>
-              <a:ext uri="{FF2B5EF4-FFF2-40B4-BE49-F238E27FC236}">
-                <a16:creationId xmlns:a16="http://schemas.microsoft.com/office/drawing/2014/main" id="{7234AEA2-AEC3-0844-BDC9-78282380EB27}"/>
-              </a:ext>
-            </a:extLst>
-          </p:cNvPr>
-          <p:cNvSpPr txBox="1"/>
-          <p:nvPr/>
-        </p:nvSpPr>
-        <p:spPr>
-          <a:xfrm>
-            <a:off x="1149292" y="5403711"/>
-            <a:ext cx="1266738" cy="646331"/>
-          </a:xfrm>
-          <a:prstGeom prst="rect">
-            <a:avLst/>
-          </a:prstGeom>
-          <a:noFill/>
-        </p:spPr>
-        <p:txBody>
-          <a:bodyPr wrap="square" rtlCol="0">
-            <a:spAutoFit/>
-          </a:bodyPr>
-          <a:lstStyle/>
-          <a:p>
-            <a:r>
-              <a:rPr lang="en-US" dirty="0"/>
-              <a:t>Contact Details</a:t>
-            </a:r>
-          </a:p>
-        </p:txBody>
-      </p:sp>
-      <p:sp>
-        <p:nvSpPr>
-          <p:cNvPr id="15" name="TextBox 14">
-            <a:extLst>
-              <a:ext uri="{FF2B5EF4-FFF2-40B4-BE49-F238E27FC236}">
-                <a16:creationId xmlns:a16="http://schemas.microsoft.com/office/drawing/2014/main" id="{BBB57AFB-704D-B24F-8BE1-DE3DB4972EF5}"/>
-              </a:ext>
-            </a:extLst>
-          </p:cNvPr>
-          <p:cNvSpPr txBox="1"/>
-          <p:nvPr/>
-        </p:nvSpPr>
-        <p:spPr>
-          <a:xfrm>
-            <a:off x="4769140" y="356344"/>
-            <a:ext cx="2292991" cy="646331"/>
-          </a:xfrm>
-          <a:prstGeom prst="rect">
-            <a:avLst/>
-          </a:prstGeom>
-          <a:noFill/>
-        </p:spPr>
-        <p:txBody>
-          <a:bodyPr wrap="square" rtlCol="0">
-            <a:spAutoFit/>
-          </a:bodyPr>
-          <a:lstStyle/>
-          <a:p>
-            <a:r>
-              <a:rPr lang="en-US" dirty="0"/>
-              <a:t>Doctor/Patient Access</a:t>
-            </a:r>
-          </a:p>
-          <a:p>
-            <a:r>
-              <a:rPr lang="en-US" dirty="0"/>
-              <a:t>(Hospital Name)</a:t>
-            </a:r>
-          </a:p>
-        </p:txBody>
-      </p:sp>
-      <p:sp>
-        <p:nvSpPr>
-          <p:cNvPr id="17" name="TextBox 16">
-            <a:extLst>
-              <a:ext uri="{FF2B5EF4-FFF2-40B4-BE49-F238E27FC236}">
-                <a16:creationId xmlns:a16="http://schemas.microsoft.com/office/drawing/2014/main" id="{050A665A-C98A-B44A-8A44-D61414C70B12}"/>
-              </a:ext>
-            </a:extLst>
-          </p:cNvPr>
-          <p:cNvSpPr txBox="1"/>
-          <p:nvPr/>
-        </p:nvSpPr>
-        <p:spPr>
-          <a:xfrm>
-            <a:off x="10389765" y="5462434"/>
-            <a:ext cx="1266738" cy="369332"/>
-          </a:xfrm>
-          <a:prstGeom prst="rect">
-            <a:avLst/>
-          </a:prstGeom>
-          <a:noFill/>
-        </p:spPr>
-        <p:txBody>
-          <a:bodyPr wrap="square" rtlCol="0">
-            <a:spAutoFit/>
-          </a:bodyPr>
-          <a:lstStyle/>
-          <a:p>
-            <a:r>
-              <a:rPr lang="en-US" dirty="0"/>
-              <a:t>Copyright</a:t>
-            </a:r>
           </a:p>
         </p:txBody>
       </p:sp>
     </p:spTree>
     <p:extLst>
       <p:ext uri="{BB962C8B-B14F-4D97-AF65-F5344CB8AC3E}">
-        <p14:creationId xmlns:p14="http://schemas.microsoft.com/office/powerpoint/2010/main" val="2821977786"/>
+        <p14:creationId xmlns:p14="http://schemas.microsoft.com/office/powerpoint/2010/main" val="1085709847"/>
       </p:ext>
     </p:extLst>
   </p:cSld>
@@ -6693,19 +7316,19 @@
       </p:grpSpPr>
       <p:sp>
         <p:nvSpPr>
-          <p:cNvPr id="4" name="TextBox 3">
-            <a:extLst>
-              <a:ext uri="{FF2B5EF4-FFF2-40B4-BE49-F238E27FC236}">
-                <a16:creationId xmlns:a16="http://schemas.microsoft.com/office/drawing/2014/main" id="{9210F2CD-7CF4-5743-A46C-D4B07EDCEBC8}"/>
-              </a:ext>
-            </a:extLst>
-          </p:cNvPr>
-          <p:cNvSpPr txBox="1"/>
-          <p:nvPr/>
-        </p:nvSpPr>
-        <p:spPr>
-          <a:xfrm>
-            <a:off x="303402" y="176169"/>
+          <p:cNvPr id="5" name="TextBox 4">
+            <a:extLst>
+              <a:ext uri="{FF2B5EF4-FFF2-40B4-BE49-F238E27FC236}">
+                <a16:creationId xmlns:a16="http://schemas.microsoft.com/office/drawing/2014/main" id="{D31B94CC-5680-654F-9BA4-E0A04DF451FB}"/>
+              </a:ext>
+            </a:extLst>
+          </p:cNvPr>
+          <p:cNvSpPr txBox="1"/>
+          <p:nvPr/>
+        </p:nvSpPr>
+        <p:spPr>
+          <a:xfrm>
+            <a:off x="479571" y="5389927"/>
             <a:ext cx="11585196" cy="1291904"/>
           </a:xfrm>
           <a:prstGeom prst="rect">
@@ -6730,43 +7353,6 @@
       </p:sp>
       <p:sp>
         <p:nvSpPr>
-          <p:cNvPr id="5" name="TextBox 4">
-            <a:extLst>
-              <a:ext uri="{FF2B5EF4-FFF2-40B4-BE49-F238E27FC236}">
-                <a16:creationId xmlns:a16="http://schemas.microsoft.com/office/drawing/2014/main" id="{D31B94CC-5680-654F-9BA4-E0A04DF451FB}"/>
-              </a:ext>
-            </a:extLst>
-          </p:cNvPr>
-          <p:cNvSpPr txBox="1"/>
-          <p:nvPr/>
-        </p:nvSpPr>
-        <p:spPr>
-          <a:xfrm>
-            <a:off x="479571" y="5389927"/>
-            <a:ext cx="11585196" cy="1291904"/>
-          </a:xfrm>
-          <a:prstGeom prst="rect">
-            <a:avLst/>
-          </a:prstGeom>
-          <a:noFill/>
-          <a:ln>
-            <a:solidFill>
-              <a:schemeClr val="accent1"/>
-            </a:solidFill>
-          </a:ln>
-        </p:spPr>
-        <p:txBody>
-          <a:bodyPr wrap="square" rtlCol="0">
-            <a:spAutoFit/>
-          </a:bodyPr>
-          <a:lstStyle/>
-          <a:p>
-            <a:endParaRPr lang="en-US" dirty="0"/>
-          </a:p>
-        </p:txBody>
-      </p:sp>
-      <p:sp>
-        <p:nvSpPr>
           <p:cNvPr id="7" name="TextBox 6">
             <a:extLst>
               <a:ext uri="{FF2B5EF4-FFF2-40B4-BE49-F238E27FC236}">
@@ -6814,7 +7400,7 @@
         </p:nvSpPr>
         <p:spPr>
           <a:xfrm>
-            <a:off x="4235041" y="2521600"/>
+            <a:off x="4138567" y="1803634"/>
             <a:ext cx="1395369" cy="369332"/>
           </a:xfrm>
           <a:prstGeom prst="rect">
@@ -6967,29 +7553,49 @@
         </p:nvSpPr>
         <p:spPr>
           <a:xfrm>
-            <a:off x="4836252" y="223618"/>
-            <a:ext cx="2403447" cy="646331"/>
-          </a:xfrm>
-          <a:prstGeom prst="rect">
-            <a:avLst/>
-          </a:prstGeom>
-          <a:noFill/>
-        </p:spPr>
-        <p:txBody>
-          <a:bodyPr wrap="square" rtlCol="0">
-            <a:spAutoFit/>
-          </a:bodyPr>
-          <a:lstStyle/>
-          <a:p>
-            <a:r>
-              <a:rPr lang="en-US" dirty="0"/>
-              <a:t>Login Patient Access</a:t>
-            </a:r>
-          </a:p>
-          <a:p>
-            <a:r>
-              <a:rPr lang="en-US" dirty="0"/>
-              <a:t>(Hospital Name)</a:t>
+            <a:off x="4624530" y="552625"/>
+            <a:ext cx="3105025" cy="646331"/>
+          </a:xfrm>
+          <a:prstGeom prst="rect">
+            <a:avLst/>
+          </a:prstGeom>
+          <a:noFill/>
+        </p:spPr>
+        <p:txBody>
+          <a:bodyPr wrap="square" rtlCol="0">
+            <a:spAutoFit/>
+          </a:bodyPr>
+          <a:lstStyle/>
+          <a:p>
+            <a:r>
+              <a:rPr lang="en-US" dirty="0"/>
+              <a:t>Patient Registration Form </a:t>
+            </a:r>
+          </a:p>
+          <a:p>
+            <a:r>
+              <a:rPr lang="en-US" dirty="0">
+                <a:solidFill>
+                  <a:schemeClr val="accent5"/>
+                </a:solidFill>
+              </a:rPr>
+              <a:t>(</a:t>
+            </a:r>
+            <a:r>
+              <a:rPr lang="en-US" dirty="0" err="1">
+                <a:solidFill>
+                  <a:schemeClr val="accent5"/>
+                </a:solidFill>
+              </a:rPr>
+              <a:t>preg</a:t>
+            </a:r>
+            <a:r>
+              <a:rPr lang="en-US" dirty="0">
+                <a:solidFill>
+                  <a:schemeClr val="accent5"/>
+                </a:solidFill>
+              </a:rPr>
+              <a:t>)</a:t>
             </a:r>
           </a:p>
         </p:txBody>
@@ -7031,6 +7637,146 @@
       </p:sp>
       <p:sp>
         <p:nvSpPr>
+          <p:cNvPr id="18" name="TextBox 17">
+            <a:extLst>
+              <a:ext uri="{FF2B5EF4-FFF2-40B4-BE49-F238E27FC236}">
+                <a16:creationId xmlns:a16="http://schemas.microsoft.com/office/drawing/2014/main" id="{C4F66FF6-9688-F14C-A3A0-A2E5F5319C55}"/>
+              </a:ext>
+            </a:extLst>
+          </p:cNvPr>
+          <p:cNvSpPr txBox="1"/>
+          <p:nvPr/>
+        </p:nvSpPr>
+        <p:spPr>
+          <a:xfrm>
+            <a:off x="5630410" y="2114353"/>
+            <a:ext cx="1395369" cy="369332"/>
+          </a:xfrm>
+          <a:prstGeom prst="rect">
+            <a:avLst/>
+          </a:prstGeom>
+          <a:noFill/>
+        </p:spPr>
+        <p:txBody>
+          <a:bodyPr wrap="square" rtlCol="0">
+            <a:spAutoFit/>
+          </a:bodyPr>
+          <a:lstStyle/>
+          <a:p>
+            <a:r>
+              <a:rPr lang="en-US" dirty="0"/>
+              <a:t>Postcode</a:t>
+            </a:r>
+          </a:p>
+        </p:txBody>
+      </p:sp>
+      <p:sp>
+        <p:nvSpPr>
+          <p:cNvPr id="19" name="TextBox 18">
+            <a:extLst>
+              <a:ext uri="{FF2B5EF4-FFF2-40B4-BE49-F238E27FC236}">
+                <a16:creationId xmlns:a16="http://schemas.microsoft.com/office/drawing/2014/main" id="{407C1F0F-6AA2-E744-B308-37DC8D85EFF6}"/>
+              </a:ext>
+            </a:extLst>
+          </p:cNvPr>
+          <p:cNvSpPr txBox="1"/>
+          <p:nvPr/>
+        </p:nvSpPr>
+        <p:spPr>
+          <a:xfrm>
+            <a:off x="5533936" y="1803634"/>
+            <a:ext cx="1395369" cy="369332"/>
+          </a:xfrm>
+          <a:prstGeom prst="rect">
+            <a:avLst/>
+          </a:prstGeom>
+          <a:noFill/>
+        </p:spPr>
+        <p:txBody>
+          <a:bodyPr wrap="square" rtlCol="0">
+            <a:spAutoFit/>
+          </a:bodyPr>
+          <a:lstStyle/>
+          <a:p>
+            <a:r>
+              <a:rPr lang="en-US" dirty="0"/>
+              <a:t>Date of Birth</a:t>
+            </a:r>
+          </a:p>
+        </p:txBody>
+      </p:sp>
+      <p:sp>
+        <p:nvSpPr>
+          <p:cNvPr id="20" name="TextBox 19">
+            <a:extLst>
+              <a:ext uri="{FF2B5EF4-FFF2-40B4-BE49-F238E27FC236}">
+                <a16:creationId xmlns:a16="http://schemas.microsoft.com/office/drawing/2014/main" id="{2DD7B125-2B81-CB49-83E6-E47220CB05E7}"/>
+              </a:ext>
+            </a:extLst>
+          </p:cNvPr>
+          <p:cNvSpPr txBox="1"/>
+          <p:nvPr/>
+        </p:nvSpPr>
+        <p:spPr>
+          <a:xfrm>
+            <a:off x="4138566" y="2123286"/>
+            <a:ext cx="1395369" cy="369332"/>
+          </a:xfrm>
+          <a:prstGeom prst="rect">
+            <a:avLst/>
+          </a:prstGeom>
+          <a:noFill/>
+        </p:spPr>
+        <p:txBody>
+          <a:bodyPr wrap="square" rtlCol="0">
+            <a:spAutoFit/>
+          </a:bodyPr>
+          <a:lstStyle/>
+          <a:p>
+            <a:r>
+              <a:rPr lang="en-US" dirty="0"/>
+              <a:t>Address</a:t>
+            </a:r>
+          </a:p>
+        </p:txBody>
+      </p:sp>
+      <p:sp>
+        <p:nvSpPr>
+          <p:cNvPr id="21" name="TextBox 20">
+            <a:extLst>
+              <a:ext uri="{FF2B5EF4-FFF2-40B4-BE49-F238E27FC236}">
+                <a16:creationId xmlns:a16="http://schemas.microsoft.com/office/drawing/2014/main" id="{265EFAF5-9A8D-FB4F-BDB8-84E019352950}"/>
+              </a:ext>
+            </a:extLst>
+          </p:cNvPr>
+          <p:cNvSpPr txBox="1"/>
+          <p:nvPr/>
+        </p:nvSpPr>
+        <p:spPr>
+          <a:xfrm>
+            <a:off x="4138565" y="2510488"/>
+            <a:ext cx="1491845" cy="646331"/>
+          </a:xfrm>
+          <a:prstGeom prst="rect">
+            <a:avLst/>
+          </a:prstGeom>
+          <a:noFill/>
+        </p:spPr>
+        <p:txBody>
+          <a:bodyPr wrap="square" rtlCol="0">
+            <a:spAutoFit/>
+          </a:bodyPr>
+          <a:lstStyle/>
+          <a:p>
+            <a:r>
+              <a:rPr lang="en-US" dirty="0"/>
+              <a:t>Phone number</a:t>
+            </a:r>
+          </a:p>
+        </p:txBody>
+      </p:sp>
+      <p:sp>
+        <p:nvSpPr>
           <p:cNvPr id="22" name="TextBox 21">
             <a:extLst>
               <a:ext uri="{FF2B5EF4-FFF2-40B4-BE49-F238E27FC236}">
@@ -7066,19 +7812,54 @@
       </p:sp>
       <p:sp>
         <p:nvSpPr>
-          <p:cNvPr id="26" name="TextBox 25">
-            <a:extLst>
-              <a:ext uri="{FF2B5EF4-FFF2-40B4-BE49-F238E27FC236}">
-                <a16:creationId xmlns:a16="http://schemas.microsoft.com/office/drawing/2014/main" id="{D1FDE0C1-BE1C-694A-9960-25E962EC4680}"/>
-              </a:ext>
-            </a:extLst>
-          </p:cNvPr>
-          <p:cNvSpPr txBox="1"/>
-          <p:nvPr/>
-        </p:nvSpPr>
-        <p:spPr>
-          <a:xfrm>
-            <a:off x="7122255" y="2521600"/>
+          <p:cNvPr id="23" name="TextBox 22">
+            <a:extLst>
+              <a:ext uri="{FF2B5EF4-FFF2-40B4-BE49-F238E27FC236}">
+                <a16:creationId xmlns:a16="http://schemas.microsoft.com/office/drawing/2014/main" id="{2D2D112B-2E54-6446-8979-DE283D516A84}"/>
+              </a:ext>
+            </a:extLst>
+          </p:cNvPr>
+          <p:cNvSpPr txBox="1"/>
+          <p:nvPr/>
+        </p:nvSpPr>
+        <p:spPr>
+          <a:xfrm>
+            <a:off x="5630409" y="2868430"/>
+            <a:ext cx="1491845" cy="646331"/>
+          </a:xfrm>
+          <a:prstGeom prst="rect">
+            <a:avLst/>
+          </a:prstGeom>
+          <a:noFill/>
+        </p:spPr>
+        <p:txBody>
+          <a:bodyPr wrap="square" rtlCol="0">
+            <a:spAutoFit/>
+          </a:bodyPr>
+          <a:lstStyle/>
+          <a:p>
+            <a:r>
+              <a:rPr lang="en-US" dirty="0"/>
+              <a:t>Confirm Password</a:t>
+            </a:r>
+          </a:p>
+        </p:txBody>
+      </p:sp>
+      <p:sp>
+        <p:nvSpPr>
+          <p:cNvPr id="24" name="TextBox 23">
+            <a:extLst>
+              <a:ext uri="{FF2B5EF4-FFF2-40B4-BE49-F238E27FC236}">
+                <a16:creationId xmlns:a16="http://schemas.microsoft.com/office/drawing/2014/main" id="{A70E859A-28A0-1F4A-A457-42E172A49F05}"/>
+              </a:ext>
+            </a:extLst>
+          </p:cNvPr>
+          <p:cNvSpPr txBox="1"/>
+          <p:nvPr/>
+        </p:nvSpPr>
+        <p:spPr>
+          <a:xfrm>
+            <a:off x="4138565" y="3961917"/>
             <a:ext cx="1395369" cy="369332"/>
           </a:xfrm>
           <a:prstGeom prst="rect">
@@ -7094,61 +7875,26 @@
           <a:p>
             <a:r>
               <a:rPr lang="en-US" dirty="0"/>
-              <a:t>Login</a:t>
-            </a:r>
-          </a:p>
-        </p:txBody>
-      </p:sp>
-      <p:sp>
-        <p:nvSpPr>
-          <p:cNvPr id="27" name="TextBox 26">
-            <a:extLst>
-              <a:ext uri="{FF2B5EF4-FFF2-40B4-BE49-F238E27FC236}">
-                <a16:creationId xmlns:a16="http://schemas.microsoft.com/office/drawing/2014/main" id="{606EDEAE-94C2-A744-A35A-F177077B31BF}"/>
-              </a:ext>
-            </a:extLst>
-          </p:cNvPr>
-          <p:cNvSpPr txBox="1"/>
-          <p:nvPr/>
-        </p:nvSpPr>
-        <p:spPr>
-          <a:xfrm>
-            <a:off x="5574484" y="3013611"/>
-            <a:ext cx="1395369" cy="646331"/>
-          </a:xfrm>
-          <a:prstGeom prst="rect">
-            <a:avLst/>
-          </a:prstGeom>
-          <a:noFill/>
-        </p:spPr>
-        <p:txBody>
-          <a:bodyPr wrap="square" rtlCol="0">
-            <a:spAutoFit/>
-          </a:bodyPr>
-          <a:lstStyle/>
-          <a:p>
-            <a:r>
-              <a:rPr lang="en-US" dirty="0"/>
-              <a:t>Forgotten password?</a:t>
-            </a:r>
-          </a:p>
-        </p:txBody>
-      </p:sp>
-      <p:sp>
-        <p:nvSpPr>
-          <p:cNvPr id="28" name="TextBox 27">
-            <a:extLst>
-              <a:ext uri="{FF2B5EF4-FFF2-40B4-BE49-F238E27FC236}">
-                <a16:creationId xmlns:a16="http://schemas.microsoft.com/office/drawing/2014/main" id="{C5DF0217-3FA4-2F48-BE45-7CE4C58BD835}"/>
-              </a:ext>
-            </a:extLst>
-          </p:cNvPr>
-          <p:cNvSpPr txBox="1"/>
-          <p:nvPr/>
-        </p:nvSpPr>
-        <p:spPr>
-          <a:xfrm>
-            <a:off x="6859398" y="3008325"/>
+              <a:t>Submit</a:t>
+            </a:r>
+          </a:p>
+        </p:txBody>
+      </p:sp>
+      <p:sp>
+        <p:nvSpPr>
+          <p:cNvPr id="25" name="TextBox 24">
+            <a:extLst>
+              <a:ext uri="{FF2B5EF4-FFF2-40B4-BE49-F238E27FC236}">
+                <a16:creationId xmlns:a16="http://schemas.microsoft.com/office/drawing/2014/main" id="{671717F7-45A9-AC40-B063-715261DA0080}"/>
+              </a:ext>
+            </a:extLst>
+          </p:cNvPr>
+          <p:cNvSpPr txBox="1"/>
+          <p:nvPr/>
+        </p:nvSpPr>
+        <p:spPr>
+          <a:xfrm>
+            <a:off x="5574484" y="3961917"/>
             <a:ext cx="1395369" cy="369332"/>
           </a:xfrm>
           <a:prstGeom prst="rect">
@@ -7164,7 +7910,54 @@
           <a:p>
             <a:r>
               <a:rPr lang="en-US" dirty="0"/>
-              <a:t>Sign up</a:t>
+              <a:t>Clear Form</a:t>
+            </a:r>
+          </a:p>
+        </p:txBody>
+      </p:sp>
+      <p:sp>
+        <p:nvSpPr>
+          <p:cNvPr id="2" name="Rounded Rectangle 1">
+            <a:extLst>
+              <a:ext uri="{FF2B5EF4-FFF2-40B4-BE49-F238E27FC236}">
+                <a16:creationId xmlns:a16="http://schemas.microsoft.com/office/drawing/2014/main" id="{D9B70A1D-026B-414E-BD8B-271D0857CF97}"/>
+              </a:ext>
+            </a:extLst>
+          </p:cNvPr>
+          <p:cNvSpPr/>
+          <p:nvPr/>
+        </p:nvSpPr>
+        <p:spPr>
+          <a:xfrm>
+            <a:off x="1946246" y="360728"/>
+            <a:ext cx="1624268" cy="564558"/>
+          </a:xfrm>
+          <a:prstGeom prst="roundRect">
+            <a:avLst/>
+          </a:prstGeom>
+        </p:spPr>
+        <p:style>
+          <a:lnRef idx="1">
+            <a:schemeClr val="accent6"/>
+          </a:lnRef>
+          <a:fillRef idx="3">
+            <a:schemeClr val="accent6"/>
+          </a:fillRef>
+          <a:effectRef idx="2">
+            <a:schemeClr val="accent6"/>
+          </a:effectRef>
+          <a:fontRef idx="minor">
+            <a:schemeClr val="lt1"/>
+          </a:fontRef>
+        </p:style>
+        <p:txBody>
+          <a:bodyPr rtlCol="0" anchor="ctr"/>
+          <a:lstStyle/>
+          <a:p>
+            <a:pPr algn="ctr"/>
+            <a:r>
+              <a:rPr lang="en-US" dirty="0"/>
+              <a:t>Page completed</a:t>
             </a:r>
           </a:p>
         </p:txBody>
@@ -7172,7 +7965,7 @@
     </p:spTree>
     <p:extLst>
       <p:ext uri="{BB962C8B-B14F-4D97-AF65-F5344CB8AC3E}">
-        <p14:creationId xmlns:p14="http://schemas.microsoft.com/office/powerpoint/2010/main" val="3572655600"/>
+        <p14:creationId xmlns:p14="http://schemas.microsoft.com/office/powerpoint/2010/main" val="4059615157"/>
       </p:ext>
     </p:extLst>
   </p:cSld>
@@ -7475,29 +8268,49 @@
         </p:nvSpPr>
         <p:spPr>
           <a:xfrm>
-            <a:off x="4836252" y="223618"/>
-            <a:ext cx="2403447" cy="923330"/>
-          </a:xfrm>
-          <a:prstGeom prst="rect">
-            <a:avLst/>
-          </a:prstGeom>
-          <a:noFill/>
-        </p:spPr>
-        <p:txBody>
-          <a:bodyPr wrap="square" rtlCol="0">
-            <a:spAutoFit/>
-          </a:bodyPr>
-          <a:lstStyle/>
-          <a:p>
-            <a:r>
-              <a:rPr lang="en-US" dirty="0"/>
-              <a:t>Registration form Patient Access</a:t>
-            </a:r>
-          </a:p>
-          <a:p>
-            <a:r>
-              <a:rPr lang="en-US" dirty="0"/>
-              <a:t>(Hospital Name)</a:t>
+            <a:off x="4624530" y="552625"/>
+            <a:ext cx="3105025" cy="646331"/>
+          </a:xfrm>
+          <a:prstGeom prst="rect">
+            <a:avLst/>
+          </a:prstGeom>
+          <a:noFill/>
+        </p:spPr>
+        <p:txBody>
+          <a:bodyPr wrap="square" rtlCol="0">
+            <a:spAutoFit/>
+          </a:bodyPr>
+          <a:lstStyle/>
+          <a:p>
+            <a:r>
+              <a:rPr lang="en-US" dirty="0"/>
+              <a:t>Register</a:t>
+            </a:r>
+          </a:p>
+          <a:p>
+            <a:r>
+              <a:rPr lang="en-US" dirty="0">
+                <a:solidFill>
+                  <a:schemeClr val="accent5"/>
+                </a:solidFill>
+              </a:rPr>
+              <a:t>(</a:t>
+            </a:r>
+            <a:r>
+              <a:rPr lang="en-US" dirty="0" err="1">
+                <a:solidFill>
+                  <a:schemeClr val="accent5"/>
+                </a:solidFill>
+              </a:rPr>
+              <a:t>register.jsp</a:t>
+            </a:r>
+            <a:r>
+              <a:rPr lang="en-US" dirty="0">
+                <a:solidFill>
+                  <a:schemeClr val="accent5"/>
+                </a:solidFill>
+              </a:rPr>
+              <a:t>)</a:t>
             </a:r>
           </a:p>
         </p:txBody>
@@ -7814,13 +8627,57 @@
               <a:rPr lang="en-US" dirty="0"/>
               <a:t>Clear Form</a:t>
             </a:r>
+          </a:p>
+        </p:txBody>
+      </p:sp>
+      <p:sp>
+        <p:nvSpPr>
+          <p:cNvPr id="2" name="Rounded Rectangle 1">
+            <a:extLst>
+              <a:ext uri="{FF2B5EF4-FFF2-40B4-BE49-F238E27FC236}">
+                <a16:creationId xmlns:a16="http://schemas.microsoft.com/office/drawing/2014/main" id="{D9B70A1D-026B-414E-BD8B-271D0857CF97}"/>
+              </a:ext>
+            </a:extLst>
+          </p:cNvPr>
+          <p:cNvSpPr/>
+          <p:nvPr/>
+        </p:nvSpPr>
+        <p:spPr>
+          <a:xfrm>
+            <a:off x="1946246" y="360728"/>
+            <a:ext cx="1624268" cy="564558"/>
+          </a:xfrm>
+          <a:prstGeom prst="roundRect">
+            <a:avLst/>
+          </a:prstGeom>
+        </p:spPr>
+        <p:style>
+          <a:lnRef idx="1">
+            <a:schemeClr val="accent6"/>
+          </a:lnRef>
+          <a:fillRef idx="3">
+            <a:schemeClr val="accent6"/>
+          </a:fillRef>
+          <a:effectRef idx="2">
+            <a:schemeClr val="accent6"/>
+          </a:effectRef>
+          <a:fontRef idx="minor">
+            <a:schemeClr val="lt1"/>
+          </a:fontRef>
+        </p:style>
+        <p:txBody>
+          <a:bodyPr rtlCol="0" anchor="ctr"/>
+          <a:lstStyle/>
+          <a:p>
+            <a:pPr algn="ctr"/>
+            <a:endParaRPr lang="en-US" dirty="0"/>
           </a:p>
         </p:txBody>
       </p:sp>
     </p:spTree>
     <p:extLst>
       <p:ext uri="{BB962C8B-B14F-4D97-AF65-F5344CB8AC3E}">
-        <p14:creationId xmlns:p14="http://schemas.microsoft.com/office/powerpoint/2010/main" val="4059615157"/>
+        <p14:creationId xmlns:p14="http://schemas.microsoft.com/office/powerpoint/2010/main" val="2658938905"/>
       </p:ext>
     </p:extLst>
   </p:cSld>
@@ -8139,13 +8996,33 @@
           <a:p>
             <a:r>
               <a:rPr lang="en-US" dirty="0"/>
-              <a:t>Login Doctor Access</a:t>
-            </a:r>
-          </a:p>
-          <a:p>
-            <a:r>
-              <a:rPr lang="en-US" dirty="0"/>
-              <a:t>(Hospital Name)</a:t>
+              <a:t>Patient Login</a:t>
+            </a:r>
+          </a:p>
+          <a:p>
+            <a:r>
+              <a:rPr lang="en-US" dirty="0">
+                <a:solidFill>
+                  <a:schemeClr val="accent5"/>
+                </a:solidFill>
+              </a:rPr>
+              <a:t>(</a:t>
+            </a:r>
+            <a:r>
+              <a:rPr lang="en-US" dirty="0" err="1">
+                <a:solidFill>
+                  <a:schemeClr val="accent5"/>
+                </a:solidFill>
+              </a:rPr>
+              <a:t>Plog</a:t>
+            </a:r>
+            <a:r>
+              <a:rPr lang="en-US" dirty="0">
+                <a:solidFill>
+                  <a:schemeClr val="accent5"/>
+                </a:solidFill>
+              </a:rPr>
+              <a:t>)</a:t>
             </a:r>
           </a:p>
         </p:txBody>
@@ -8292,35 +9169,47 @@
       </p:sp>
       <p:sp>
         <p:nvSpPr>
-          <p:cNvPr id="17" name="TextBox 16">
-            <a:extLst>
-              <a:ext uri="{FF2B5EF4-FFF2-40B4-BE49-F238E27FC236}">
-                <a16:creationId xmlns:a16="http://schemas.microsoft.com/office/drawing/2014/main" id="{D910380D-7300-5743-BB94-B2992B45E42B}"/>
-              </a:ext>
-            </a:extLst>
-          </p:cNvPr>
-          <p:cNvSpPr txBox="1"/>
-          <p:nvPr/>
-        </p:nvSpPr>
-        <p:spPr>
-          <a:xfrm>
-            <a:off x="6859398" y="3008325"/>
-            <a:ext cx="1395369" cy="369332"/>
-          </a:xfrm>
-          <a:prstGeom prst="rect">
-            <a:avLst/>
-          </a:prstGeom>
-          <a:noFill/>
-        </p:spPr>
-        <p:txBody>
-          <a:bodyPr wrap="square" rtlCol="0">
-            <a:spAutoFit/>
-          </a:bodyPr>
-          <a:lstStyle/>
-          <a:p>
-            <a:r>
-              <a:rPr lang="en-US" dirty="0"/>
-              <a:t>Sign up</a:t>
+          <p:cNvPr id="18" name="Rounded Rectangle 17">
+            <a:extLst>
+              <a:ext uri="{FF2B5EF4-FFF2-40B4-BE49-F238E27FC236}">
+                <a16:creationId xmlns:a16="http://schemas.microsoft.com/office/drawing/2014/main" id="{A9385002-9D7E-E847-9649-04C758E51B57}"/>
+              </a:ext>
+            </a:extLst>
+          </p:cNvPr>
+          <p:cNvSpPr/>
+          <p:nvPr/>
+        </p:nvSpPr>
+        <p:spPr>
+          <a:xfrm>
+            <a:off x="1946246" y="360728"/>
+            <a:ext cx="1624268" cy="564558"/>
+          </a:xfrm>
+          <a:prstGeom prst="roundRect">
+            <a:avLst/>
+          </a:prstGeom>
+        </p:spPr>
+        <p:style>
+          <a:lnRef idx="1">
+            <a:schemeClr val="accent6"/>
+          </a:lnRef>
+          <a:fillRef idx="3">
+            <a:schemeClr val="accent6"/>
+          </a:fillRef>
+          <a:effectRef idx="2">
+            <a:schemeClr val="accent6"/>
+          </a:effectRef>
+          <a:fontRef idx="minor">
+            <a:schemeClr val="lt1"/>
+          </a:fontRef>
+        </p:style>
+        <p:txBody>
+          <a:bodyPr rtlCol="0" anchor="ctr"/>
+          <a:lstStyle/>
+          <a:p>
+            <a:pPr algn="ctr"/>
+            <a:r>
+              <a:rPr lang="en-US" dirty="0"/>
+              <a:t>Page completed</a:t>
             </a:r>
           </a:p>
         </p:txBody>
@@ -8328,7 +9217,7 @@
     </p:spTree>
     <p:extLst>
       <p:ext uri="{BB962C8B-B14F-4D97-AF65-F5344CB8AC3E}">
-        <p14:creationId xmlns:p14="http://schemas.microsoft.com/office/powerpoint/2010/main" val="2402271722"/>
+        <p14:creationId xmlns:p14="http://schemas.microsoft.com/office/powerpoint/2010/main" val="3572655600"/>
       </p:ext>
     </p:extLst>
   </p:cSld>
@@ -8632,28 +9521,30 @@
         <p:spPr>
           <a:xfrm>
             <a:off x="4836252" y="223618"/>
-            <a:ext cx="2403447" cy="923330"/>
-          </a:xfrm>
-          <a:prstGeom prst="rect">
-            <a:avLst/>
-          </a:prstGeom>
-          <a:noFill/>
-        </p:spPr>
-        <p:txBody>
-          <a:bodyPr wrap="square" rtlCol="0">
-            <a:spAutoFit/>
-          </a:bodyPr>
-          <a:lstStyle/>
-          <a:p>
-            <a:r>
-              <a:rPr lang="en-US" dirty="0"/>
-              <a:t>Registration form Doctor Access</a:t>
-            </a:r>
-          </a:p>
-          <a:p>
-            <a:r>
-              <a:rPr lang="en-US" dirty="0"/>
-              <a:t>(Hospital Name)</a:t>
+            <a:ext cx="2403447" cy="646331"/>
+          </a:xfrm>
+          <a:prstGeom prst="rect">
+            <a:avLst/>
+          </a:prstGeom>
+          <a:noFill/>
+        </p:spPr>
+        <p:txBody>
+          <a:bodyPr wrap="square" rtlCol="0">
+            <a:spAutoFit/>
+          </a:bodyPr>
+          <a:lstStyle/>
+          <a:p>
+            <a:r>
+              <a:rPr lang="en-US" dirty="0"/>
+              <a:t>Registration form Doctor </a:t>
+            </a:r>
+            <a:r>
+              <a:rPr lang="en-US" dirty="0">
+                <a:solidFill>
+                  <a:schemeClr val="accent5"/>
+                </a:solidFill>
+              </a:rPr>
+              <a:t>(dreg)</a:t>
             </a:r>
           </a:p>
         </p:txBody>
@@ -9004,6 +9895,53 @@
             <a:r>
               <a:rPr lang="en-US" dirty="0"/>
               <a:t>Clear Form</a:t>
+            </a:r>
+          </a:p>
+        </p:txBody>
+      </p:sp>
+      <p:sp>
+        <p:nvSpPr>
+          <p:cNvPr id="26" name="Rounded Rectangle 25">
+            <a:extLst>
+              <a:ext uri="{FF2B5EF4-FFF2-40B4-BE49-F238E27FC236}">
+                <a16:creationId xmlns:a16="http://schemas.microsoft.com/office/drawing/2014/main" id="{BE5CA872-7C1A-D34E-879B-53B2E3ADD914}"/>
+              </a:ext>
+            </a:extLst>
+          </p:cNvPr>
+          <p:cNvSpPr/>
+          <p:nvPr/>
+        </p:nvSpPr>
+        <p:spPr>
+          <a:xfrm>
+            <a:off x="1946246" y="360728"/>
+            <a:ext cx="1624268" cy="564558"/>
+          </a:xfrm>
+          <a:prstGeom prst="roundRect">
+            <a:avLst/>
+          </a:prstGeom>
+        </p:spPr>
+        <p:style>
+          <a:lnRef idx="1">
+            <a:schemeClr val="accent6"/>
+          </a:lnRef>
+          <a:fillRef idx="3">
+            <a:schemeClr val="accent6"/>
+          </a:fillRef>
+          <a:effectRef idx="2">
+            <a:schemeClr val="accent6"/>
+          </a:effectRef>
+          <a:fontRef idx="minor">
+            <a:schemeClr val="lt1"/>
+          </a:fontRef>
+        </p:style>
+        <p:txBody>
+          <a:bodyPr rtlCol="0" anchor="ctr"/>
+          <a:lstStyle/>
+          <a:p>
+            <a:pPr algn="ctr"/>
+            <a:r>
+              <a:rPr lang="en-US" dirty="0"/>
+              <a:t>Page completed</a:t>
             </a:r>
           </a:p>
         </p:txBody>
@@ -9161,23 +10099,23 @@
         </p:nvSpPr>
         <p:spPr>
           <a:xfrm>
-            <a:off x="4952998" y="2782669"/>
-            <a:ext cx="2169954" cy="369332"/>
-          </a:xfrm>
-          <a:prstGeom prst="rect">
-            <a:avLst/>
-          </a:prstGeom>
-          <a:noFill/>
-        </p:spPr>
-        <p:txBody>
-          <a:bodyPr wrap="square" rtlCol="0">
-            <a:spAutoFit/>
-          </a:bodyPr>
-          <a:lstStyle/>
-          <a:p>
-            <a:r>
-              <a:rPr lang="en-US" dirty="0"/>
-              <a:t>Phone number</a:t>
+            <a:off x="4235041" y="2521600"/>
+            <a:ext cx="1395369" cy="369332"/>
+          </a:xfrm>
+          <a:prstGeom prst="rect">
+            <a:avLst/>
+          </a:prstGeom>
+          <a:noFill/>
+        </p:spPr>
+        <p:txBody>
+          <a:bodyPr wrap="square" rtlCol="0">
+            <a:spAutoFit/>
+          </a:bodyPr>
+          <a:lstStyle/>
+          <a:p>
+            <a:r>
+              <a:rPr lang="en-US" dirty="0"/>
+              <a:t>Name</a:t>
             </a:r>
           </a:p>
         </p:txBody>
@@ -9302,47 +10240,6 @@
       </p:sp>
       <p:sp>
         <p:nvSpPr>
-          <p:cNvPr id="15" name="TextBox 14">
-            <a:extLst>
-              <a:ext uri="{FF2B5EF4-FFF2-40B4-BE49-F238E27FC236}">
-                <a16:creationId xmlns:a16="http://schemas.microsoft.com/office/drawing/2014/main" id="{BBB57AFB-704D-B24F-8BE1-DE3DB4972EF5}"/>
-              </a:ext>
-            </a:extLst>
-          </p:cNvPr>
-          <p:cNvSpPr txBox="1"/>
-          <p:nvPr/>
-        </p:nvSpPr>
-        <p:spPr>
-          <a:xfrm>
-            <a:off x="4836252" y="223618"/>
-            <a:ext cx="2403447" cy="646331"/>
-          </a:xfrm>
-          <a:prstGeom prst="rect">
-            <a:avLst/>
-          </a:prstGeom>
-          <a:noFill/>
-        </p:spPr>
-        <p:txBody>
-          <a:bodyPr wrap="square" rtlCol="0">
-            <a:spAutoFit/>
-          </a:bodyPr>
-          <a:lstStyle/>
-          <a:p>
-            <a:r>
-              <a:rPr lang="en-US" dirty="0"/>
-              <a:t>Forgotten Password</a:t>
-            </a:r>
-          </a:p>
-          <a:p>
-            <a:r>
-              <a:rPr lang="en-US" dirty="0"/>
-              <a:t>(Hospital Name)</a:t>
-            </a:r>
-          </a:p>
-        </p:txBody>
-      </p:sp>
-      <p:sp>
-        <p:nvSpPr>
           <p:cNvPr id="16" name="TextBox 15">
             <a:extLst>
               <a:ext uri="{FF2B5EF4-FFF2-40B4-BE49-F238E27FC236}">
@@ -9378,35 +10275,140 @@
       </p:sp>
       <p:sp>
         <p:nvSpPr>
+          <p:cNvPr id="22" name="TextBox 21">
+            <a:extLst>
+              <a:ext uri="{FF2B5EF4-FFF2-40B4-BE49-F238E27FC236}">
+                <a16:creationId xmlns:a16="http://schemas.microsoft.com/office/drawing/2014/main" id="{4E15EDB9-9F80-4C49-9743-25BDD1E44106}"/>
+              </a:ext>
+            </a:extLst>
+          </p:cNvPr>
+          <p:cNvSpPr txBox="1"/>
+          <p:nvPr/>
+        </p:nvSpPr>
+        <p:spPr>
+          <a:xfrm>
+            <a:off x="5630410" y="2521600"/>
+            <a:ext cx="1491845" cy="369332"/>
+          </a:xfrm>
+          <a:prstGeom prst="rect">
+            <a:avLst/>
+          </a:prstGeom>
+          <a:noFill/>
+        </p:spPr>
+        <p:txBody>
+          <a:bodyPr wrap="square" rtlCol="0">
+            <a:spAutoFit/>
+          </a:bodyPr>
+          <a:lstStyle/>
+          <a:p>
+            <a:r>
+              <a:rPr lang="en-US" dirty="0"/>
+              <a:t>Password</a:t>
+            </a:r>
+          </a:p>
+        </p:txBody>
+      </p:sp>
+      <p:sp>
+        <p:nvSpPr>
+          <p:cNvPr id="26" name="TextBox 25">
+            <a:extLst>
+              <a:ext uri="{FF2B5EF4-FFF2-40B4-BE49-F238E27FC236}">
+                <a16:creationId xmlns:a16="http://schemas.microsoft.com/office/drawing/2014/main" id="{D1FDE0C1-BE1C-694A-9960-25E962EC4680}"/>
+              </a:ext>
+            </a:extLst>
+          </p:cNvPr>
+          <p:cNvSpPr txBox="1"/>
+          <p:nvPr/>
+        </p:nvSpPr>
+        <p:spPr>
+          <a:xfrm>
+            <a:off x="7122255" y="2521600"/>
+            <a:ext cx="1395369" cy="369332"/>
+          </a:xfrm>
+          <a:prstGeom prst="rect">
+            <a:avLst/>
+          </a:prstGeom>
+          <a:noFill/>
+        </p:spPr>
+        <p:txBody>
+          <a:bodyPr wrap="square" rtlCol="0">
+            <a:spAutoFit/>
+          </a:bodyPr>
+          <a:lstStyle/>
+          <a:p>
+            <a:r>
+              <a:rPr lang="en-US" dirty="0"/>
+              <a:t>Login</a:t>
+            </a:r>
+          </a:p>
+        </p:txBody>
+      </p:sp>
+      <p:sp>
+        <p:nvSpPr>
+          <p:cNvPr id="27" name="TextBox 26">
+            <a:extLst>
+              <a:ext uri="{FF2B5EF4-FFF2-40B4-BE49-F238E27FC236}">
+                <a16:creationId xmlns:a16="http://schemas.microsoft.com/office/drawing/2014/main" id="{606EDEAE-94C2-A744-A35A-F177077B31BF}"/>
+              </a:ext>
+            </a:extLst>
+          </p:cNvPr>
+          <p:cNvSpPr txBox="1"/>
+          <p:nvPr/>
+        </p:nvSpPr>
+        <p:spPr>
+          <a:xfrm>
+            <a:off x="5574484" y="3013611"/>
+            <a:ext cx="1395369" cy="646331"/>
+          </a:xfrm>
+          <a:prstGeom prst="rect">
+            <a:avLst/>
+          </a:prstGeom>
+          <a:noFill/>
+        </p:spPr>
+        <p:txBody>
+          <a:bodyPr wrap="square" rtlCol="0">
+            <a:spAutoFit/>
+          </a:bodyPr>
+          <a:lstStyle/>
+          <a:p>
+            <a:r>
+              <a:rPr lang="en-US" dirty="0"/>
+              <a:t>Forgotten password?</a:t>
+            </a:r>
+          </a:p>
+        </p:txBody>
+      </p:sp>
+      <p:sp>
+        <p:nvSpPr>
           <p:cNvPr id="17" name="TextBox 16">
             <a:extLst>
               <a:ext uri="{FF2B5EF4-FFF2-40B4-BE49-F238E27FC236}">
-                <a16:creationId xmlns:a16="http://schemas.microsoft.com/office/drawing/2014/main" id="{9F1C97D4-7A20-8041-B716-528967B1043D}"/>
-              </a:ext>
-            </a:extLst>
-          </p:cNvPr>
-          <p:cNvSpPr txBox="1"/>
-          <p:nvPr/>
-        </p:nvSpPr>
-        <p:spPr>
-          <a:xfrm>
-            <a:off x="2306972" y="2505670"/>
-            <a:ext cx="2169954" cy="923330"/>
-          </a:xfrm>
-          <a:prstGeom prst="rect">
-            <a:avLst/>
-          </a:prstGeom>
-          <a:noFill/>
-        </p:spPr>
-        <p:txBody>
-          <a:bodyPr wrap="square" rtlCol="0">
-            <a:spAutoFit/>
-          </a:bodyPr>
-          <a:lstStyle/>
-          <a:p>
-            <a:r>
-              <a:rPr lang="en-US" dirty="0"/>
-              <a:t>Enter phone number to receive link to reset password:</a:t>
+                <a16:creationId xmlns:a16="http://schemas.microsoft.com/office/drawing/2014/main" id="{D910380D-7300-5743-BB94-B2992B45E42B}"/>
+              </a:ext>
+            </a:extLst>
+          </p:cNvPr>
+          <p:cNvSpPr txBox="1"/>
+          <p:nvPr/>
+        </p:nvSpPr>
+        <p:spPr>
+          <a:xfrm>
+            <a:off x="6859398" y="3008325"/>
+            <a:ext cx="1395369" cy="369332"/>
+          </a:xfrm>
+          <a:prstGeom prst="rect">
+            <a:avLst/>
+          </a:prstGeom>
+          <a:noFill/>
+        </p:spPr>
+        <p:txBody>
+          <a:bodyPr wrap="square" rtlCol="0">
+            <a:spAutoFit/>
+          </a:bodyPr>
+          <a:lstStyle/>
+          <a:p>
+            <a:r>
+              <a:rPr lang="en-US" dirty="0"/>
+              <a:t>Sign up</a:t>
             </a:r>
           </a:p>
         </p:txBody>
@@ -9416,32 +10418,105 @@
           <p:cNvPr id="18" name="TextBox 17">
             <a:extLst>
               <a:ext uri="{FF2B5EF4-FFF2-40B4-BE49-F238E27FC236}">
-                <a16:creationId xmlns:a16="http://schemas.microsoft.com/office/drawing/2014/main" id="{92024BBC-5F0B-7243-B3D8-D68B6C1E9D98}"/>
-              </a:ext>
-            </a:extLst>
-          </p:cNvPr>
-          <p:cNvSpPr txBox="1"/>
-          <p:nvPr/>
-        </p:nvSpPr>
-        <p:spPr>
-          <a:xfrm>
-            <a:off x="7122952" y="2782669"/>
-            <a:ext cx="2169954" cy="369332"/>
-          </a:xfrm>
-          <a:prstGeom prst="rect">
-            <a:avLst/>
-          </a:prstGeom>
-          <a:noFill/>
-        </p:spPr>
-        <p:txBody>
-          <a:bodyPr wrap="square" rtlCol="0">
-            <a:spAutoFit/>
-          </a:bodyPr>
-          <a:lstStyle/>
-          <a:p>
-            <a:r>
-              <a:rPr lang="en-US" dirty="0"/>
-              <a:t>Send</a:t>
+                <a16:creationId xmlns:a16="http://schemas.microsoft.com/office/drawing/2014/main" id="{16D78E20-B6F4-934A-87D5-C3BE6CF3CA60}"/>
+              </a:ext>
+            </a:extLst>
+          </p:cNvPr>
+          <p:cNvSpPr txBox="1"/>
+          <p:nvPr/>
+        </p:nvSpPr>
+        <p:spPr>
+          <a:xfrm>
+            <a:off x="4624530" y="552625"/>
+            <a:ext cx="3105025" cy="646331"/>
+          </a:xfrm>
+          <a:prstGeom prst="rect">
+            <a:avLst/>
+          </a:prstGeom>
+          <a:noFill/>
+        </p:spPr>
+        <p:txBody>
+          <a:bodyPr wrap="square" rtlCol="0">
+            <a:spAutoFit/>
+          </a:bodyPr>
+          <a:lstStyle/>
+          <a:p>
+            <a:r>
+              <a:rPr lang="en-US" dirty="0"/>
+              <a:t>Doctor  login Form </a:t>
+            </a:r>
+          </a:p>
+          <a:p>
+            <a:r>
+              <a:rPr lang="en-US" dirty="0">
+                <a:solidFill>
+                  <a:schemeClr val="accent5"/>
+                </a:solidFill>
+              </a:rPr>
+              <a:t>(</a:t>
+            </a:r>
+            <a:r>
+              <a:rPr lang="en-US" dirty="0" err="1">
+                <a:solidFill>
+                  <a:schemeClr val="accent5"/>
+                </a:solidFill>
+              </a:rPr>
+              <a:t>dlog</a:t>
+            </a:r>
+            <a:r>
+              <a:rPr lang="en-US" dirty="0">
+                <a:solidFill>
+                  <a:schemeClr val="accent5"/>
+                </a:solidFill>
+              </a:rPr>
+              <a:t>)</a:t>
+            </a:r>
+          </a:p>
+        </p:txBody>
+      </p:sp>
+      <p:sp>
+        <p:nvSpPr>
+          <p:cNvPr id="20" name="Rounded Rectangle 19">
+            <a:extLst>
+              <a:ext uri="{FF2B5EF4-FFF2-40B4-BE49-F238E27FC236}">
+                <a16:creationId xmlns:a16="http://schemas.microsoft.com/office/drawing/2014/main" id="{DD4C24AA-9968-C54C-8123-4B71251F8682}"/>
+              </a:ext>
+            </a:extLst>
+          </p:cNvPr>
+          <p:cNvSpPr/>
+          <p:nvPr/>
+        </p:nvSpPr>
+        <p:spPr>
+          <a:xfrm>
+            <a:off x="1946246" y="360728"/>
+            <a:ext cx="1624268" cy="564558"/>
+          </a:xfrm>
+          <a:prstGeom prst="roundRect">
+            <a:avLst/>
+          </a:prstGeom>
+        </p:spPr>
+        <p:style>
+          <a:lnRef idx="1">
+            <a:schemeClr val="accent6"/>
+          </a:lnRef>
+          <a:fillRef idx="3">
+            <a:schemeClr val="accent6"/>
+          </a:fillRef>
+          <a:effectRef idx="2">
+            <a:schemeClr val="accent6"/>
+          </a:effectRef>
+          <a:fontRef idx="minor">
+            <a:schemeClr val="lt1"/>
+          </a:fontRef>
+        </p:style>
+        <p:txBody>
+          <a:bodyPr rtlCol="0" anchor="ctr"/>
+          <a:lstStyle/>
+          <a:p>
+            <a:pPr algn="ctr"/>
+            <a:r>
+              <a:rPr lang="en-US" dirty="0"/>
+              <a:t>Page completed</a:t>
             </a:r>
           </a:p>
         </p:txBody>
@@ -9449,7 +10524,7 @@
     </p:spTree>
     <p:extLst>
       <p:ext uri="{BB962C8B-B14F-4D97-AF65-F5344CB8AC3E}">
-        <p14:creationId xmlns:p14="http://schemas.microsoft.com/office/powerpoint/2010/main" val="3036182028"/>
+        <p14:creationId xmlns:p14="http://schemas.microsoft.com/office/powerpoint/2010/main" val="2402271722"/>
       </p:ext>
     </p:extLst>
   </p:cSld>
@@ -9460,7 +10535,7 @@
 </file>
 
 <file path=ppt/slides/slide7.xml><?xml version="1.0" encoding="utf-8"?>
-<p:sld xmlns:a="http://schemas.openxmlformats.org/drawingml/2006/main" xmlns:r="http://schemas.openxmlformats.org/officeDocument/2006/relationships" xmlns:p="http://schemas.openxmlformats.org/presentationml/2006/main">
+<p:sld xmlns:a="http://schemas.openxmlformats.org/drawingml/2006/main" xmlns:r="http://schemas.openxmlformats.org/officeDocument/2006/relationships" xmlns:p="http://schemas.openxmlformats.org/presentationml/2006/main" show="0">
   <p:cSld>
     <p:spTree>
       <p:nvGrpSpPr>
@@ -9599,7 +10674,7 @@
         </p:nvSpPr>
         <p:spPr>
           <a:xfrm>
-            <a:off x="4476926" y="2505670"/>
+            <a:off x="4952998" y="2782669"/>
             <a:ext cx="2169954" cy="369332"/>
           </a:xfrm>
           <a:prstGeom prst="rect">
@@ -9615,7 +10690,7 @@
           <a:p>
             <a:r>
               <a:rPr lang="en-US" dirty="0"/>
-              <a:t>New password</a:t>
+              <a:t>Phone number</a:t>
             </a:r>
           </a:p>
         </p:txBody>
@@ -9768,7 +10843,7 @@
           <a:p>
             <a:r>
               <a:rPr lang="en-US" dirty="0"/>
-              <a:t>Reset Password</a:t>
+              <a:t>Forgotten Password</a:t>
             </a:r>
           </a:p>
           <a:p>
@@ -9829,6 +10904,41 @@
         <p:spPr>
           <a:xfrm>
             <a:off x="2306972" y="2505670"/>
+            <a:ext cx="2169954" cy="923330"/>
+          </a:xfrm>
+          <a:prstGeom prst="rect">
+            <a:avLst/>
+          </a:prstGeom>
+          <a:noFill/>
+        </p:spPr>
+        <p:txBody>
+          <a:bodyPr wrap="square" rtlCol="0">
+            <a:spAutoFit/>
+          </a:bodyPr>
+          <a:lstStyle/>
+          <a:p>
+            <a:r>
+              <a:rPr lang="en-US" dirty="0"/>
+              <a:t>Enter phone number to receive link to reset password:</a:t>
+            </a:r>
+          </a:p>
+        </p:txBody>
+      </p:sp>
+      <p:sp>
+        <p:nvSpPr>
+          <p:cNvPr id="18" name="TextBox 17">
+            <a:extLst>
+              <a:ext uri="{FF2B5EF4-FFF2-40B4-BE49-F238E27FC236}">
+                <a16:creationId xmlns:a16="http://schemas.microsoft.com/office/drawing/2014/main" id="{92024BBC-5F0B-7243-B3D8-D68B6C1E9D98}"/>
+              </a:ext>
+            </a:extLst>
+          </p:cNvPr>
+          <p:cNvSpPr txBox="1"/>
+          <p:nvPr/>
+        </p:nvSpPr>
+        <p:spPr>
+          <a:xfrm>
+            <a:off x="7122952" y="2782669"/>
             <a:ext cx="2169954" cy="369332"/>
           </a:xfrm>
           <a:prstGeom prst="rect">
@@ -9844,77 +10954,56 @@
           <a:p>
             <a:r>
               <a:rPr lang="en-US" dirty="0"/>
-              <a:t>Reset Password:</a:t>
-            </a:r>
-          </a:p>
-        </p:txBody>
-      </p:sp>
-      <p:sp>
-        <p:nvSpPr>
-          <p:cNvPr id="18" name="TextBox 17">
-            <a:extLst>
-              <a:ext uri="{FF2B5EF4-FFF2-40B4-BE49-F238E27FC236}">
-                <a16:creationId xmlns:a16="http://schemas.microsoft.com/office/drawing/2014/main" id="{92024BBC-5F0B-7243-B3D8-D68B6C1E9D98}"/>
-              </a:ext>
-            </a:extLst>
-          </p:cNvPr>
-          <p:cNvSpPr txBox="1"/>
-          <p:nvPr/>
-        </p:nvSpPr>
-        <p:spPr>
-          <a:xfrm>
-            <a:off x="4476926" y="3545401"/>
-            <a:ext cx="2169954" cy="369332"/>
-          </a:xfrm>
-          <a:prstGeom prst="rect">
-            <a:avLst/>
-          </a:prstGeom>
-          <a:noFill/>
-        </p:spPr>
-        <p:txBody>
-          <a:bodyPr wrap="square" rtlCol="0">
-            <a:spAutoFit/>
-          </a:bodyPr>
-          <a:lstStyle/>
-          <a:p>
-            <a:r>
-              <a:rPr lang="en-US" dirty="0"/>
-              <a:t>Confirm (button)</a:t>
-            </a:r>
-          </a:p>
-        </p:txBody>
-      </p:sp>
-      <p:sp>
-        <p:nvSpPr>
-          <p:cNvPr id="19" name="TextBox 18">
-            <a:extLst>
-              <a:ext uri="{FF2B5EF4-FFF2-40B4-BE49-F238E27FC236}">
-                <a16:creationId xmlns:a16="http://schemas.microsoft.com/office/drawing/2014/main" id="{53E07BA4-E848-F846-BAA2-36F7EE2FB257}"/>
-              </a:ext>
-            </a:extLst>
-          </p:cNvPr>
-          <p:cNvSpPr txBox="1"/>
-          <p:nvPr/>
-        </p:nvSpPr>
-        <p:spPr>
-          <a:xfrm>
-            <a:off x="4476926" y="2963175"/>
-            <a:ext cx="2169954" cy="369332"/>
-          </a:xfrm>
-          <a:prstGeom prst="rect">
-            <a:avLst/>
-          </a:prstGeom>
-          <a:noFill/>
-        </p:spPr>
-        <p:txBody>
-          <a:bodyPr wrap="square" rtlCol="0">
-            <a:spAutoFit/>
-          </a:bodyPr>
-          <a:lstStyle/>
-          <a:p>
-            <a:r>
-              <a:rPr lang="en-US" dirty="0"/>
-              <a:t>Confirm password</a:t>
+              <a:t>Send</a:t>
+            </a:r>
+          </a:p>
+        </p:txBody>
+      </p:sp>
+      <p:sp>
+        <p:nvSpPr>
+          <p:cNvPr id="19" name="Rounded Rectangle 18">
+            <a:extLst>
+              <a:ext uri="{FF2B5EF4-FFF2-40B4-BE49-F238E27FC236}">
+                <a16:creationId xmlns:a16="http://schemas.microsoft.com/office/drawing/2014/main" id="{3CB3ABB2-4629-FC45-A8CA-9329765D22FE}"/>
+              </a:ext>
+            </a:extLst>
+          </p:cNvPr>
+          <p:cNvSpPr/>
+          <p:nvPr/>
+        </p:nvSpPr>
+        <p:spPr>
+          <a:xfrm>
+            <a:off x="1946246" y="360728"/>
+            <a:ext cx="1624268" cy="564558"/>
+          </a:xfrm>
+          <a:prstGeom prst="roundRect">
+            <a:avLst/>
+          </a:prstGeom>
+        </p:spPr>
+        <p:style>
+          <a:lnRef idx="2">
+            <a:schemeClr val="accent2">
+              <a:shade val="50000"/>
+            </a:schemeClr>
+          </a:lnRef>
+          <a:fillRef idx="1">
+            <a:schemeClr val="accent2"/>
+          </a:fillRef>
+          <a:effectRef idx="0">
+            <a:schemeClr val="accent2"/>
+          </a:effectRef>
+          <a:fontRef idx="minor">
+            <a:schemeClr val="lt1"/>
+          </a:fontRef>
+        </p:style>
+        <p:txBody>
+          <a:bodyPr rtlCol="0" anchor="ctr"/>
+          <a:lstStyle/>
+          <a:p>
+            <a:pPr algn="ctr"/>
+            <a:r>
+              <a:rPr lang="en-US" dirty="0"/>
+              <a:t>Page incomplete</a:t>
             </a:r>
           </a:p>
         </p:txBody>
@@ -9922,7 +11011,7 @@
     </p:spTree>
     <p:extLst>
       <p:ext uri="{BB962C8B-B14F-4D97-AF65-F5344CB8AC3E}">
-        <p14:creationId xmlns:p14="http://schemas.microsoft.com/office/powerpoint/2010/main" val="459799909"/>
+        <p14:creationId xmlns:p14="http://schemas.microsoft.com/office/powerpoint/2010/main" val="3036182028"/>
       </p:ext>
     </p:extLst>
   </p:cSld>
@@ -9933,7 +11022,7 @@
 </file>
 
 <file path=ppt/slides/slide8.xml><?xml version="1.0" encoding="utf-8"?>
-<p:sld xmlns:a="http://schemas.openxmlformats.org/drawingml/2006/main" xmlns:r="http://schemas.openxmlformats.org/officeDocument/2006/relationships" xmlns:p="http://schemas.openxmlformats.org/presentationml/2006/main">
+<p:sld xmlns:a="http://schemas.openxmlformats.org/drawingml/2006/main" xmlns:r="http://schemas.openxmlformats.org/officeDocument/2006/relationships" xmlns:p="http://schemas.openxmlformats.org/presentationml/2006/main" show="0">
   <p:cSld>
     <p:spTree>
       <p:nvGrpSpPr>
@@ -9951,10 +11040,154 @@
       </p:grpSpPr>
       <p:sp>
         <p:nvSpPr>
-          <p:cNvPr id="11" name="Rectangle 10">
-            <a:extLst>
-              <a:ext uri="{FF2B5EF4-FFF2-40B4-BE49-F238E27FC236}">
-                <a16:creationId xmlns:a16="http://schemas.microsoft.com/office/drawing/2014/main" id="{7834B01E-90EF-8942-9E82-155BF03FC169}"/>
+          <p:cNvPr id="4" name="TextBox 3">
+            <a:extLst>
+              <a:ext uri="{FF2B5EF4-FFF2-40B4-BE49-F238E27FC236}">
+                <a16:creationId xmlns:a16="http://schemas.microsoft.com/office/drawing/2014/main" id="{9210F2CD-7CF4-5743-A46C-D4B07EDCEBC8}"/>
+              </a:ext>
+            </a:extLst>
+          </p:cNvPr>
+          <p:cNvSpPr txBox="1"/>
+          <p:nvPr/>
+        </p:nvSpPr>
+        <p:spPr>
+          <a:xfrm>
+            <a:off x="303402" y="176169"/>
+            <a:ext cx="11585196" cy="1291904"/>
+          </a:xfrm>
+          <a:prstGeom prst="rect">
+            <a:avLst/>
+          </a:prstGeom>
+          <a:noFill/>
+          <a:ln>
+            <a:solidFill>
+              <a:schemeClr val="accent1"/>
+            </a:solidFill>
+          </a:ln>
+        </p:spPr>
+        <p:txBody>
+          <a:bodyPr wrap="square" rtlCol="0">
+            <a:spAutoFit/>
+          </a:bodyPr>
+          <a:lstStyle/>
+          <a:p>
+            <a:endParaRPr lang="en-US" dirty="0"/>
+          </a:p>
+        </p:txBody>
+      </p:sp>
+      <p:sp>
+        <p:nvSpPr>
+          <p:cNvPr id="5" name="TextBox 4">
+            <a:extLst>
+              <a:ext uri="{FF2B5EF4-FFF2-40B4-BE49-F238E27FC236}">
+                <a16:creationId xmlns:a16="http://schemas.microsoft.com/office/drawing/2014/main" id="{D31B94CC-5680-654F-9BA4-E0A04DF451FB}"/>
+              </a:ext>
+            </a:extLst>
+          </p:cNvPr>
+          <p:cNvSpPr txBox="1"/>
+          <p:nvPr/>
+        </p:nvSpPr>
+        <p:spPr>
+          <a:xfrm>
+            <a:off x="479571" y="5389927"/>
+            <a:ext cx="11585196" cy="1291904"/>
+          </a:xfrm>
+          <a:prstGeom prst="rect">
+            <a:avLst/>
+          </a:prstGeom>
+          <a:noFill/>
+          <a:ln>
+            <a:solidFill>
+              <a:schemeClr val="accent1"/>
+            </a:solidFill>
+          </a:ln>
+        </p:spPr>
+        <p:txBody>
+          <a:bodyPr wrap="square" rtlCol="0">
+            <a:spAutoFit/>
+          </a:bodyPr>
+          <a:lstStyle/>
+          <a:p>
+            <a:endParaRPr lang="en-US" dirty="0"/>
+          </a:p>
+        </p:txBody>
+      </p:sp>
+      <p:sp>
+        <p:nvSpPr>
+          <p:cNvPr id="7" name="TextBox 6">
+            <a:extLst>
+              <a:ext uri="{FF2B5EF4-FFF2-40B4-BE49-F238E27FC236}">
+                <a16:creationId xmlns:a16="http://schemas.microsoft.com/office/drawing/2014/main" id="{E7D745A2-1954-874D-B978-521F0D0FBC58}"/>
+              </a:ext>
+            </a:extLst>
+          </p:cNvPr>
+          <p:cNvSpPr txBox="1"/>
+          <p:nvPr/>
+        </p:nvSpPr>
+        <p:spPr>
+          <a:xfrm>
+            <a:off x="604007" y="360728"/>
+            <a:ext cx="1702965" cy="369332"/>
+          </a:xfrm>
+          <a:prstGeom prst="rect">
+            <a:avLst/>
+          </a:prstGeom>
+          <a:noFill/>
+        </p:spPr>
+        <p:txBody>
+          <a:bodyPr wrap="square" rtlCol="0">
+            <a:spAutoFit/>
+          </a:bodyPr>
+          <a:lstStyle/>
+          <a:p>
+            <a:r>
+              <a:rPr lang="en-US" dirty="0"/>
+              <a:t>LOGO</a:t>
+            </a:r>
+          </a:p>
+        </p:txBody>
+      </p:sp>
+      <p:sp>
+        <p:nvSpPr>
+          <p:cNvPr id="10" name="TextBox 9">
+            <a:extLst>
+              <a:ext uri="{FF2B5EF4-FFF2-40B4-BE49-F238E27FC236}">
+                <a16:creationId xmlns:a16="http://schemas.microsoft.com/office/drawing/2014/main" id="{AD602A5F-B4C2-6E46-8889-94758D922528}"/>
+              </a:ext>
+            </a:extLst>
+          </p:cNvPr>
+          <p:cNvSpPr txBox="1"/>
+          <p:nvPr/>
+        </p:nvSpPr>
+        <p:spPr>
+          <a:xfrm>
+            <a:off x="4476926" y="2505670"/>
+            <a:ext cx="2169954" cy="369332"/>
+          </a:xfrm>
+          <a:prstGeom prst="rect">
+            <a:avLst/>
+          </a:prstGeom>
+          <a:noFill/>
+        </p:spPr>
+        <p:txBody>
+          <a:bodyPr wrap="square" rtlCol="0">
+            <a:spAutoFit/>
+          </a:bodyPr>
+          <a:lstStyle/>
+          <a:p>
+            <a:r>
+              <a:rPr lang="en-US" dirty="0"/>
+              <a:t>New password</a:t>
+            </a:r>
+          </a:p>
+        </p:txBody>
+      </p:sp>
+      <p:sp>
+        <p:nvSpPr>
+          <p:cNvPr id="12" name="Rectangle 11">
+            <a:extLst>
+              <a:ext uri="{FF2B5EF4-FFF2-40B4-BE49-F238E27FC236}">
+                <a16:creationId xmlns:a16="http://schemas.microsoft.com/office/drawing/2014/main" id="{BE47EEE8-FC06-7742-B098-6010EAC23EB9}"/>
               </a:ext>
             </a:extLst>
           </p:cNvPr>
@@ -9963,8 +11196,8 @@
         </p:nvSpPr>
         <p:spPr>
           <a:xfrm>
-            <a:off x="2634144" y="1754144"/>
-            <a:ext cx="7122252" cy="3329584"/>
+            <a:off x="1015069" y="1515523"/>
+            <a:ext cx="10129706" cy="3671868"/>
           </a:xfrm>
           <a:prstGeom prst="rect">
             <a:avLst/>
@@ -9999,185 +11232,6 @@
       </p:sp>
       <p:sp>
         <p:nvSpPr>
-          <p:cNvPr id="4" name="TextBox 3">
-            <a:extLst>
-              <a:ext uri="{FF2B5EF4-FFF2-40B4-BE49-F238E27FC236}">
-                <a16:creationId xmlns:a16="http://schemas.microsoft.com/office/drawing/2014/main" id="{9210F2CD-7CF4-5743-A46C-D4B07EDCEBC8}"/>
-              </a:ext>
-            </a:extLst>
-          </p:cNvPr>
-          <p:cNvSpPr txBox="1"/>
-          <p:nvPr/>
-        </p:nvSpPr>
-        <p:spPr>
-          <a:xfrm>
-            <a:off x="303402" y="207218"/>
-            <a:ext cx="11585196" cy="1291904"/>
-          </a:xfrm>
-          <a:prstGeom prst="rect">
-            <a:avLst/>
-          </a:prstGeom>
-          <a:noFill/>
-          <a:ln>
-            <a:solidFill>
-              <a:schemeClr val="accent1"/>
-            </a:solidFill>
-          </a:ln>
-        </p:spPr>
-        <p:txBody>
-          <a:bodyPr wrap="square" rtlCol="0">
-            <a:spAutoFit/>
-          </a:bodyPr>
-          <a:lstStyle/>
-          <a:p>
-            <a:endParaRPr lang="en-US" dirty="0"/>
-          </a:p>
-        </p:txBody>
-      </p:sp>
-      <p:sp>
-        <p:nvSpPr>
-          <p:cNvPr id="5" name="TextBox 4">
-            <a:extLst>
-              <a:ext uri="{FF2B5EF4-FFF2-40B4-BE49-F238E27FC236}">
-                <a16:creationId xmlns:a16="http://schemas.microsoft.com/office/drawing/2014/main" id="{D31B94CC-5680-654F-9BA4-E0A04DF451FB}"/>
-              </a:ext>
-            </a:extLst>
-          </p:cNvPr>
-          <p:cNvSpPr txBox="1"/>
-          <p:nvPr/>
-        </p:nvSpPr>
-        <p:spPr>
-          <a:xfrm>
-            <a:off x="479571" y="5389927"/>
-            <a:ext cx="11585196" cy="1291904"/>
-          </a:xfrm>
-          <a:prstGeom prst="rect">
-            <a:avLst/>
-          </a:prstGeom>
-          <a:noFill/>
-          <a:ln>
-            <a:solidFill>
-              <a:schemeClr val="accent1"/>
-            </a:solidFill>
-          </a:ln>
-        </p:spPr>
-        <p:txBody>
-          <a:bodyPr wrap="square" rtlCol="0">
-            <a:spAutoFit/>
-          </a:bodyPr>
-          <a:lstStyle/>
-          <a:p>
-            <a:endParaRPr lang="en-US" dirty="0"/>
-          </a:p>
-        </p:txBody>
-      </p:sp>
-      <p:sp>
-        <p:nvSpPr>
-          <p:cNvPr id="6" name="TextBox 5">
-            <a:extLst>
-              <a:ext uri="{FF2B5EF4-FFF2-40B4-BE49-F238E27FC236}">
-                <a16:creationId xmlns:a16="http://schemas.microsoft.com/office/drawing/2014/main" id="{6506E7B0-7FC8-5A45-A350-6AFE042386A6}"/>
-              </a:ext>
-            </a:extLst>
-          </p:cNvPr>
-          <p:cNvSpPr txBox="1"/>
-          <p:nvPr/>
-        </p:nvSpPr>
-        <p:spPr>
-          <a:xfrm>
-            <a:off x="8858774" y="360728"/>
-            <a:ext cx="2860646" cy="338554"/>
-          </a:xfrm>
-          <a:prstGeom prst="rect">
-            <a:avLst/>
-          </a:prstGeom>
-          <a:noFill/>
-        </p:spPr>
-        <p:txBody>
-          <a:bodyPr wrap="square" rtlCol="0">
-            <a:spAutoFit/>
-          </a:bodyPr>
-          <a:lstStyle/>
-          <a:p>
-            <a:r>
-              <a:rPr lang="en-US" sz="1600" dirty="0"/>
-              <a:t>Hi, (patient name)</a:t>
-            </a:r>
-          </a:p>
-        </p:txBody>
-      </p:sp>
-      <p:sp>
-        <p:nvSpPr>
-          <p:cNvPr id="7" name="TextBox 6">
-            <a:extLst>
-              <a:ext uri="{FF2B5EF4-FFF2-40B4-BE49-F238E27FC236}">
-                <a16:creationId xmlns:a16="http://schemas.microsoft.com/office/drawing/2014/main" id="{E7D745A2-1954-874D-B978-521F0D0FBC58}"/>
-              </a:ext>
-            </a:extLst>
-          </p:cNvPr>
-          <p:cNvSpPr txBox="1"/>
-          <p:nvPr/>
-        </p:nvSpPr>
-        <p:spPr>
-          <a:xfrm>
-            <a:off x="604007" y="360728"/>
-            <a:ext cx="1702965" cy="369332"/>
-          </a:xfrm>
-          <a:prstGeom prst="rect">
-            <a:avLst/>
-          </a:prstGeom>
-          <a:noFill/>
-        </p:spPr>
-        <p:txBody>
-          <a:bodyPr wrap="square" rtlCol="0">
-            <a:spAutoFit/>
-          </a:bodyPr>
-          <a:lstStyle/>
-          <a:p>
-            <a:r>
-              <a:rPr lang="en-US" dirty="0"/>
-              <a:t>LOGO</a:t>
-            </a:r>
-          </a:p>
-        </p:txBody>
-      </p:sp>
-      <p:sp>
-        <p:nvSpPr>
-          <p:cNvPr id="8" name="TextBox 7">
-            <a:extLst>
-              <a:ext uri="{FF2B5EF4-FFF2-40B4-BE49-F238E27FC236}">
-                <a16:creationId xmlns:a16="http://schemas.microsoft.com/office/drawing/2014/main" id="{955242FB-1453-5E4A-B9AC-9E4ACD40FBE2}"/>
-              </a:ext>
-            </a:extLst>
-          </p:cNvPr>
-          <p:cNvSpPr txBox="1"/>
-          <p:nvPr/>
-        </p:nvSpPr>
-        <p:spPr>
-          <a:xfrm>
-            <a:off x="10975596" y="1118802"/>
-            <a:ext cx="1073791" cy="307777"/>
-          </a:xfrm>
-          <a:prstGeom prst="rect">
-            <a:avLst/>
-          </a:prstGeom>
-          <a:noFill/>
-        </p:spPr>
-        <p:txBody>
-          <a:bodyPr wrap="square" rtlCol="0">
-            <a:spAutoFit/>
-          </a:bodyPr>
-          <a:lstStyle/>
-          <a:p>
-            <a:r>
-              <a:rPr lang="en-US" sz="1400" dirty="0"/>
-              <a:t>Sign out</a:t>
-            </a:r>
-          </a:p>
-        </p:txBody>
-      </p:sp>
-      <p:sp>
-        <p:nvSpPr>
           <p:cNvPr id="13" name="TextBox 12">
             <a:extLst>
               <a:ext uri="{FF2B5EF4-FFF2-40B4-BE49-F238E27FC236}">
@@ -10260,23 +11314,23 @@
         </p:nvSpPr>
         <p:spPr>
           <a:xfrm>
-            <a:off x="4769140" y="356344"/>
-            <a:ext cx="2189527" cy="646331"/>
-          </a:xfrm>
-          <a:prstGeom prst="rect">
-            <a:avLst/>
-          </a:prstGeom>
-          <a:noFill/>
-        </p:spPr>
-        <p:txBody>
-          <a:bodyPr wrap="square" rtlCol="0">
-            <a:spAutoFit/>
-          </a:bodyPr>
-          <a:lstStyle/>
-          <a:p>
-            <a:r>
-              <a:rPr lang="en-US" dirty="0"/>
-              <a:t>Patient Access</a:t>
+            <a:off x="4836252" y="223618"/>
+            <a:ext cx="2403447" cy="646331"/>
+          </a:xfrm>
+          <a:prstGeom prst="rect">
+            <a:avLst/>
+          </a:prstGeom>
+          <a:noFill/>
+        </p:spPr>
+        <p:txBody>
+          <a:bodyPr wrap="square" rtlCol="0">
+            <a:spAutoFit/>
+          </a:bodyPr>
+          <a:lstStyle/>
+          <a:p>
+            <a:r>
+              <a:rPr lang="en-US" dirty="0"/>
+              <a:t>Reset Password</a:t>
             </a:r>
           </a:p>
           <a:p>
@@ -10292,77 +11346,7 @@
           <p:cNvPr id="16" name="TextBox 15">
             <a:extLst>
               <a:ext uri="{FF2B5EF4-FFF2-40B4-BE49-F238E27FC236}">
-                <a16:creationId xmlns:a16="http://schemas.microsoft.com/office/drawing/2014/main" id="{4CE9F10F-C850-0B40-ADEF-4FB1BB68B7A2}"/>
-              </a:ext>
-            </a:extLst>
-          </p:cNvPr>
-          <p:cNvSpPr txBox="1"/>
-          <p:nvPr/>
-        </p:nvSpPr>
-        <p:spPr>
-          <a:xfrm>
-            <a:off x="1514212" y="1000060"/>
-            <a:ext cx="2009163" cy="369332"/>
-          </a:xfrm>
-          <a:prstGeom prst="rect">
-            <a:avLst/>
-          </a:prstGeom>
-          <a:noFill/>
-        </p:spPr>
-        <p:txBody>
-          <a:bodyPr wrap="square" rtlCol="0">
-            <a:spAutoFit/>
-          </a:bodyPr>
-          <a:lstStyle/>
-          <a:p>
-            <a:r>
-              <a:rPr lang="en-US" dirty="0"/>
-              <a:t>Book appointment</a:t>
-            </a:r>
-          </a:p>
-        </p:txBody>
-      </p:sp>
-      <p:sp>
-        <p:nvSpPr>
-          <p:cNvPr id="2" name="TextBox 1">
-            <a:extLst>
-              <a:ext uri="{FF2B5EF4-FFF2-40B4-BE49-F238E27FC236}">
-                <a16:creationId xmlns:a16="http://schemas.microsoft.com/office/drawing/2014/main" id="{7DE9CBAF-0DA0-BD4B-8685-0FC1908C21E1}"/>
-              </a:ext>
-            </a:extLst>
-          </p:cNvPr>
-          <p:cNvSpPr txBox="1"/>
-          <p:nvPr/>
-        </p:nvSpPr>
-        <p:spPr>
-          <a:xfrm>
-            <a:off x="5108196" y="1945814"/>
-            <a:ext cx="3401736" cy="369332"/>
-          </a:xfrm>
-          <a:prstGeom prst="rect">
-            <a:avLst/>
-          </a:prstGeom>
-          <a:noFill/>
-        </p:spPr>
-        <p:txBody>
-          <a:bodyPr wrap="square" rtlCol="0">
-            <a:spAutoFit/>
-          </a:bodyPr>
-          <a:lstStyle/>
-          <a:p>
-            <a:r>
-              <a:rPr lang="en-US" dirty="0"/>
-              <a:t>Book appointment</a:t>
-            </a:r>
-          </a:p>
-        </p:txBody>
-      </p:sp>
-      <p:sp>
-        <p:nvSpPr>
-          <p:cNvPr id="17" name="TextBox 16">
-            <a:extLst>
-              <a:ext uri="{FF2B5EF4-FFF2-40B4-BE49-F238E27FC236}">
-                <a16:creationId xmlns:a16="http://schemas.microsoft.com/office/drawing/2014/main" id="{050A665A-C98A-B44A-8A44-D61414C70B12}"/>
+                <a16:creationId xmlns:a16="http://schemas.microsoft.com/office/drawing/2014/main" id="{9D3D5B5A-A641-CB44-A02E-E1634756113D}"/>
               </a:ext>
             </a:extLst>
           </p:cNvPr>
@@ -10394,35 +11378,70 @@
       </p:sp>
       <p:sp>
         <p:nvSpPr>
+          <p:cNvPr id="17" name="TextBox 16">
+            <a:extLst>
+              <a:ext uri="{FF2B5EF4-FFF2-40B4-BE49-F238E27FC236}">
+                <a16:creationId xmlns:a16="http://schemas.microsoft.com/office/drawing/2014/main" id="{9F1C97D4-7A20-8041-B716-528967B1043D}"/>
+              </a:ext>
+            </a:extLst>
+          </p:cNvPr>
+          <p:cNvSpPr txBox="1"/>
+          <p:nvPr/>
+        </p:nvSpPr>
+        <p:spPr>
+          <a:xfrm>
+            <a:off x="2306972" y="2505670"/>
+            <a:ext cx="2169954" cy="369332"/>
+          </a:xfrm>
+          <a:prstGeom prst="rect">
+            <a:avLst/>
+          </a:prstGeom>
+          <a:noFill/>
+        </p:spPr>
+        <p:txBody>
+          <a:bodyPr wrap="square" rtlCol="0">
+            <a:spAutoFit/>
+          </a:bodyPr>
+          <a:lstStyle/>
+          <a:p>
+            <a:r>
+              <a:rPr lang="en-US" dirty="0"/>
+              <a:t>Reset Password:</a:t>
+            </a:r>
+          </a:p>
+        </p:txBody>
+      </p:sp>
+      <p:sp>
+        <p:nvSpPr>
           <p:cNvPr id="18" name="TextBox 17">
             <a:extLst>
               <a:ext uri="{FF2B5EF4-FFF2-40B4-BE49-F238E27FC236}">
-                <a16:creationId xmlns:a16="http://schemas.microsoft.com/office/drawing/2014/main" id="{06DB5F45-DED0-5547-8911-09307E015ECE}"/>
-              </a:ext>
-            </a:extLst>
-          </p:cNvPr>
-          <p:cNvSpPr txBox="1"/>
-          <p:nvPr/>
-        </p:nvSpPr>
-        <p:spPr>
-          <a:xfrm>
-            <a:off x="3390550" y="1023242"/>
-            <a:ext cx="1777068" cy="338554"/>
-          </a:xfrm>
-          <a:prstGeom prst="rect">
-            <a:avLst/>
-          </a:prstGeom>
-          <a:noFill/>
-        </p:spPr>
-        <p:txBody>
-          <a:bodyPr wrap="square" rtlCol="0">
-            <a:spAutoFit/>
-          </a:bodyPr>
-          <a:lstStyle/>
-          <a:p>
-            <a:r>
-              <a:rPr lang="en-US" sz="1600" dirty="0"/>
-              <a:t>View your record</a:t>
+                <a16:creationId xmlns:a16="http://schemas.microsoft.com/office/drawing/2014/main" id="{92024BBC-5F0B-7243-B3D8-D68B6C1E9D98}"/>
+              </a:ext>
+            </a:extLst>
+          </p:cNvPr>
+          <p:cNvSpPr txBox="1"/>
+          <p:nvPr/>
+        </p:nvSpPr>
+        <p:spPr>
+          <a:xfrm>
+            <a:off x="4476926" y="3545401"/>
+            <a:ext cx="2169954" cy="369332"/>
+          </a:xfrm>
+          <a:prstGeom prst="rect">
+            <a:avLst/>
+          </a:prstGeom>
+          <a:noFill/>
+        </p:spPr>
+        <p:txBody>
+          <a:bodyPr wrap="square" rtlCol="0">
+            <a:spAutoFit/>
+          </a:bodyPr>
+          <a:lstStyle/>
+          <a:p>
+            <a:r>
+              <a:rPr lang="en-US" dirty="0"/>
+              <a:t>Confirm (button)</a:t>
             </a:r>
           </a:p>
         </p:txBody>
@@ -10432,247 +11451,81 @@
           <p:cNvPr id="19" name="TextBox 18">
             <a:extLst>
               <a:ext uri="{FF2B5EF4-FFF2-40B4-BE49-F238E27FC236}">
-                <a16:creationId xmlns:a16="http://schemas.microsoft.com/office/drawing/2014/main" id="{70561B6D-D157-8A49-ABED-A54D0725474B}"/>
-              </a:ext>
-            </a:extLst>
-          </p:cNvPr>
-          <p:cNvSpPr txBox="1"/>
-          <p:nvPr/>
-        </p:nvSpPr>
-        <p:spPr>
-          <a:xfrm>
-            <a:off x="9708857" y="1109391"/>
-            <a:ext cx="1266739" cy="338554"/>
-          </a:xfrm>
-          <a:prstGeom prst="rect">
-            <a:avLst/>
-          </a:prstGeom>
-          <a:noFill/>
-        </p:spPr>
-        <p:txBody>
-          <a:bodyPr wrap="square" rtlCol="0">
-            <a:spAutoFit/>
-          </a:bodyPr>
-          <a:lstStyle/>
-          <a:p>
-            <a:r>
-              <a:rPr lang="en-US" sz="1600" dirty="0"/>
-              <a:t>Messages</a:t>
-            </a:r>
-          </a:p>
-        </p:txBody>
-      </p:sp>
-      <p:sp>
-        <p:nvSpPr>
-          <p:cNvPr id="20" name="TextBox 19">
-            <a:extLst>
-              <a:ext uri="{FF2B5EF4-FFF2-40B4-BE49-F238E27FC236}">
-                <a16:creationId xmlns:a16="http://schemas.microsoft.com/office/drawing/2014/main" id="{CC7689EE-3C59-2445-89B7-7E7BC7106C27}"/>
-              </a:ext>
-            </a:extLst>
-          </p:cNvPr>
-          <p:cNvSpPr txBox="1"/>
-          <p:nvPr/>
-        </p:nvSpPr>
-        <p:spPr>
-          <a:xfrm>
-            <a:off x="3535959" y="2462147"/>
-            <a:ext cx="1572237" cy="369332"/>
-          </a:xfrm>
-          <a:prstGeom prst="rect">
-            <a:avLst/>
-          </a:prstGeom>
-          <a:noFill/>
-        </p:spPr>
-        <p:txBody>
-          <a:bodyPr wrap="square" rtlCol="0">
-            <a:spAutoFit/>
-          </a:bodyPr>
-          <a:lstStyle/>
-          <a:p>
-            <a:r>
-              <a:rPr lang="en-US" dirty="0"/>
-              <a:t>Select Date</a:t>
-            </a:r>
-          </a:p>
-        </p:txBody>
-      </p:sp>
-      <p:sp>
-        <p:nvSpPr>
-          <p:cNvPr id="21" name="TextBox 20">
-            <a:extLst>
-              <a:ext uri="{FF2B5EF4-FFF2-40B4-BE49-F238E27FC236}">
-                <a16:creationId xmlns:a16="http://schemas.microsoft.com/office/drawing/2014/main" id="{7B7232E0-FEEC-D142-B64A-BEAAED46A0D3}"/>
-              </a:ext>
-            </a:extLst>
-          </p:cNvPr>
-          <p:cNvSpPr txBox="1"/>
-          <p:nvPr/>
-        </p:nvSpPr>
-        <p:spPr>
-          <a:xfrm>
-            <a:off x="3492965" y="2799913"/>
-            <a:ext cx="1572237" cy="369332"/>
-          </a:xfrm>
-          <a:prstGeom prst="rect">
-            <a:avLst/>
-          </a:prstGeom>
-          <a:noFill/>
-        </p:spPr>
-        <p:txBody>
-          <a:bodyPr wrap="square" rtlCol="0">
-            <a:spAutoFit/>
-          </a:bodyPr>
-          <a:lstStyle/>
-          <a:p>
-            <a:r>
-              <a:rPr lang="en-US" dirty="0"/>
-              <a:t>Select doctor</a:t>
-            </a:r>
-          </a:p>
-        </p:txBody>
-      </p:sp>
-      <p:sp>
-        <p:nvSpPr>
-          <p:cNvPr id="22" name="TextBox 21">
-            <a:extLst>
-              <a:ext uri="{FF2B5EF4-FFF2-40B4-BE49-F238E27FC236}">
-                <a16:creationId xmlns:a16="http://schemas.microsoft.com/office/drawing/2014/main" id="{D910F3D3-03EA-A746-8500-CA622E5CAC69}"/>
-              </a:ext>
-            </a:extLst>
-          </p:cNvPr>
-          <p:cNvSpPr txBox="1"/>
-          <p:nvPr/>
-        </p:nvSpPr>
-        <p:spPr>
-          <a:xfrm>
-            <a:off x="3492964" y="3136598"/>
-            <a:ext cx="1572237" cy="369332"/>
-          </a:xfrm>
-          <a:prstGeom prst="rect">
-            <a:avLst/>
-          </a:prstGeom>
-          <a:noFill/>
-        </p:spPr>
-        <p:txBody>
-          <a:bodyPr wrap="square" rtlCol="0">
-            <a:spAutoFit/>
-          </a:bodyPr>
-          <a:lstStyle/>
-          <a:p>
-            <a:r>
-              <a:rPr lang="en-US" dirty="0"/>
-              <a:t>Problem</a:t>
-            </a:r>
-          </a:p>
-        </p:txBody>
-      </p:sp>
-      <p:sp>
-        <p:nvSpPr>
-          <p:cNvPr id="23" name="TextBox 22">
-            <a:extLst>
-              <a:ext uri="{FF2B5EF4-FFF2-40B4-BE49-F238E27FC236}">
-                <a16:creationId xmlns:a16="http://schemas.microsoft.com/office/drawing/2014/main" id="{A6C432AD-33FD-344C-A624-A462B6AC87FB}"/>
-              </a:ext>
-            </a:extLst>
-          </p:cNvPr>
-          <p:cNvSpPr txBox="1"/>
-          <p:nvPr/>
-        </p:nvSpPr>
-        <p:spPr>
-          <a:xfrm>
-            <a:off x="3595381" y="3604054"/>
-            <a:ext cx="1010175" cy="369332"/>
-          </a:xfrm>
-          <a:prstGeom prst="rect">
-            <a:avLst/>
-          </a:prstGeom>
-          <a:noFill/>
-        </p:spPr>
-        <p:txBody>
-          <a:bodyPr wrap="square" rtlCol="0">
-            <a:spAutoFit/>
-          </a:bodyPr>
-          <a:lstStyle/>
-          <a:p>
-            <a:r>
-              <a:rPr lang="en-US" dirty="0"/>
-              <a:t>Book</a:t>
-            </a:r>
-          </a:p>
-        </p:txBody>
-      </p:sp>
-      <p:sp>
-        <p:nvSpPr>
-          <p:cNvPr id="24" name="TextBox 23">
-            <a:extLst>
-              <a:ext uri="{FF2B5EF4-FFF2-40B4-BE49-F238E27FC236}">
-                <a16:creationId xmlns:a16="http://schemas.microsoft.com/office/drawing/2014/main" id="{0225D049-2947-0045-BEF4-4ACD313D6965}"/>
-              </a:ext>
-            </a:extLst>
-          </p:cNvPr>
-          <p:cNvSpPr txBox="1"/>
-          <p:nvPr/>
-        </p:nvSpPr>
-        <p:spPr>
-          <a:xfrm>
-            <a:off x="4380800" y="3604054"/>
-            <a:ext cx="1010175" cy="369332"/>
-          </a:xfrm>
-          <a:prstGeom prst="rect">
-            <a:avLst/>
-          </a:prstGeom>
-          <a:noFill/>
-        </p:spPr>
-        <p:txBody>
-          <a:bodyPr wrap="square" rtlCol="0">
-            <a:spAutoFit/>
-          </a:bodyPr>
-          <a:lstStyle/>
-          <a:p>
-            <a:r>
-              <a:rPr lang="en-US" dirty="0"/>
-              <a:t>Clear</a:t>
-            </a:r>
-          </a:p>
-        </p:txBody>
-      </p:sp>
-      <p:sp>
-        <p:nvSpPr>
-          <p:cNvPr id="3" name="TextBox 2">
-            <a:extLst>
-              <a:ext uri="{FF2B5EF4-FFF2-40B4-BE49-F238E27FC236}">
-                <a16:creationId xmlns:a16="http://schemas.microsoft.com/office/drawing/2014/main" id="{C1390B5A-4A20-A042-8D55-A5919B659ABD}"/>
-              </a:ext>
-            </a:extLst>
-          </p:cNvPr>
-          <p:cNvSpPr txBox="1"/>
-          <p:nvPr/>
-        </p:nvSpPr>
-        <p:spPr>
-          <a:xfrm>
-            <a:off x="6484690" y="333270"/>
-            <a:ext cx="1879134" cy="923330"/>
-          </a:xfrm>
-          <a:prstGeom prst="rect">
-            <a:avLst/>
-          </a:prstGeom>
-          <a:noFill/>
-          <a:ln>
-            <a:solidFill>
-              <a:schemeClr val="accent6"/>
-            </a:solidFill>
-          </a:ln>
-        </p:spPr>
-        <p:txBody>
-          <a:bodyPr wrap="square" rtlCol="0">
-            <a:spAutoFit/>
-          </a:bodyPr>
-          <a:lstStyle/>
-          <a:p>
-            <a:r>
-              <a:rPr lang="en-US" dirty="0"/>
-              <a:t>(alert) Are your booking details correct?</a:t>
+                <a16:creationId xmlns:a16="http://schemas.microsoft.com/office/drawing/2014/main" id="{53E07BA4-E848-F846-BAA2-36F7EE2FB257}"/>
+              </a:ext>
+            </a:extLst>
+          </p:cNvPr>
+          <p:cNvSpPr txBox="1"/>
+          <p:nvPr/>
+        </p:nvSpPr>
+        <p:spPr>
+          <a:xfrm>
+            <a:off x="4476926" y="2963175"/>
+            <a:ext cx="2169954" cy="369332"/>
+          </a:xfrm>
+          <a:prstGeom prst="rect">
+            <a:avLst/>
+          </a:prstGeom>
+          <a:noFill/>
+        </p:spPr>
+        <p:txBody>
+          <a:bodyPr wrap="square" rtlCol="0">
+            <a:spAutoFit/>
+          </a:bodyPr>
+          <a:lstStyle/>
+          <a:p>
+            <a:r>
+              <a:rPr lang="en-US" dirty="0"/>
+              <a:t>Confirm password</a:t>
+            </a:r>
+          </a:p>
+        </p:txBody>
+      </p:sp>
+      <p:sp>
+        <p:nvSpPr>
+          <p:cNvPr id="20" name="Rounded Rectangle 19">
+            <a:extLst>
+              <a:ext uri="{FF2B5EF4-FFF2-40B4-BE49-F238E27FC236}">
+                <a16:creationId xmlns:a16="http://schemas.microsoft.com/office/drawing/2014/main" id="{0F3BB925-828F-E14C-B67E-45575F26CDA0}"/>
+              </a:ext>
+            </a:extLst>
+          </p:cNvPr>
+          <p:cNvSpPr/>
+          <p:nvPr/>
+        </p:nvSpPr>
+        <p:spPr>
+          <a:xfrm>
+            <a:off x="1946246" y="360728"/>
+            <a:ext cx="1624268" cy="564558"/>
+          </a:xfrm>
+          <a:prstGeom prst="roundRect">
+            <a:avLst/>
+          </a:prstGeom>
+        </p:spPr>
+        <p:style>
+          <a:lnRef idx="2">
+            <a:schemeClr val="accent2">
+              <a:shade val="50000"/>
+            </a:schemeClr>
+          </a:lnRef>
+          <a:fillRef idx="1">
+            <a:schemeClr val="accent2"/>
+          </a:fillRef>
+          <a:effectRef idx="0">
+            <a:schemeClr val="accent2"/>
+          </a:effectRef>
+          <a:fontRef idx="minor">
+            <a:schemeClr val="lt1"/>
+          </a:fontRef>
+        </p:style>
+        <p:txBody>
+          <a:bodyPr rtlCol="0" anchor="ctr"/>
+          <a:lstStyle/>
+          <a:p>
+            <a:pPr algn="ctr"/>
+            <a:r>
+              <a:rPr lang="en-US" dirty="0"/>
+              <a:t>Page incomplete</a:t>
             </a:r>
           </a:p>
         </p:txBody>
@@ -10680,7 +11533,7 @@
     </p:spTree>
     <p:extLst>
       <p:ext uri="{BB962C8B-B14F-4D97-AF65-F5344CB8AC3E}">
-        <p14:creationId xmlns:p14="http://schemas.microsoft.com/office/powerpoint/2010/main" val="3600791983"/>
+        <p14:creationId xmlns:p14="http://schemas.microsoft.com/office/powerpoint/2010/main" val="459799909"/>
       </p:ext>
     </p:extLst>
   </p:cSld>
@@ -10769,7 +11622,7 @@
         </p:nvSpPr>
         <p:spPr>
           <a:xfrm>
-            <a:off x="303402" y="207218"/>
+            <a:off x="64715" y="258935"/>
             <a:ext cx="11585196" cy="1291904"/>
           </a:xfrm>
           <a:prstGeom prst="rect">
@@ -10843,7 +11696,7 @@
         </p:nvSpPr>
         <p:spPr>
           <a:xfrm>
-            <a:off x="8858774" y="360728"/>
+            <a:off x="9204121" y="317545"/>
             <a:ext cx="2860646" cy="338554"/>
           </a:xfrm>
           <a:prstGeom prst="rect">
@@ -10913,8 +11766,8 @@
         </p:nvSpPr>
         <p:spPr>
           <a:xfrm>
-            <a:off x="10975596" y="1118802"/>
-            <a:ext cx="1073791" cy="307777"/>
+            <a:off x="10507311" y="1053263"/>
+            <a:ext cx="1073791" cy="523220"/>
           </a:xfrm>
           <a:prstGeom prst="rect">
             <a:avLst/>
@@ -10929,7 +11782,19 @@
           <a:p>
             <a:r>
               <a:rPr lang="en-US" sz="1400" dirty="0"/>
-              <a:t>Sign out</a:t>
+              <a:t>Sign out </a:t>
+            </a:r>
+            <a:r>
+              <a:rPr lang="en-US" sz="1400" dirty="0">
+                <a:solidFill>
+                  <a:schemeClr val="accent5"/>
+                </a:solidFill>
+              </a:rPr>
+              <a:t>(button</a:t>
+            </a:r>
+            <a:r>
+              <a:rPr lang="en-US" sz="1400" dirty="0"/>
+              <a:t>)</a:t>
             </a:r>
           </a:p>
         </p:txBody>
@@ -10948,23 +11813,47 @@
         </p:nvSpPr>
         <p:spPr>
           <a:xfrm>
-            <a:off x="679508" y="1007059"/>
-            <a:ext cx="1266738" cy="369332"/>
-          </a:xfrm>
-          <a:prstGeom prst="rect">
-            <a:avLst/>
-          </a:prstGeom>
-          <a:noFill/>
-        </p:spPr>
-        <p:txBody>
-          <a:bodyPr wrap="square" rtlCol="0">
-            <a:spAutoFit/>
-          </a:bodyPr>
-          <a:lstStyle/>
-          <a:p>
-            <a:r>
-              <a:rPr lang="en-US" dirty="0"/>
-              <a:t>Home</a:t>
+            <a:off x="587228" y="834694"/>
+            <a:ext cx="1736522" cy="646331"/>
+          </a:xfrm>
+          <a:prstGeom prst="rect">
+            <a:avLst/>
+          </a:prstGeom>
+          <a:noFill/>
+        </p:spPr>
+        <p:txBody>
+          <a:bodyPr wrap="square" rtlCol="0">
+            <a:spAutoFit/>
+          </a:bodyPr>
+          <a:lstStyle/>
+          <a:p>
+            <a:r>
+              <a:rPr lang="en-US" dirty="0"/>
+              <a:t>Home </a:t>
+            </a:r>
+            <a:r>
+              <a:rPr lang="en-US" dirty="0">
+                <a:solidFill>
+                  <a:schemeClr val="accent5"/>
+                </a:solidFill>
+              </a:rPr>
+              <a:t>(</a:t>
+            </a:r>
+            <a:r>
+              <a:rPr lang="en-US" dirty="0" err="1">
+                <a:solidFill>
+                  <a:schemeClr val="accent5"/>
+                </a:solidFill>
+              </a:rPr>
+              <a:t>index.jsp</a:t>
+            </a:r>
+            <a:r>
+              <a:rPr lang="en-US" dirty="0">
+                <a:solidFill>
+                  <a:schemeClr val="accent5"/>
+                </a:solidFill>
+              </a:rPr>
+              <a:t>)</a:t>
             </a:r>
           </a:p>
         </p:txBody>
@@ -11018,7 +11907,7 @@
         </p:nvSpPr>
         <p:spPr>
           <a:xfrm>
-            <a:off x="4769140" y="356344"/>
+            <a:off x="5612833" y="1857038"/>
             <a:ext cx="2189527" cy="646331"/>
           </a:xfrm>
           <a:prstGeom prst="rect">
@@ -11039,8 +11928,28 @@
           </a:p>
           <a:p>
             <a:r>
-              <a:rPr lang="en-US" dirty="0"/>
-              <a:t>(Hospital Name)</a:t>
+              <a:rPr lang="en-US" dirty="0">
+                <a:solidFill>
+                  <a:schemeClr val="accent5"/>
+                </a:solidFill>
+              </a:rPr>
+              <a:t>(</a:t>
+            </a:r>
+            <a:r>
+              <a:rPr lang="en-US" dirty="0" err="1">
+                <a:solidFill>
+                  <a:schemeClr val="accent5"/>
+                </a:solidFill>
+              </a:rPr>
+              <a:t>patientAccess.jsp</a:t>
+            </a:r>
+            <a:r>
+              <a:rPr lang="en-US" dirty="0">
+                <a:solidFill>
+                  <a:schemeClr val="accent5"/>
+                </a:solidFill>
+              </a:rPr>
+              <a:t>)</a:t>
             </a:r>
           </a:p>
         </p:txBody>
@@ -11059,23 +11968,47 @@
         </p:nvSpPr>
         <p:spPr>
           <a:xfrm>
-            <a:off x="1514212" y="1000060"/>
-            <a:ext cx="2009163" cy="369332"/>
-          </a:xfrm>
-          <a:prstGeom prst="rect">
-            <a:avLst/>
-          </a:prstGeom>
-          <a:noFill/>
-        </p:spPr>
-        <p:txBody>
-          <a:bodyPr wrap="square" rtlCol="0">
-            <a:spAutoFit/>
-          </a:bodyPr>
-          <a:lstStyle/>
-          <a:p>
-            <a:r>
-              <a:rPr lang="en-US" dirty="0"/>
-              <a:t>Book appointment</a:t>
+            <a:off x="3381812" y="1053263"/>
+            <a:ext cx="2964559" cy="369332"/>
+          </a:xfrm>
+          <a:prstGeom prst="rect">
+            <a:avLst/>
+          </a:prstGeom>
+          <a:noFill/>
+        </p:spPr>
+        <p:txBody>
+          <a:bodyPr wrap="square" rtlCol="0">
+            <a:spAutoFit/>
+          </a:bodyPr>
+          <a:lstStyle/>
+          <a:p>
+            <a:r>
+              <a:rPr lang="en-US" dirty="0"/>
+              <a:t>Booking </a:t>
+            </a:r>
+            <a:r>
+              <a:rPr lang="en-US" dirty="0">
+                <a:solidFill>
+                  <a:schemeClr val="accent5"/>
+                </a:solidFill>
+              </a:rPr>
+              <a:t>(</a:t>
+            </a:r>
+            <a:r>
+              <a:rPr lang="en-US" dirty="0" err="1">
+                <a:solidFill>
+                  <a:schemeClr val="accent5"/>
+                </a:solidFill>
+              </a:rPr>
+              <a:t>bookings.jsp</a:t>
+            </a:r>
+            <a:r>
+              <a:rPr lang="en-US" dirty="0">
+                <a:solidFill>
+                  <a:schemeClr val="accent5"/>
+                </a:solidFill>
+              </a:rPr>
+              <a:t>)</a:t>
             </a:r>
           </a:p>
         </p:txBody>
@@ -11129,7 +12062,7 @@
         </p:nvSpPr>
         <p:spPr>
           <a:xfrm>
-            <a:off x="3390550" y="1023242"/>
+            <a:off x="424343" y="3576970"/>
             <a:ext cx="1777068" cy="338554"/>
           </a:xfrm>
           <a:prstGeom prst="rect">
@@ -11152,41 +12085,6 @@
       </p:sp>
       <p:sp>
         <p:nvSpPr>
-          <p:cNvPr id="19" name="TextBox 18">
-            <a:extLst>
-              <a:ext uri="{FF2B5EF4-FFF2-40B4-BE49-F238E27FC236}">
-                <a16:creationId xmlns:a16="http://schemas.microsoft.com/office/drawing/2014/main" id="{70561B6D-D157-8A49-ABED-A54D0725474B}"/>
-              </a:ext>
-            </a:extLst>
-          </p:cNvPr>
-          <p:cNvSpPr txBox="1"/>
-          <p:nvPr/>
-        </p:nvSpPr>
-        <p:spPr>
-          <a:xfrm>
-            <a:off x="9708857" y="1109391"/>
-            <a:ext cx="1266739" cy="338554"/>
-          </a:xfrm>
-          <a:prstGeom prst="rect">
-            <a:avLst/>
-          </a:prstGeom>
-          <a:noFill/>
-        </p:spPr>
-        <p:txBody>
-          <a:bodyPr wrap="square" rtlCol="0">
-            <a:spAutoFit/>
-          </a:bodyPr>
-          <a:lstStyle/>
-          <a:p>
-            <a:r>
-              <a:rPr lang="en-US" sz="1600" dirty="0"/>
-              <a:t>Messages</a:t>
-            </a:r>
-          </a:p>
-        </p:txBody>
-      </p:sp>
-      <p:sp>
-        <p:nvSpPr>
           <p:cNvPr id="20" name="TextBox 19">
             <a:extLst>
               <a:ext uri="{FF2B5EF4-FFF2-40B4-BE49-F238E27FC236}">
@@ -11199,58 +12097,339 @@
         </p:nvSpPr>
         <p:spPr>
           <a:xfrm>
-            <a:off x="4769140" y="1993154"/>
-            <a:ext cx="2764173" cy="369332"/>
-          </a:xfrm>
-          <a:prstGeom prst="rect">
-            <a:avLst/>
-          </a:prstGeom>
-          <a:noFill/>
-        </p:spPr>
-        <p:txBody>
-          <a:bodyPr wrap="square" rtlCol="0">
-            <a:spAutoFit/>
-          </a:bodyPr>
-          <a:lstStyle/>
-          <a:p>
-            <a:r>
-              <a:rPr lang="en-US" dirty="0"/>
-              <a:t>Booking confirmation</a:t>
-            </a:r>
-          </a:p>
-        </p:txBody>
-      </p:sp>
-      <p:sp>
-        <p:nvSpPr>
-          <p:cNvPr id="25" name="TextBox 24">
-            <a:extLst>
-              <a:ext uri="{FF2B5EF4-FFF2-40B4-BE49-F238E27FC236}">
-                <a16:creationId xmlns:a16="http://schemas.microsoft.com/office/drawing/2014/main" id="{1BFA3CFC-E9F0-1D4D-B22F-9E62711B9D7A}"/>
-              </a:ext>
-            </a:extLst>
-          </p:cNvPr>
-          <p:cNvSpPr txBox="1"/>
-          <p:nvPr/>
-        </p:nvSpPr>
-        <p:spPr>
-          <a:xfrm>
-            <a:off x="4960340" y="3049604"/>
-            <a:ext cx="2271319" cy="369332"/>
-          </a:xfrm>
-          <a:prstGeom prst="rect">
-            <a:avLst/>
-          </a:prstGeom>
-          <a:noFill/>
-        </p:spPr>
-        <p:txBody>
-          <a:bodyPr wrap="square" rtlCol="0">
-            <a:spAutoFit/>
-          </a:bodyPr>
-          <a:lstStyle/>
-          <a:p>
-            <a:r>
-              <a:rPr lang="en-US" dirty="0"/>
-              <a:t>Details of Booking</a:t>
+            <a:off x="5535884" y="3234270"/>
+            <a:ext cx="1572237" cy="369332"/>
+          </a:xfrm>
+          <a:prstGeom prst="rect">
+            <a:avLst/>
+          </a:prstGeom>
+          <a:noFill/>
+        </p:spPr>
+        <p:txBody>
+          <a:bodyPr wrap="square" rtlCol="0">
+            <a:spAutoFit/>
+          </a:bodyPr>
+          <a:lstStyle/>
+          <a:p>
+            <a:r>
+              <a:rPr lang="en-US" dirty="0"/>
+              <a:t>Booking Date</a:t>
+            </a:r>
+          </a:p>
+        </p:txBody>
+      </p:sp>
+      <p:sp>
+        <p:nvSpPr>
+          <p:cNvPr id="21" name="TextBox 20">
+            <a:extLst>
+              <a:ext uri="{FF2B5EF4-FFF2-40B4-BE49-F238E27FC236}">
+                <a16:creationId xmlns:a16="http://schemas.microsoft.com/office/drawing/2014/main" id="{7B7232E0-FEEC-D142-B64A-BEAAED46A0D3}"/>
+              </a:ext>
+            </a:extLst>
+          </p:cNvPr>
+          <p:cNvSpPr txBox="1"/>
+          <p:nvPr/>
+        </p:nvSpPr>
+        <p:spPr>
+          <a:xfrm>
+            <a:off x="7866707" y="3213680"/>
+            <a:ext cx="1572237" cy="369332"/>
+          </a:xfrm>
+          <a:prstGeom prst="rect">
+            <a:avLst/>
+          </a:prstGeom>
+          <a:noFill/>
+        </p:spPr>
+        <p:txBody>
+          <a:bodyPr wrap="square" rtlCol="0">
+            <a:spAutoFit/>
+          </a:bodyPr>
+          <a:lstStyle/>
+          <a:p>
+            <a:r>
+              <a:rPr lang="en-US" dirty="0"/>
+              <a:t>Select doctor</a:t>
+            </a:r>
+          </a:p>
+        </p:txBody>
+      </p:sp>
+      <p:sp>
+        <p:nvSpPr>
+          <p:cNvPr id="22" name="TextBox 21">
+            <a:extLst>
+              <a:ext uri="{FF2B5EF4-FFF2-40B4-BE49-F238E27FC236}">
+                <a16:creationId xmlns:a16="http://schemas.microsoft.com/office/drawing/2014/main" id="{D910F3D3-03EA-A746-8500-CA622E5CAC69}"/>
+              </a:ext>
+            </a:extLst>
+          </p:cNvPr>
+          <p:cNvSpPr txBox="1"/>
+          <p:nvPr/>
+        </p:nvSpPr>
+        <p:spPr>
+          <a:xfrm>
+            <a:off x="3052182" y="3207638"/>
+            <a:ext cx="1572237" cy="369332"/>
+          </a:xfrm>
+          <a:prstGeom prst="rect">
+            <a:avLst/>
+          </a:prstGeom>
+          <a:noFill/>
+        </p:spPr>
+        <p:txBody>
+          <a:bodyPr wrap="square" rtlCol="0">
+            <a:spAutoFit/>
+          </a:bodyPr>
+          <a:lstStyle/>
+          <a:p>
+            <a:r>
+              <a:rPr lang="en-US" dirty="0"/>
+              <a:t>Problem</a:t>
+            </a:r>
+          </a:p>
+        </p:txBody>
+      </p:sp>
+      <p:sp>
+        <p:nvSpPr>
+          <p:cNvPr id="23" name="TextBox 22">
+            <a:extLst>
+              <a:ext uri="{FF2B5EF4-FFF2-40B4-BE49-F238E27FC236}">
+                <a16:creationId xmlns:a16="http://schemas.microsoft.com/office/drawing/2014/main" id="{A6C432AD-33FD-344C-A624-A462B6AC87FB}"/>
+              </a:ext>
+            </a:extLst>
+          </p:cNvPr>
+          <p:cNvSpPr txBox="1"/>
+          <p:nvPr/>
+        </p:nvSpPr>
+        <p:spPr>
+          <a:xfrm>
+            <a:off x="4588930" y="4334503"/>
+            <a:ext cx="2047806" cy="369332"/>
+          </a:xfrm>
+          <a:prstGeom prst="rect">
+            <a:avLst/>
+          </a:prstGeom>
+          <a:noFill/>
+        </p:spPr>
+        <p:txBody>
+          <a:bodyPr wrap="square" rtlCol="0">
+            <a:spAutoFit/>
+          </a:bodyPr>
+          <a:lstStyle/>
+          <a:p>
+            <a:r>
+              <a:rPr lang="en-US" dirty="0"/>
+              <a:t>Book</a:t>
+            </a:r>
+          </a:p>
+        </p:txBody>
+      </p:sp>
+      <p:sp>
+        <p:nvSpPr>
+          <p:cNvPr id="24" name="TextBox 23">
+            <a:extLst>
+              <a:ext uri="{FF2B5EF4-FFF2-40B4-BE49-F238E27FC236}">
+                <a16:creationId xmlns:a16="http://schemas.microsoft.com/office/drawing/2014/main" id="{0225D049-2947-0045-BEF4-4ACD313D6965}"/>
+              </a:ext>
+            </a:extLst>
+          </p:cNvPr>
+          <p:cNvSpPr txBox="1"/>
+          <p:nvPr/>
+        </p:nvSpPr>
+        <p:spPr>
+          <a:xfrm>
+            <a:off x="6707596" y="4354632"/>
+            <a:ext cx="1010175" cy="369332"/>
+          </a:xfrm>
+          <a:prstGeom prst="rect">
+            <a:avLst/>
+          </a:prstGeom>
+          <a:noFill/>
+        </p:spPr>
+        <p:txBody>
+          <a:bodyPr wrap="square" rtlCol="0">
+            <a:spAutoFit/>
+          </a:bodyPr>
+          <a:lstStyle/>
+          <a:p>
+            <a:r>
+              <a:rPr lang="en-US" dirty="0"/>
+              <a:t>Clear</a:t>
+            </a:r>
+          </a:p>
+        </p:txBody>
+      </p:sp>
+      <p:sp>
+        <p:nvSpPr>
+          <p:cNvPr id="27" name="TextBox 26">
+            <a:extLst>
+              <a:ext uri="{FF2B5EF4-FFF2-40B4-BE49-F238E27FC236}">
+                <a16:creationId xmlns:a16="http://schemas.microsoft.com/office/drawing/2014/main" id="{48627E93-0795-4049-92FC-32AB5BAA21E6}"/>
+              </a:ext>
+            </a:extLst>
+          </p:cNvPr>
+          <p:cNvSpPr txBox="1"/>
+          <p:nvPr/>
+        </p:nvSpPr>
+        <p:spPr>
+          <a:xfrm>
+            <a:off x="7108121" y="845256"/>
+            <a:ext cx="2860646" cy="646331"/>
+          </a:xfrm>
+          <a:prstGeom prst="rect">
+            <a:avLst/>
+          </a:prstGeom>
+          <a:noFill/>
+        </p:spPr>
+        <p:txBody>
+          <a:bodyPr wrap="square" rtlCol="0">
+            <a:spAutoFit/>
+          </a:bodyPr>
+          <a:lstStyle/>
+          <a:p>
+            <a:r>
+              <a:rPr lang="en-US" dirty="0"/>
+              <a:t>Treatment </a:t>
+            </a:r>
+            <a:r>
+              <a:rPr lang="en-US" dirty="0">
+                <a:solidFill>
+                  <a:schemeClr val="accent5"/>
+                </a:solidFill>
+              </a:rPr>
+              <a:t>(</a:t>
+            </a:r>
+            <a:r>
+              <a:rPr lang="en-US" dirty="0" err="1">
+                <a:solidFill>
+                  <a:schemeClr val="accent5"/>
+                </a:solidFill>
+              </a:rPr>
+              <a:t>displayRecord.jsp</a:t>
+            </a:r>
+            <a:r>
+              <a:rPr lang="en-US" dirty="0">
+                <a:solidFill>
+                  <a:schemeClr val="accent5"/>
+                </a:solidFill>
+              </a:rPr>
+              <a:t>)</a:t>
+            </a:r>
+          </a:p>
+        </p:txBody>
+      </p:sp>
+      <p:sp>
+        <p:nvSpPr>
+          <p:cNvPr id="28" name="TextBox 27">
+            <a:extLst>
+              <a:ext uri="{FF2B5EF4-FFF2-40B4-BE49-F238E27FC236}">
+                <a16:creationId xmlns:a16="http://schemas.microsoft.com/office/drawing/2014/main" id="{2B755557-3838-3047-964E-3F06034A40A5}"/>
+              </a:ext>
+            </a:extLst>
+          </p:cNvPr>
+          <p:cNvSpPr txBox="1"/>
+          <p:nvPr/>
+        </p:nvSpPr>
+        <p:spPr>
+          <a:xfrm>
+            <a:off x="3052182" y="2650174"/>
+            <a:ext cx="1572237" cy="369332"/>
+          </a:xfrm>
+          <a:prstGeom prst="rect">
+            <a:avLst/>
+          </a:prstGeom>
+          <a:noFill/>
+        </p:spPr>
+        <p:txBody>
+          <a:bodyPr wrap="square" rtlCol="0">
+            <a:spAutoFit/>
+          </a:bodyPr>
+          <a:lstStyle/>
+          <a:p>
+            <a:r>
+              <a:rPr lang="en-US" dirty="0"/>
+              <a:t>Phone number</a:t>
+            </a:r>
+          </a:p>
+        </p:txBody>
+      </p:sp>
+      <p:sp>
+        <p:nvSpPr>
+          <p:cNvPr id="29" name="TextBox 28">
+            <a:extLst>
+              <a:ext uri="{FF2B5EF4-FFF2-40B4-BE49-F238E27FC236}">
+                <a16:creationId xmlns:a16="http://schemas.microsoft.com/office/drawing/2014/main" id="{A7DDC63A-D45C-A248-A2EF-977CF0B9A286}"/>
+              </a:ext>
+            </a:extLst>
+          </p:cNvPr>
+          <p:cNvSpPr txBox="1"/>
+          <p:nvPr/>
+        </p:nvSpPr>
+        <p:spPr>
+          <a:xfrm>
+            <a:off x="5618170" y="2636790"/>
+            <a:ext cx="1572237" cy="369332"/>
+          </a:xfrm>
+          <a:prstGeom prst="rect">
+            <a:avLst/>
+          </a:prstGeom>
+          <a:noFill/>
+        </p:spPr>
+        <p:txBody>
+          <a:bodyPr wrap="square" rtlCol="0">
+            <a:spAutoFit/>
+          </a:bodyPr>
+          <a:lstStyle/>
+          <a:p>
+            <a:r>
+              <a:rPr lang="en-US" dirty="0"/>
+              <a:t>DOB</a:t>
+            </a:r>
+          </a:p>
+        </p:txBody>
+      </p:sp>
+      <p:sp>
+        <p:nvSpPr>
+          <p:cNvPr id="30" name="Rounded Rectangle 29">
+            <a:extLst>
+              <a:ext uri="{FF2B5EF4-FFF2-40B4-BE49-F238E27FC236}">
+                <a16:creationId xmlns:a16="http://schemas.microsoft.com/office/drawing/2014/main" id="{0EE5F47A-7997-E344-9E49-CF9665371C6B}"/>
+              </a:ext>
+            </a:extLst>
+          </p:cNvPr>
+          <p:cNvSpPr/>
+          <p:nvPr/>
+        </p:nvSpPr>
+        <p:spPr>
+          <a:xfrm>
+            <a:off x="3143675" y="1928642"/>
+            <a:ext cx="1624268" cy="564558"/>
+          </a:xfrm>
+          <a:prstGeom prst="roundRect">
+            <a:avLst/>
+          </a:prstGeom>
+        </p:spPr>
+        <p:style>
+          <a:lnRef idx="1">
+            <a:schemeClr val="accent6"/>
+          </a:lnRef>
+          <a:fillRef idx="3">
+            <a:schemeClr val="accent6"/>
+          </a:fillRef>
+          <a:effectRef idx="2">
+            <a:schemeClr val="accent6"/>
+          </a:effectRef>
+          <a:fontRef idx="minor">
+            <a:schemeClr val="lt1"/>
+          </a:fontRef>
+        </p:style>
+        <p:txBody>
+          <a:bodyPr rtlCol="0" anchor="ctr"/>
+          <a:lstStyle/>
+          <a:p>
+            <a:pPr algn="ctr"/>
+            <a:r>
+              <a:rPr lang="en-US" dirty="0"/>
+              <a:t>Page completed</a:t>
             </a:r>
           </a:p>
         </p:txBody>
@@ -11258,7 +12437,7 @@
     </p:spTree>
     <p:extLst>
       <p:ext uri="{BB962C8B-B14F-4D97-AF65-F5344CB8AC3E}">
-        <p14:creationId xmlns:p14="http://schemas.microsoft.com/office/powerpoint/2010/main" val="3530130337"/>
+        <p14:creationId xmlns:p14="http://schemas.microsoft.com/office/powerpoint/2010/main" val="3600791983"/>
       </p:ext>
     </p:extLst>
   </p:cSld>
